--- a/Administration/JamesGouinSePresente.pptx
+++ b/Administration/JamesGouinSePresente.pptx
@@ -5,10 +5,10 @@
     <p:sldMasterId id="2147483863" r:id="rId1"/>
   </p:sldMasterIdLst>
   <p:notesMasterIdLst>
-    <p:notesMasterId r:id="rId14"/>
+    <p:notesMasterId r:id="rId26"/>
   </p:notesMasterIdLst>
   <p:handoutMasterIdLst>
-    <p:handoutMasterId r:id="rId15"/>
+    <p:handoutMasterId r:id="rId27"/>
   </p:handoutMasterIdLst>
   <p:sldIdLst>
     <p:sldId id="256" r:id="rId2"/>
@@ -20,9 +20,21 @@
     <p:sldId id="275" r:id="rId8"/>
     <p:sldId id="276" r:id="rId9"/>
     <p:sldId id="277" r:id="rId10"/>
-    <p:sldId id="274" r:id="rId11"/>
-    <p:sldId id="266" r:id="rId12"/>
-    <p:sldId id="271" r:id="rId13"/>
+    <p:sldId id="278" r:id="rId11"/>
+    <p:sldId id="279" r:id="rId12"/>
+    <p:sldId id="281" r:id="rId13"/>
+    <p:sldId id="280" r:id="rId14"/>
+    <p:sldId id="282" r:id="rId15"/>
+    <p:sldId id="283" r:id="rId16"/>
+    <p:sldId id="284" r:id="rId17"/>
+    <p:sldId id="285" r:id="rId18"/>
+    <p:sldId id="286" r:id="rId19"/>
+    <p:sldId id="287" r:id="rId20"/>
+    <p:sldId id="288" r:id="rId21"/>
+    <p:sldId id="289" r:id="rId22"/>
+    <p:sldId id="274" r:id="rId23"/>
+    <p:sldId id="266" r:id="rId24"/>
+    <p:sldId id="271" r:id="rId25"/>
   </p:sldIdLst>
   <p:sldSz cx="9144000" cy="6858000" type="screen4x3"/>
   <p:notesSz cx="6858000" cy="9144000"/>
@@ -288,7 +300,7 @@
           <a:p>
             <a:fld id="{DD99509E-6BDC-B342-9D56-6CF33E61AF5F}" type="slidenum">
               <a:rPr lang="fr-FR" smtClean="0"/>
-              <a:t>‹#›</a:t>
+              <a:t>‹N°›</a:t>
             </a:fld>
             <a:endParaRPr lang="fr-FR"/>
           </a:p>
@@ -547,7 +559,7 @@
           <a:p>
             <a:fld id="{953D97BD-1AB9-714E-AA5A-8BE4BC9E0007}" type="slidenum">
               <a:rPr lang="fr-FR" smtClean="0"/>
-              <a:t>‹#›</a:t>
+              <a:t>‹N°›</a:t>
             </a:fld>
             <a:endParaRPr lang="fr-FR"/>
           </a:p>
@@ -701,22 +713,6 @@
           <a:bodyPr/>
           <a:lstStyle/>
           <a:p>
-            <a:r>
-              <a:rPr lang="fr-FR" dirty="0" smtClean="0"/>
-              <a:t>Romain</a:t>
-            </a:r>
-          </a:p>
-          <a:p>
-            <a:r>
-              <a:rPr lang="fr-FR" dirty="0" smtClean="0"/>
-              <a:t>- Intro</a:t>
-            </a:r>
-          </a:p>
-          <a:p>
-            <a:r>
-              <a:rPr lang="fr-FR" dirty="0" smtClean="0"/>
-              <a:t>	- Histoire Rapide</a:t>
-            </a:r>
             <a:endParaRPr lang="fr-FR" dirty="0"/>
           </a:p>
         </p:txBody>
@@ -801,111 +797,7 @@
           <a:bodyPr/>
           <a:lstStyle/>
           <a:p>
-            <a:r>
-              <a:rPr lang="fr-FR" b="1" dirty="0" smtClean="0"/>
-              <a:t>Ennemis</a:t>
-            </a:r>
-          </a:p>
-          <a:p>
-            <a:pPr marL="0" indent="0">
-              <a:buFont typeface="Arial"/>
-              <a:buNone/>
-            </a:pPr>
-            <a:endParaRPr lang="fr-FR" b="1" dirty="0" smtClean="0"/>
-          </a:p>
-          <a:p>
-            <a:pPr marL="171450" indent="-171450">
-              <a:buFont typeface="Arial"/>
-              <a:buChar char="•"/>
-            </a:pPr>
-            <a:r>
-              <a:rPr lang="fr-FR" b="0" dirty="0" smtClean="0"/>
-              <a:t>Détection par un ennemi</a:t>
-            </a:r>
-          </a:p>
-          <a:p>
-            <a:pPr marL="171450" indent="-171450">
-              <a:buFont typeface="Arial"/>
-              <a:buChar char="•"/>
-            </a:pPr>
-            <a:r>
-              <a:rPr lang="fr-FR" b="0" dirty="0" smtClean="0"/>
-              <a:t>Obstruction</a:t>
-            </a:r>
-            <a:r>
-              <a:rPr lang="fr-FR" b="0" baseline="0" dirty="0" smtClean="0"/>
-              <a:t> du champ de vue</a:t>
-            </a:r>
-          </a:p>
-          <a:p>
-            <a:pPr marL="171450" indent="-171450">
-              <a:buFont typeface="Arial"/>
-              <a:buChar char="•"/>
-            </a:pPr>
-            <a:r>
-              <a:rPr lang="fr-FR" b="0" baseline="0" dirty="0" smtClean="0"/>
-              <a:t>Bloquer le chemin d’un ennemi</a:t>
-            </a:r>
-          </a:p>
-          <a:p>
-            <a:pPr marL="171450" indent="-171450">
-              <a:buFont typeface="Arial"/>
-              <a:buChar char="•"/>
-            </a:pPr>
-            <a:r>
-              <a:rPr lang="fr-FR" b="0" baseline="0" dirty="0" smtClean="0"/>
-              <a:t>Adaptation du champ de vue (observation)</a:t>
-            </a:r>
-          </a:p>
-          <a:p>
-            <a:pPr marL="171450" indent="-171450">
-              <a:buFont typeface="Arial"/>
-              <a:buChar char="•"/>
-            </a:pPr>
-            <a:endParaRPr lang="fr-FR" b="0" baseline="0" dirty="0" smtClean="0"/>
-          </a:p>
-          <a:p>
-            <a:pPr marL="171450" indent="-171450">
-              <a:buFont typeface="Arial"/>
-              <a:buChar char="•"/>
-            </a:pPr>
-            <a:r>
-              <a:rPr lang="fr-FR" b="0" baseline="0" dirty="0" smtClean="0"/>
-              <a:t>Fin, la loutre mange ses poissons</a:t>
-            </a:r>
-          </a:p>
-          <a:p>
-            <a:pPr marL="628650" lvl="1" indent="-171450">
-              <a:buFont typeface="Arial"/>
-              <a:buChar char="•"/>
-            </a:pPr>
-            <a:r>
-              <a:rPr lang="fr-FR" b="0" baseline="0" dirty="0" smtClean="0"/>
-              <a:t>Accès au niveau suivant</a:t>
-            </a:r>
-          </a:p>
-          <a:p>
-            <a:pPr marL="628650" lvl="1" indent="-171450">
-              <a:buFont typeface="Arial"/>
-              <a:buChar char="•"/>
-            </a:pPr>
-            <a:r>
-              <a:rPr lang="fr-FR" b="0" baseline="0" dirty="0" smtClean="0"/>
-              <a:t>Présentation de la carte de l’ile</a:t>
-            </a:r>
-            <a:endParaRPr lang="fr-FR" b="0" dirty="0" smtClean="0"/>
-          </a:p>
-          <a:p>
-            <a:endParaRPr lang="fr-FR" b="0" dirty="0" smtClean="0"/>
-          </a:p>
-          <a:p>
-            <a:endParaRPr lang="fr-FR" b="0" dirty="0" smtClean="0"/>
-          </a:p>
-          <a:p>
-            <a:endParaRPr lang="fr-FR" b="0" dirty="0" smtClean="0"/>
-          </a:p>
-          <a:p>
-            <a:endParaRPr lang="fr-FR" b="1" dirty="0"/>
+            <a:endParaRPr lang="fr-FR" dirty="0"/>
           </a:p>
         </p:txBody>
       </p:sp>
@@ -935,7 +827,7 @@
     </p:spTree>
     <p:extLst>
       <p:ext uri="{BB962C8B-B14F-4D97-AF65-F5344CB8AC3E}">
-        <p14:creationId xmlns:p14="http://schemas.microsoft.com/office/powerpoint/2010/main" val="915256190"/>
+        <p14:creationId xmlns:p14="http://schemas.microsoft.com/office/powerpoint/2010/main" val="632651476"/>
       </p:ext>
     </p:extLst>
   </p:cSld>
@@ -989,100 +881,6 @@
           <a:bodyPr/>
           <a:lstStyle/>
           <a:p>
-            <a:r>
-              <a:rPr lang="fr-FR" dirty="0" smtClean="0"/>
-              <a:t>Romain</a:t>
-            </a:r>
-          </a:p>
-          <a:p>
-            <a:r>
-              <a:rPr lang="fr-FR" dirty="0" smtClean="0"/>
-              <a:t>	Le jeu a été développé</a:t>
-            </a:r>
-            <a:r>
-              <a:rPr lang="fr-FR" baseline="0" dirty="0" smtClean="0"/>
-              <a:t> su</a:t>
-            </a:r>
-            <a:r>
-              <a:rPr lang="fr-FR" dirty="0" smtClean="0"/>
-              <a:t>r 2 plateformes en simultané Mac et Windows</a:t>
-            </a:r>
-          </a:p>
-          <a:p>
-            <a:r>
-              <a:rPr lang="fr-FR" dirty="0" smtClean="0"/>
-              <a:t>	Grace à la diversité des OS,</a:t>
-            </a:r>
-            <a:r>
-              <a:rPr lang="fr-FR" baseline="0" dirty="0" smtClean="0"/>
-              <a:t> nous avons du plus réfléchir trouver des solutions cross compatible (gestion de la mémoire par exemple)</a:t>
-            </a:r>
-          </a:p>
-          <a:p>
-            <a:r>
-              <a:rPr lang="fr-FR" baseline="0" dirty="0" smtClean="0"/>
-              <a:t>	La possibilité de pouvoir ajouter des niveau facilement grâce à la population automatique</a:t>
-            </a:r>
-          </a:p>
-          <a:p>
-            <a:r>
-              <a:rPr lang="fr-FR" baseline="0" dirty="0" smtClean="0"/>
-              <a:t>	Les solutions sont cherchées et résolu en équipe et pas individuellement</a:t>
-            </a:r>
-          </a:p>
-          <a:p>
-            <a:r>
-              <a:rPr lang="fr-FR" baseline="0" dirty="0" smtClean="0"/>
-              <a:t>	</a:t>
-            </a:r>
-          </a:p>
-          <a:p>
-            <a:r>
-              <a:rPr lang="fr-FR" baseline="0" dirty="0" smtClean="0"/>
-              <a:t>	Une solution moins gourmande en CPU des </a:t>
-            </a:r>
-            <a:r>
-              <a:rPr lang="fr-FR" baseline="0" dirty="0" err="1" smtClean="0"/>
-              <a:t>AIs</a:t>
-            </a:r>
-            <a:r>
-              <a:rPr lang="fr-FR" baseline="0" dirty="0" smtClean="0"/>
-              <a:t> est </a:t>
-            </a:r>
-            <a:r>
-              <a:rPr lang="fr-FR" baseline="0" dirty="0" err="1" smtClean="0"/>
-              <a:t>envisagable</a:t>
-            </a:r>
-            <a:endParaRPr lang="fr-FR" baseline="0" dirty="0" smtClean="0"/>
-          </a:p>
-          <a:p>
-            <a:r>
-              <a:rPr lang="fr-FR" baseline="0" dirty="0" smtClean="0"/>
-              <a:t>	Nous avons le niveau Tutoriel, Ile Principal (sélection des niveaux) et le premier niveau qui est terminé.</a:t>
-            </a:r>
-          </a:p>
-          <a:p>
-            <a:r>
-              <a:rPr lang="fr-FR" baseline="0" dirty="0" smtClean="0"/>
-              <a:t>	Aucun boss n’a été </a:t>
-            </a:r>
-            <a:r>
-              <a:rPr lang="fr-FR" baseline="0" dirty="0" err="1" smtClean="0"/>
-              <a:t>implementé</a:t>
-            </a:r>
-            <a:endParaRPr lang="fr-FR" baseline="0" dirty="0" smtClean="0"/>
-          </a:p>
-          <a:p>
-            <a:r>
-              <a:rPr lang="fr-FR" baseline="0" dirty="0" smtClean="0"/>
-              <a:t>	Les pouvoirs spéciaux comme par exemple se cacher sous la neige pour échapper à un ennemi ou glisser sur le ventre pour aller plus vitre sur la neige</a:t>
-            </a:r>
-          </a:p>
-          <a:p>
-            <a:r>
-              <a:rPr lang="fr-FR" baseline="0" dirty="0" smtClean="0"/>
-              <a:t>	</a:t>
-            </a:r>
             <a:endParaRPr lang="fr-FR" dirty="0"/>
           </a:p>
         </p:txBody>
@@ -1113,7 +911,7 @@
     </p:spTree>
     <p:extLst>
       <p:ext uri="{BB962C8B-B14F-4D97-AF65-F5344CB8AC3E}">
-        <p14:creationId xmlns:p14="http://schemas.microsoft.com/office/powerpoint/2010/main" val="2720715184"/>
+        <p14:creationId xmlns:p14="http://schemas.microsoft.com/office/powerpoint/2010/main" val="1010722687"/>
       </p:ext>
     </p:extLst>
   </p:cSld>
@@ -1167,10 +965,6 @@
           <a:bodyPr/>
           <a:lstStyle/>
           <a:p>
-            <a:r>
-              <a:rPr lang="fr-FR" dirty="0" smtClean="0"/>
-              <a:t>Tous</a:t>
-            </a:r>
             <a:endParaRPr lang="fr-FR" dirty="0"/>
           </a:p>
         </p:txBody>
@@ -1201,7 +995,595 @@
     </p:spTree>
     <p:extLst>
       <p:ext uri="{BB962C8B-B14F-4D97-AF65-F5344CB8AC3E}">
-        <p14:creationId xmlns:p14="http://schemas.microsoft.com/office/powerpoint/2010/main" val="3051228774"/>
+        <p14:creationId xmlns:p14="http://schemas.microsoft.com/office/powerpoint/2010/main" val="1056637981"/>
+      </p:ext>
+    </p:extLst>
+  </p:cSld>
+  <p:clrMapOvr>
+    <a:masterClrMapping/>
+  </p:clrMapOvr>
+</p:notes>
+</file>
+
+<file path=ppt/notesSlides/notesSlide13.xml><?xml version="1.0" encoding="utf-8"?>
+<p:notes xmlns:a="http://schemas.openxmlformats.org/drawingml/2006/main" xmlns:r="http://schemas.openxmlformats.org/officeDocument/2006/relationships" xmlns:p="http://schemas.openxmlformats.org/presentationml/2006/main">
+  <p:cSld>
+    <p:spTree>
+      <p:nvGrpSpPr>
+        <p:cNvPr id="1" name=""/>
+        <p:cNvGrpSpPr/>
+        <p:nvPr/>
+      </p:nvGrpSpPr>
+      <p:grpSpPr>
+        <a:xfrm>
+          <a:off x="0" y="0"/>
+          <a:ext cx="0" cy="0"/>
+          <a:chOff x="0" y="0"/>
+          <a:chExt cx="0" cy="0"/>
+        </a:xfrm>
+      </p:grpSpPr>
+      <p:sp>
+        <p:nvSpPr>
+          <p:cNvPr id="2" name="Espace réservé de l'image des diapositives 1"/>
+          <p:cNvSpPr>
+            <a:spLocks noGrp="1" noRot="1" noChangeAspect="1"/>
+          </p:cNvSpPr>
+          <p:nvPr>
+            <p:ph type="sldImg"/>
+          </p:nvPr>
+        </p:nvSpPr>
+        <p:spPr/>
+      </p:sp>
+      <p:sp>
+        <p:nvSpPr>
+          <p:cNvPr id="3" name="Espace réservé des commentaires 2"/>
+          <p:cNvSpPr>
+            <a:spLocks noGrp="1"/>
+          </p:cNvSpPr>
+          <p:nvPr>
+            <p:ph type="body" idx="1"/>
+          </p:nvPr>
+        </p:nvSpPr>
+        <p:spPr/>
+        <p:txBody>
+          <a:bodyPr/>
+          <a:lstStyle/>
+          <a:p>
+            <a:endParaRPr lang="fr-FR" dirty="0"/>
+          </a:p>
+        </p:txBody>
+      </p:sp>
+      <p:sp>
+        <p:nvSpPr>
+          <p:cNvPr id="4" name="Espace réservé du numéro de diapositive 3"/>
+          <p:cNvSpPr>
+            <a:spLocks noGrp="1"/>
+          </p:cNvSpPr>
+          <p:nvPr>
+            <p:ph type="sldNum" sz="quarter" idx="10"/>
+          </p:nvPr>
+        </p:nvSpPr>
+        <p:spPr/>
+        <p:txBody>
+          <a:bodyPr/>
+          <a:lstStyle/>
+          <a:p>
+            <a:fld id="{953D97BD-1AB9-714E-AA5A-8BE4BC9E0007}" type="slidenum">
+              <a:rPr lang="fr-FR" smtClean="0"/>
+              <a:t>12</a:t>
+            </a:fld>
+            <a:endParaRPr lang="fr-FR"/>
+          </a:p>
+        </p:txBody>
+      </p:sp>
+    </p:spTree>
+    <p:extLst>
+      <p:ext uri="{BB962C8B-B14F-4D97-AF65-F5344CB8AC3E}">
+        <p14:creationId xmlns:p14="http://schemas.microsoft.com/office/powerpoint/2010/main" val="3313952204"/>
+      </p:ext>
+    </p:extLst>
+  </p:cSld>
+  <p:clrMapOvr>
+    <a:masterClrMapping/>
+  </p:clrMapOvr>
+</p:notes>
+</file>
+
+<file path=ppt/notesSlides/notesSlide14.xml><?xml version="1.0" encoding="utf-8"?>
+<p:notes xmlns:a="http://schemas.openxmlformats.org/drawingml/2006/main" xmlns:r="http://schemas.openxmlformats.org/officeDocument/2006/relationships" xmlns:p="http://schemas.openxmlformats.org/presentationml/2006/main">
+  <p:cSld>
+    <p:spTree>
+      <p:nvGrpSpPr>
+        <p:cNvPr id="1" name=""/>
+        <p:cNvGrpSpPr/>
+        <p:nvPr/>
+      </p:nvGrpSpPr>
+      <p:grpSpPr>
+        <a:xfrm>
+          <a:off x="0" y="0"/>
+          <a:ext cx="0" cy="0"/>
+          <a:chOff x="0" y="0"/>
+          <a:chExt cx="0" cy="0"/>
+        </a:xfrm>
+      </p:grpSpPr>
+      <p:sp>
+        <p:nvSpPr>
+          <p:cNvPr id="2" name="Espace réservé de l'image des diapositives 1"/>
+          <p:cNvSpPr>
+            <a:spLocks noGrp="1" noRot="1" noChangeAspect="1"/>
+          </p:cNvSpPr>
+          <p:nvPr>
+            <p:ph type="sldImg"/>
+          </p:nvPr>
+        </p:nvSpPr>
+        <p:spPr/>
+      </p:sp>
+      <p:sp>
+        <p:nvSpPr>
+          <p:cNvPr id="3" name="Espace réservé des commentaires 2"/>
+          <p:cNvSpPr>
+            <a:spLocks noGrp="1"/>
+          </p:cNvSpPr>
+          <p:nvPr>
+            <p:ph type="body" idx="1"/>
+          </p:nvPr>
+        </p:nvSpPr>
+        <p:spPr/>
+        <p:txBody>
+          <a:bodyPr/>
+          <a:lstStyle/>
+          <a:p>
+            <a:endParaRPr lang="fr-FR" dirty="0"/>
+          </a:p>
+        </p:txBody>
+      </p:sp>
+      <p:sp>
+        <p:nvSpPr>
+          <p:cNvPr id="4" name="Espace réservé du numéro de diapositive 3"/>
+          <p:cNvSpPr>
+            <a:spLocks noGrp="1"/>
+          </p:cNvSpPr>
+          <p:nvPr>
+            <p:ph type="sldNum" sz="quarter" idx="10"/>
+          </p:nvPr>
+        </p:nvSpPr>
+        <p:spPr/>
+        <p:txBody>
+          <a:bodyPr/>
+          <a:lstStyle/>
+          <a:p>
+            <a:fld id="{953D97BD-1AB9-714E-AA5A-8BE4BC9E0007}" type="slidenum">
+              <a:rPr lang="fr-FR" smtClean="0"/>
+              <a:t>13</a:t>
+            </a:fld>
+            <a:endParaRPr lang="fr-FR"/>
+          </a:p>
+        </p:txBody>
+      </p:sp>
+    </p:spTree>
+    <p:extLst>
+      <p:ext uri="{BB962C8B-B14F-4D97-AF65-F5344CB8AC3E}">
+        <p14:creationId xmlns:p14="http://schemas.microsoft.com/office/powerpoint/2010/main" val="460139648"/>
+      </p:ext>
+    </p:extLst>
+  </p:cSld>
+  <p:clrMapOvr>
+    <a:masterClrMapping/>
+  </p:clrMapOvr>
+</p:notes>
+</file>
+
+<file path=ppt/notesSlides/notesSlide15.xml><?xml version="1.0" encoding="utf-8"?>
+<p:notes xmlns:a="http://schemas.openxmlformats.org/drawingml/2006/main" xmlns:r="http://schemas.openxmlformats.org/officeDocument/2006/relationships" xmlns:p="http://schemas.openxmlformats.org/presentationml/2006/main">
+  <p:cSld>
+    <p:spTree>
+      <p:nvGrpSpPr>
+        <p:cNvPr id="1" name=""/>
+        <p:cNvGrpSpPr/>
+        <p:nvPr/>
+      </p:nvGrpSpPr>
+      <p:grpSpPr>
+        <a:xfrm>
+          <a:off x="0" y="0"/>
+          <a:ext cx="0" cy="0"/>
+          <a:chOff x="0" y="0"/>
+          <a:chExt cx="0" cy="0"/>
+        </a:xfrm>
+      </p:grpSpPr>
+      <p:sp>
+        <p:nvSpPr>
+          <p:cNvPr id="2" name="Espace réservé de l'image des diapositives 1"/>
+          <p:cNvSpPr>
+            <a:spLocks noGrp="1" noRot="1" noChangeAspect="1"/>
+          </p:cNvSpPr>
+          <p:nvPr>
+            <p:ph type="sldImg"/>
+          </p:nvPr>
+        </p:nvSpPr>
+        <p:spPr/>
+      </p:sp>
+      <p:sp>
+        <p:nvSpPr>
+          <p:cNvPr id="3" name="Espace réservé des commentaires 2"/>
+          <p:cNvSpPr>
+            <a:spLocks noGrp="1"/>
+          </p:cNvSpPr>
+          <p:nvPr>
+            <p:ph type="body" idx="1"/>
+          </p:nvPr>
+        </p:nvSpPr>
+        <p:spPr/>
+        <p:txBody>
+          <a:bodyPr/>
+          <a:lstStyle/>
+          <a:p>
+            <a:endParaRPr lang="fr-FR" dirty="0"/>
+          </a:p>
+        </p:txBody>
+      </p:sp>
+      <p:sp>
+        <p:nvSpPr>
+          <p:cNvPr id="4" name="Espace réservé du numéro de diapositive 3"/>
+          <p:cNvSpPr>
+            <a:spLocks noGrp="1"/>
+          </p:cNvSpPr>
+          <p:nvPr>
+            <p:ph type="sldNum" sz="quarter" idx="10"/>
+          </p:nvPr>
+        </p:nvSpPr>
+        <p:spPr/>
+        <p:txBody>
+          <a:bodyPr/>
+          <a:lstStyle/>
+          <a:p>
+            <a:fld id="{953D97BD-1AB9-714E-AA5A-8BE4BC9E0007}" type="slidenum">
+              <a:rPr lang="fr-FR" smtClean="0"/>
+              <a:t>14</a:t>
+            </a:fld>
+            <a:endParaRPr lang="fr-FR"/>
+          </a:p>
+        </p:txBody>
+      </p:sp>
+    </p:spTree>
+    <p:extLst>
+      <p:ext uri="{BB962C8B-B14F-4D97-AF65-F5344CB8AC3E}">
+        <p14:creationId xmlns:p14="http://schemas.microsoft.com/office/powerpoint/2010/main" val="2522826618"/>
+      </p:ext>
+    </p:extLst>
+  </p:cSld>
+  <p:clrMapOvr>
+    <a:masterClrMapping/>
+  </p:clrMapOvr>
+</p:notes>
+</file>
+
+<file path=ppt/notesSlides/notesSlide16.xml><?xml version="1.0" encoding="utf-8"?>
+<p:notes xmlns:a="http://schemas.openxmlformats.org/drawingml/2006/main" xmlns:r="http://schemas.openxmlformats.org/officeDocument/2006/relationships" xmlns:p="http://schemas.openxmlformats.org/presentationml/2006/main">
+  <p:cSld>
+    <p:spTree>
+      <p:nvGrpSpPr>
+        <p:cNvPr id="1" name=""/>
+        <p:cNvGrpSpPr/>
+        <p:nvPr/>
+      </p:nvGrpSpPr>
+      <p:grpSpPr>
+        <a:xfrm>
+          <a:off x="0" y="0"/>
+          <a:ext cx="0" cy="0"/>
+          <a:chOff x="0" y="0"/>
+          <a:chExt cx="0" cy="0"/>
+        </a:xfrm>
+      </p:grpSpPr>
+      <p:sp>
+        <p:nvSpPr>
+          <p:cNvPr id="2" name="Espace réservé de l'image des diapositives 1"/>
+          <p:cNvSpPr>
+            <a:spLocks noGrp="1" noRot="1" noChangeAspect="1"/>
+          </p:cNvSpPr>
+          <p:nvPr>
+            <p:ph type="sldImg"/>
+          </p:nvPr>
+        </p:nvSpPr>
+        <p:spPr/>
+      </p:sp>
+      <p:sp>
+        <p:nvSpPr>
+          <p:cNvPr id="3" name="Espace réservé des commentaires 2"/>
+          <p:cNvSpPr>
+            <a:spLocks noGrp="1"/>
+          </p:cNvSpPr>
+          <p:nvPr>
+            <p:ph type="body" idx="1"/>
+          </p:nvPr>
+        </p:nvSpPr>
+        <p:spPr/>
+        <p:txBody>
+          <a:bodyPr/>
+          <a:lstStyle/>
+          <a:p>
+            <a:endParaRPr lang="fr-FR" dirty="0"/>
+          </a:p>
+        </p:txBody>
+      </p:sp>
+      <p:sp>
+        <p:nvSpPr>
+          <p:cNvPr id="4" name="Espace réservé du numéro de diapositive 3"/>
+          <p:cNvSpPr>
+            <a:spLocks noGrp="1"/>
+          </p:cNvSpPr>
+          <p:nvPr>
+            <p:ph type="sldNum" sz="quarter" idx="10"/>
+          </p:nvPr>
+        </p:nvSpPr>
+        <p:spPr/>
+        <p:txBody>
+          <a:bodyPr/>
+          <a:lstStyle/>
+          <a:p>
+            <a:fld id="{953D97BD-1AB9-714E-AA5A-8BE4BC9E0007}" type="slidenum">
+              <a:rPr lang="fr-FR" smtClean="0"/>
+              <a:t>15</a:t>
+            </a:fld>
+            <a:endParaRPr lang="fr-FR"/>
+          </a:p>
+        </p:txBody>
+      </p:sp>
+    </p:spTree>
+    <p:extLst>
+      <p:ext uri="{BB962C8B-B14F-4D97-AF65-F5344CB8AC3E}">
+        <p14:creationId xmlns:p14="http://schemas.microsoft.com/office/powerpoint/2010/main" val="2929411902"/>
+      </p:ext>
+    </p:extLst>
+  </p:cSld>
+  <p:clrMapOvr>
+    <a:masterClrMapping/>
+  </p:clrMapOvr>
+</p:notes>
+</file>
+
+<file path=ppt/notesSlides/notesSlide17.xml><?xml version="1.0" encoding="utf-8"?>
+<p:notes xmlns:a="http://schemas.openxmlformats.org/drawingml/2006/main" xmlns:r="http://schemas.openxmlformats.org/officeDocument/2006/relationships" xmlns:p="http://schemas.openxmlformats.org/presentationml/2006/main">
+  <p:cSld>
+    <p:spTree>
+      <p:nvGrpSpPr>
+        <p:cNvPr id="1" name=""/>
+        <p:cNvGrpSpPr/>
+        <p:nvPr/>
+      </p:nvGrpSpPr>
+      <p:grpSpPr>
+        <a:xfrm>
+          <a:off x="0" y="0"/>
+          <a:ext cx="0" cy="0"/>
+          <a:chOff x="0" y="0"/>
+          <a:chExt cx="0" cy="0"/>
+        </a:xfrm>
+      </p:grpSpPr>
+      <p:sp>
+        <p:nvSpPr>
+          <p:cNvPr id="2" name="Espace réservé de l'image des diapositives 1"/>
+          <p:cNvSpPr>
+            <a:spLocks noGrp="1" noRot="1" noChangeAspect="1"/>
+          </p:cNvSpPr>
+          <p:nvPr>
+            <p:ph type="sldImg"/>
+          </p:nvPr>
+        </p:nvSpPr>
+        <p:spPr/>
+      </p:sp>
+      <p:sp>
+        <p:nvSpPr>
+          <p:cNvPr id="3" name="Espace réservé des commentaires 2"/>
+          <p:cNvSpPr>
+            <a:spLocks noGrp="1"/>
+          </p:cNvSpPr>
+          <p:nvPr>
+            <p:ph type="body" idx="1"/>
+          </p:nvPr>
+        </p:nvSpPr>
+        <p:spPr/>
+        <p:txBody>
+          <a:bodyPr/>
+          <a:lstStyle/>
+          <a:p>
+            <a:endParaRPr lang="fr-FR" dirty="0"/>
+          </a:p>
+        </p:txBody>
+      </p:sp>
+      <p:sp>
+        <p:nvSpPr>
+          <p:cNvPr id="4" name="Espace réservé du numéro de diapositive 3"/>
+          <p:cNvSpPr>
+            <a:spLocks noGrp="1"/>
+          </p:cNvSpPr>
+          <p:nvPr>
+            <p:ph type="sldNum" sz="quarter" idx="10"/>
+          </p:nvPr>
+        </p:nvSpPr>
+        <p:spPr/>
+        <p:txBody>
+          <a:bodyPr/>
+          <a:lstStyle/>
+          <a:p>
+            <a:fld id="{953D97BD-1AB9-714E-AA5A-8BE4BC9E0007}" type="slidenum">
+              <a:rPr lang="fr-FR" smtClean="0"/>
+              <a:t>16</a:t>
+            </a:fld>
+            <a:endParaRPr lang="fr-FR"/>
+          </a:p>
+        </p:txBody>
+      </p:sp>
+    </p:spTree>
+    <p:extLst>
+      <p:ext uri="{BB962C8B-B14F-4D97-AF65-F5344CB8AC3E}">
+        <p14:creationId xmlns:p14="http://schemas.microsoft.com/office/powerpoint/2010/main" val="455785160"/>
+      </p:ext>
+    </p:extLst>
+  </p:cSld>
+  <p:clrMapOvr>
+    <a:masterClrMapping/>
+  </p:clrMapOvr>
+</p:notes>
+</file>
+
+<file path=ppt/notesSlides/notesSlide18.xml><?xml version="1.0" encoding="utf-8"?>
+<p:notes xmlns:a="http://schemas.openxmlformats.org/drawingml/2006/main" xmlns:r="http://schemas.openxmlformats.org/officeDocument/2006/relationships" xmlns:p="http://schemas.openxmlformats.org/presentationml/2006/main">
+  <p:cSld>
+    <p:spTree>
+      <p:nvGrpSpPr>
+        <p:cNvPr id="1" name=""/>
+        <p:cNvGrpSpPr/>
+        <p:nvPr/>
+      </p:nvGrpSpPr>
+      <p:grpSpPr>
+        <a:xfrm>
+          <a:off x="0" y="0"/>
+          <a:ext cx="0" cy="0"/>
+          <a:chOff x="0" y="0"/>
+          <a:chExt cx="0" cy="0"/>
+        </a:xfrm>
+      </p:grpSpPr>
+      <p:sp>
+        <p:nvSpPr>
+          <p:cNvPr id="2" name="Espace réservé de l'image des diapositives 1"/>
+          <p:cNvSpPr>
+            <a:spLocks noGrp="1" noRot="1" noChangeAspect="1"/>
+          </p:cNvSpPr>
+          <p:nvPr>
+            <p:ph type="sldImg"/>
+          </p:nvPr>
+        </p:nvSpPr>
+        <p:spPr/>
+      </p:sp>
+      <p:sp>
+        <p:nvSpPr>
+          <p:cNvPr id="3" name="Espace réservé des commentaires 2"/>
+          <p:cNvSpPr>
+            <a:spLocks noGrp="1"/>
+          </p:cNvSpPr>
+          <p:nvPr>
+            <p:ph type="body" idx="1"/>
+          </p:nvPr>
+        </p:nvSpPr>
+        <p:spPr/>
+        <p:txBody>
+          <a:bodyPr/>
+          <a:lstStyle/>
+          <a:p>
+            <a:endParaRPr lang="fr-FR" dirty="0"/>
+          </a:p>
+        </p:txBody>
+      </p:sp>
+      <p:sp>
+        <p:nvSpPr>
+          <p:cNvPr id="4" name="Espace réservé du numéro de diapositive 3"/>
+          <p:cNvSpPr>
+            <a:spLocks noGrp="1"/>
+          </p:cNvSpPr>
+          <p:nvPr>
+            <p:ph type="sldNum" sz="quarter" idx="10"/>
+          </p:nvPr>
+        </p:nvSpPr>
+        <p:spPr/>
+        <p:txBody>
+          <a:bodyPr/>
+          <a:lstStyle/>
+          <a:p>
+            <a:fld id="{953D97BD-1AB9-714E-AA5A-8BE4BC9E0007}" type="slidenum">
+              <a:rPr lang="fr-FR" smtClean="0"/>
+              <a:t>17</a:t>
+            </a:fld>
+            <a:endParaRPr lang="fr-FR"/>
+          </a:p>
+        </p:txBody>
+      </p:sp>
+    </p:spTree>
+    <p:extLst>
+      <p:ext uri="{BB962C8B-B14F-4D97-AF65-F5344CB8AC3E}">
+        <p14:creationId xmlns:p14="http://schemas.microsoft.com/office/powerpoint/2010/main" val="655016757"/>
+      </p:ext>
+    </p:extLst>
+  </p:cSld>
+  <p:clrMapOvr>
+    <a:masterClrMapping/>
+  </p:clrMapOvr>
+</p:notes>
+</file>
+
+<file path=ppt/notesSlides/notesSlide19.xml><?xml version="1.0" encoding="utf-8"?>
+<p:notes xmlns:a="http://schemas.openxmlformats.org/drawingml/2006/main" xmlns:r="http://schemas.openxmlformats.org/officeDocument/2006/relationships" xmlns:p="http://schemas.openxmlformats.org/presentationml/2006/main">
+  <p:cSld>
+    <p:spTree>
+      <p:nvGrpSpPr>
+        <p:cNvPr id="1" name=""/>
+        <p:cNvGrpSpPr/>
+        <p:nvPr/>
+      </p:nvGrpSpPr>
+      <p:grpSpPr>
+        <a:xfrm>
+          <a:off x="0" y="0"/>
+          <a:ext cx="0" cy="0"/>
+          <a:chOff x="0" y="0"/>
+          <a:chExt cx="0" cy="0"/>
+        </a:xfrm>
+      </p:grpSpPr>
+      <p:sp>
+        <p:nvSpPr>
+          <p:cNvPr id="2" name="Espace réservé de l'image des diapositives 1"/>
+          <p:cNvSpPr>
+            <a:spLocks noGrp="1" noRot="1" noChangeAspect="1"/>
+          </p:cNvSpPr>
+          <p:nvPr>
+            <p:ph type="sldImg"/>
+          </p:nvPr>
+        </p:nvSpPr>
+        <p:spPr/>
+      </p:sp>
+      <p:sp>
+        <p:nvSpPr>
+          <p:cNvPr id="3" name="Espace réservé des commentaires 2"/>
+          <p:cNvSpPr>
+            <a:spLocks noGrp="1"/>
+          </p:cNvSpPr>
+          <p:nvPr>
+            <p:ph type="body" idx="1"/>
+          </p:nvPr>
+        </p:nvSpPr>
+        <p:spPr/>
+        <p:txBody>
+          <a:bodyPr/>
+          <a:lstStyle/>
+          <a:p>
+            <a:endParaRPr lang="fr-FR" dirty="0"/>
+          </a:p>
+        </p:txBody>
+      </p:sp>
+      <p:sp>
+        <p:nvSpPr>
+          <p:cNvPr id="4" name="Espace réservé du numéro de diapositive 3"/>
+          <p:cNvSpPr>
+            <a:spLocks noGrp="1"/>
+          </p:cNvSpPr>
+          <p:nvPr>
+            <p:ph type="sldNum" sz="quarter" idx="10"/>
+          </p:nvPr>
+        </p:nvSpPr>
+        <p:spPr/>
+        <p:txBody>
+          <a:bodyPr/>
+          <a:lstStyle/>
+          <a:p>
+            <a:fld id="{953D97BD-1AB9-714E-AA5A-8BE4BC9E0007}" type="slidenum">
+              <a:rPr lang="fr-FR" smtClean="0"/>
+              <a:t>18</a:t>
+            </a:fld>
+            <a:endParaRPr lang="fr-FR"/>
+          </a:p>
+        </p:txBody>
+      </p:sp>
+    </p:spTree>
+    <p:extLst>
+      <p:ext uri="{BB962C8B-B14F-4D97-AF65-F5344CB8AC3E}">
+        <p14:creationId xmlns:p14="http://schemas.microsoft.com/office/powerpoint/2010/main" val="828266813"/>
       </p:ext>
     </p:extLst>
   </p:cSld>
@@ -1255,16 +1637,6 @@
           <a:bodyPr/>
           <a:lstStyle/>
           <a:p>
-            <a:r>
-              <a:rPr lang="fr-FR" dirty="0" smtClean="0"/>
-              <a:t>Romain</a:t>
-            </a:r>
-          </a:p>
-          <a:p>
-            <a:r>
-              <a:rPr lang="fr-FR" dirty="0" smtClean="0"/>
-              <a:t> - Qui somme nous ?</a:t>
-            </a:r>
             <a:endParaRPr lang="fr-FR" dirty="0"/>
           </a:p>
         </p:txBody>
@@ -1296,6 +1668,430 @@
     <p:extLst>
       <p:ext uri="{BB962C8B-B14F-4D97-AF65-F5344CB8AC3E}">
         <p14:creationId xmlns:p14="http://schemas.microsoft.com/office/powerpoint/2010/main" val="2993008145"/>
+      </p:ext>
+    </p:extLst>
+  </p:cSld>
+  <p:clrMapOvr>
+    <a:masterClrMapping/>
+  </p:clrMapOvr>
+</p:notes>
+</file>
+
+<file path=ppt/notesSlides/notesSlide20.xml><?xml version="1.0" encoding="utf-8"?>
+<p:notes xmlns:a="http://schemas.openxmlformats.org/drawingml/2006/main" xmlns:r="http://schemas.openxmlformats.org/officeDocument/2006/relationships" xmlns:p="http://schemas.openxmlformats.org/presentationml/2006/main">
+  <p:cSld>
+    <p:spTree>
+      <p:nvGrpSpPr>
+        <p:cNvPr id="1" name=""/>
+        <p:cNvGrpSpPr/>
+        <p:nvPr/>
+      </p:nvGrpSpPr>
+      <p:grpSpPr>
+        <a:xfrm>
+          <a:off x="0" y="0"/>
+          <a:ext cx="0" cy="0"/>
+          <a:chOff x="0" y="0"/>
+          <a:chExt cx="0" cy="0"/>
+        </a:xfrm>
+      </p:grpSpPr>
+      <p:sp>
+        <p:nvSpPr>
+          <p:cNvPr id="2" name="Espace réservé de l'image des diapositives 1"/>
+          <p:cNvSpPr>
+            <a:spLocks noGrp="1" noRot="1" noChangeAspect="1"/>
+          </p:cNvSpPr>
+          <p:nvPr>
+            <p:ph type="sldImg"/>
+          </p:nvPr>
+        </p:nvSpPr>
+        <p:spPr/>
+      </p:sp>
+      <p:sp>
+        <p:nvSpPr>
+          <p:cNvPr id="3" name="Espace réservé des commentaires 2"/>
+          <p:cNvSpPr>
+            <a:spLocks noGrp="1"/>
+          </p:cNvSpPr>
+          <p:nvPr>
+            <p:ph type="body" idx="1"/>
+          </p:nvPr>
+        </p:nvSpPr>
+        <p:spPr/>
+        <p:txBody>
+          <a:bodyPr/>
+          <a:lstStyle/>
+          <a:p>
+            <a:endParaRPr lang="fr-FR" dirty="0"/>
+          </a:p>
+        </p:txBody>
+      </p:sp>
+      <p:sp>
+        <p:nvSpPr>
+          <p:cNvPr id="4" name="Espace réservé du numéro de diapositive 3"/>
+          <p:cNvSpPr>
+            <a:spLocks noGrp="1"/>
+          </p:cNvSpPr>
+          <p:nvPr>
+            <p:ph type="sldNum" sz="quarter" idx="10"/>
+          </p:nvPr>
+        </p:nvSpPr>
+        <p:spPr/>
+        <p:txBody>
+          <a:bodyPr/>
+          <a:lstStyle/>
+          <a:p>
+            <a:fld id="{953D97BD-1AB9-714E-AA5A-8BE4BC9E0007}" type="slidenum">
+              <a:rPr lang="fr-FR" smtClean="0"/>
+              <a:t>19</a:t>
+            </a:fld>
+            <a:endParaRPr lang="fr-FR"/>
+          </a:p>
+        </p:txBody>
+      </p:sp>
+    </p:spTree>
+    <p:extLst>
+      <p:ext uri="{BB962C8B-B14F-4D97-AF65-F5344CB8AC3E}">
+        <p14:creationId xmlns:p14="http://schemas.microsoft.com/office/powerpoint/2010/main" val="2436678051"/>
+      </p:ext>
+    </p:extLst>
+  </p:cSld>
+  <p:clrMapOvr>
+    <a:masterClrMapping/>
+  </p:clrMapOvr>
+</p:notes>
+</file>
+
+<file path=ppt/notesSlides/notesSlide21.xml><?xml version="1.0" encoding="utf-8"?>
+<p:notes xmlns:a="http://schemas.openxmlformats.org/drawingml/2006/main" xmlns:r="http://schemas.openxmlformats.org/officeDocument/2006/relationships" xmlns:p="http://schemas.openxmlformats.org/presentationml/2006/main">
+  <p:cSld>
+    <p:spTree>
+      <p:nvGrpSpPr>
+        <p:cNvPr id="1" name=""/>
+        <p:cNvGrpSpPr/>
+        <p:nvPr/>
+      </p:nvGrpSpPr>
+      <p:grpSpPr>
+        <a:xfrm>
+          <a:off x="0" y="0"/>
+          <a:ext cx="0" cy="0"/>
+          <a:chOff x="0" y="0"/>
+          <a:chExt cx="0" cy="0"/>
+        </a:xfrm>
+      </p:grpSpPr>
+      <p:sp>
+        <p:nvSpPr>
+          <p:cNvPr id="2" name="Espace réservé de l'image des diapositives 1"/>
+          <p:cNvSpPr>
+            <a:spLocks noGrp="1" noRot="1" noChangeAspect="1"/>
+          </p:cNvSpPr>
+          <p:nvPr>
+            <p:ph type="sldImg"/>
+          </p:nvPr>
+        </p:nvSpPr>
+        <p:spPr/>
+      </p:sp>
+      <p:sp>
+        <p:nvSpPr>
+          <p:cNvPr id="3" name="Espace réservé des commentaires 2"/>
+          <p:cNvSpPr>
+            <a:spLocks noGrp="1"/>
+          </p:cNvSpPr>
+          <p:nvPr>
+            <p:ph type="body" idx="1"/>
+          </p:nvPr>
+        </p:nvSpPr>
+        <p:spPr/>
+        <p:txBody>
+          <a:bodyPr/>
+          <a:lstStyle/>
+          <a:p>
+            <a:endParaRPr lang="fr-FR" dirty="0"/>
+          </a:p>
+        </p:txBody>
+      </p:sp>
+      <p:sp>
+        <p:nvSpPr>
+          <p:cNvPr id="4" name="Espace réservé du numéro de diapositive 3"/>
+          <p:cNvSpPr>
+            <a:spLocks noGrp="1"/>
+          </p:cNvSpPr>
+          <p:nvPr>
+            <p:ph type="sldNum" sz="quarter" idx="10"/>
+          </p:nvPr>
+        </p:nvSpPr>
+        <p:spPr/>
+        <p:txBody>
+          <a:bodyPr/>
+          <a:lstStyle/>
+          <a:p>
+            <a:fld id="{953D97BD-1AB9-714E-AA5A-8BE4BC9E0007}" type="slidenum">
+              <a:rPr lang="fr-FR" smtClean="0"/>
+              <a:t>20</a:t>
+            </a:fld>
+            <a:endParaRPr lang="fr-FR"/>
+          </a:p>
+        </p:txBody>
+      </p:sp>
+    </p:spTree>
+    <p:extLst>
+      <p:ext uri="{BB962C8B-B14F-4D97-AF65-F5344CB8AC3E}">
+        <p14:creationId xmlns:p14="http://schemas.microsoft.com/office/powerpoint/2010/main" val="409995896"/>
+      </p:ext>
+    </p:extLst>
+  </p:cSld>
+  <p:clrMapOvr>
+    <a:masterClrMapping/>
+  </p:clrMapOvr>
+</p:notes>
+</file>
+
+<file path=ppt/notesSlides/notesSlide22.xml><?xml version="1.0" encoding="utf-8"?>
+<p:notes xmlns:a="http://schemas.openxmlformats.org/drawingml/2006/main" xmlns:r="http://schemas.openxmlformats.org/officeDocument/2006/relationships" xmlns:p="http://schemas.openxmlformats.org/presentationml/2006/main">
+  <p:cSld>
+    <p:spTree>
+      <p:nvGrpSpPr>
+        <p:cNvPr id="1" name=""/>
+        <p:cNvGrpSpPr/>
+        <p:nvPr/>
+      </p:nvGrpSpPr>
+      <p:grpSpPr>
+        <a:xfrm>
+          <a:off x="0" y="0"/>
+          <a:ext cx="0" cy="0"/>
+          <a:chOff x="0" y="0"/>
+          <a:chExt cx="0" cy="0"/>
+        </a:xfrm>
+      </p:grpSpPr>
+      <p:sp>
+        <p:nvSpPr>
+          <p:cNvPr id="2" name="Espace réservé de l'image des diapositives 1"/>
+          <p:cNvSpPr>
+            <a:spLocks noGrp="1" noRot="1" noChangeAspect="1"/>
+          </p:cNvSpPr>
+          <p:nvPr>
+            <p:ph type="sldImg"/>
+          </p:nvPr>
+        </p:nvSpPr>
+        <p:spPr/>
+      </p:sp>
+      <p:sp>
+        <p:nvSpPr>
+          <p:cNvPr id="3" name="Espace réservé des commentaires 2"/>
+          <p:cNvSpPr>
+            <a:spLocks noGrp="1"/>
+          </p:cNvSpPr>
+          <p:nvPr>
+            <p:ph type="body" idx="1"/>
+          </p:nvPr>
+        </p:nvSpPr>
+        <p:spPr/>
+        <p:txBody>
+          <a:bodyPr/>
+          <a:lstStyle/>
+          <a:p>
+            <a:endParaRPr lang="fr-FR" b="1" dirty="0"/>
+          </a:p>
+        </p:txBody>
+      </p:sp>
+      <p:sp>
+        <p:nvSpPr>
+          <p:cNvPr id="4" name="Espace réservé du numéro de diapositive 3"/>
+          <p:cNvSpPr>
+            <a:spLocks noGrp="1"/>
+          </p:cNvSpPr>
+          <p:nvPr>
+            <p:ph type="sldNum" sz="quarter" idx="10"/>
+          </p:nvPr>
+        </p:nvSpPr>
+        <p:spPr/>
+        <p:txBody>
+          <a:bodyPr/>
+          <a:lstStyle/>
+          <a:p>
+            <a:fld id="{953D97BD-1AB9-714E-AA5A-8BE4BC9E0007}" type="slidenum">
+              <a:rPr lang="fr-FR" smtClean="0"/>
+              <a:t>21</a:t>
+            </a:fld>
+            <a:endParaRPr lang="fr-FR"/>
+          </a:p>
+        </p:txBody>
+      </p:sp>
+    </p:spTree>
+    <p:extLst>
+      <p:ext uri="{BB962C8B-B14F-4D97-AF65-F5344CB8AC3E}">
+        <p14:creationId xmlns:p14="http://schemas.microsoft.com/office/powerpoint/2010/main" val="915256190"/>
+      </p:ext>
+    </p:extLst>
+  </p:cSld>
+  <p:clrMapOvr>
+    <a:masterClrMapping/>
+  </p:clrMapOvr>
+</p:notes>
+</file>
+
+<file path=ppt/notesSlides/notesSlide23.xml><?xml version="1.0" encoding="utf-8"?>
+<p:notes xmlns:a="http://schemas.openxmlformats.org/drawingml/2006/main" xmlns:r="http://schemas.openxmlformats.org/officeDocument/2006/relationships" xmlns:p="http://schemas.openxmlformats.org/presentationml/2006/main">
+  <p:cSld>
+    <p:spTree>
+      <p:nvGrpSpPr>
+        <p:cNvPr id="1" name=""/>
+        <p:cNvGrpSpPr/>
+        <p:nvPr/>
+      </p:nvGrpSpPr>
+      <p:grpSpPr>
+        <a:xfrm>
+          <a:off x="0" y="0"/>
+          <a:ext cx="0" cy="0"/>
+          <a:chOff x="0" y="0"/>
+          <a:chExt cx="0" cy="0"/>
+        </a:xfrm>
+      </p:grpSpPr>
+      <p:sp>
+        <p:nvSpPr>
+          <p:cNvPr id="2" name="Espace réservé de l'image des diapositives 1"/>
+          <p:cNvSpPr>
+            <a:spLocks noGrp="1" noRot="1" noChangeAspect="1"/>
+          </p:cNvSpPr>
+          <p:nvPr>
+            <p:ph type="sldImg"/>
+          </p:nvPr>
+        </p:nvSpPr>
+        <p:spPr/>
+      </p:sp>
+      <p:sp>
+        <p:nvSpPr>
+          <p:cNvPr id="3" name="Espace réservé des commentaires 2"/>
+          <p:cNvSpPr>
+            <a:spLocks noGrp="1"/>
+          </p:cNvSpPr>
+          <p:nvPr>
+            <p:ph type="body" idx="1"/>
+          </p:nvPr>
+        </p:nvSpPr>
+        <p:spPr/>
+        <p:txBody>
+          <a:bodyPr/>
+          <a:lstStyle/>
+          <a:p>
+            <a:endParaRPr lang="fr-FR" dirty="0"/>
+          </a:p>
+        </p:txBody>
+      </p:sp>
+      <p:sp>
+        <p:nvSpPr>
+          <p:cNvPr id="4" name="Espace réservé du numéro de diapositive 3"/>
+          <p:cNvSpPr>
+            <a:spLocks noGrp="1"/>
+          </p:cNvSpPr>
+          <p:nvPr>
+            <p:ph type="sldNum" sz="quarter" idx="10"/>
+          </p:nvPr>
+        </p:nvSpPr>
+        <p:spPr/>
+        <p:txBody>
+          <a:bodyPr/>
+          <a:lstStyle/>
+          <a:p>
+            <a:fld id="{953D97BD-1AB9-714E-AA5A-8BE4BC9E0007}" type="slidenum">
+              <a:rPr lang="fr-FR" smtClean="0"/>
+              <a:t>22</a:t>
+            </a:fld>
+            <a:endParaRPr lang="fr-FR"/>
+          </a:p>
+        </p:txBody>
+      </p:sp>
+    </p:spTree>
+    <p:extLst>
+      <p:ext uri="{BB962C8B-B14F-4D97-AF65-F5344CB8AC3E}">
+        <p14:creationId xmlns:p14="http://schemas.microsoft.com/office/powerpoint/2010/main" val="2720715184"/>
+      </p:ext>
+    </p:extLst>
+  </p:cSld>
+  <p:clrMapOvr>
+    <a:masterClrMapping/>
+  </p:clrMapOvr>
+</p:notes>
+</file>
+
+<file path=ppt/notesSlides/notesSlide24.xml><?xml version="1.0" encoding="utf-8"?>
+<p:notes xmlns:a="http://schemas.openxmlformats.org/drawingml/2006/main" xmlns:r="http://schemas.openxmlformats.org/officeDocument/2006/relationships" xmlns:p="http://schemas.openxmlformats.org/presentationml/2006/main">
+  <p:cSld>
+    <p:spTree>
+      <p:nvGrpSpPr>
+        <p:cNvPr id="1" name=""/>
+        <p:cNvGrpSpPr/>
+        <p:nvPr/>
+      </p:nvGrpSpPr>
+      <p:grpSpPr>
+        <a:xfrm>
+          <a:off x="0" y="0"/>
+          <a:ext cx="0" cy="0"/>
+          <a:chOff x="0" y="0"/>
+          <a:chExt cx="0" cy="0"/>
+        </a:xfrm>
+      </p:grpSpPr>
+      <p:sp>
+        <p:nvSpPr>
+          <p:cNvPr id="2" name="Espace réservé de l'image des diapositives 1"/>
+          <p:cNvSpPr>
+            <a:spLocks noGrp="1" noRot="1" noChangeAspect="1"/>
+          </p:cNvSpPr>
+          <p:nvPr>
+            <p:ph type="sldImg"/>
+          </p:nvPr>
+        </p:nvSpPr>
+        <p:spPr/>
+      </p:sp>
+      <p:sp>
+        <p:nvSpPr>
+          <p:cNvPr id="3" name="Espace réservé des commentaires 2"/>
+          <p:cNvSpPr>
+            <a:spLocks noGrp="1"/>
+          </p:cNvSpPr>
+          <p:nvPr>
+            <p:ph type="body" idx="1"/>
+          </p:nvPr>
+        </p:nvSpPr>
+        <p:spPr/>
+        <p:txBody>
+          <a:bodyPr/>
+          <a:lstStyle/>
+          <a:p>
+            <a:r>
+              <a:rPr lang="fr-FR" dirty="0" smtClean="0"/>
+              <a:t>Tous</a:t>
+            </a:r>
+            <a:endParaRPr lang="fr-FR" dirty="0"/>
+          </a:p>
+        </p:txBody>
+      </p:sp>
+      <p:sp>
+        <p:nvSpPr>
+          <p:cNvPr id="4" name="Espace réservé du numéro de diapositive 3"/>
+          <p:cNvSpPr>
+            <a:spLocks noGrp="1"/>
+          </p:cNvSpPr>
+          <p:nvPr>
+            <p:ph type="sldNum" sz="quarter" idx="10"/>
+          </p:nvPr>
+        </p:nvSpPr>
+        <p:spPr/>
+        <p:txBody>
+          <a:bodyPr/>
+          <a:lstStyle/>
+          <a:p>
+            <a:fld id="{953D97BD-1AB9-714E-AA5A-8BE4BC9E0007}" type="slidenum">
+              <a:rPr lang="fr-FR" smtClean="0"/>
+              <a:t>23</a:t>
+            </a:fld>
+            <a:endParaRPr lang="fr-FR"/>
+          </a:p>
+        </p:txBody>
+      </p:sp>
+    </p:spTree>
+    <p:extLst>
+      <p:ext uri="{BB962C8B-B14F-4D97-AF65-F5344CB8AC3E}">
+        <p14:creationId xmlns:p14="http://schemas.microsoft.com/office/powerpoint/2010/main" val="3051228774"/>
       </p:ext>
     </p:extLst>
   </p:cSld>
@@ -1349,10 +2145,6 @@
           <a:bodyPr/>
           <a:lstStyle/>
           <a:p>
-            <a:r>
-              <a:rPr lang="fr-FR" dirty="0" smtClean="0"/>
-              <a:t>Romain</a:t>
-            </a:r>
             <a:endParaRPr lang="fr-FR" dirty="0"/>
           </a:p>
         </p:txBody>
@@ -1437,285 +2229,6 @@
           <a:bodyPr/>
           <a:lstStyle/>
           <a:p>
-            <a:r>
-              <a:rPr lang="fr-FR" dirty="0" smtClean="0"/>
-              <a:t>Romain</a:t>
-            </a:r>
-          </a:p>
-          <a:p>
-            <a:r>
-              <a:rPr lang="fr-FR" dirty="0" smtClean="0"/>
-              <a:t>	On</a:t>
-            </a:r>
-            <a:r>
-              <a:rPr lang="fr-FR" baseline="0" dirty="0" smtClean="0"/>
-              <a:t> a commencé par la méthodologie Cascade</a:t>
-            </a:r>
-          </a:p>
-          <a:p>
-            <a:endParaRPr lang="fr-FR" dirty="0" smtClean="0"/>
-          </a:p>
-          <a:p>
-            <a:r>
-              <a:rPr lang="fr-FR" dirty="0" smtClean="0"/>
-              <a:t>	</a:t>
-            </a:r>
-            <a:r>
-              <a:rPr lang="fr-FR" sz="1200" kern="1200" dirty="0" smtClean="0">
-                <a:solidFill>
-                  <a:schemeClr val="tx1"/>
-                </a:solidFill>
-                <a:effectLst/>
-                <a:latin typeface="+mn-lt"/>
-                <a:ea typeface="+mn-ea"/>
-                <a:cs typeface="+mn-cs"/>
-              </a:rPr>
-              <a:t>Product </a:t>
-            </a:r>
-            <a:r>
-              <a:rPr lang="fr-FR" sz="1200" kern="1200" dirty="0" err="1" smtClean="0">
-                <a:solidFill>
-                  <a:schemeClr val="tx1"/>
-                </a:solidFill>
-                <a:effectLst/>
-                <a:latin typeface="+mn-lt"/>
-                <a:ea typeface="+mn-ea"/>
-                <a:cs typeface="+mn-cs"/>
-              </a:rPr>
-              <a:t>Backlog</a:t>
-            </a:r>
-            <a:r>
-              <a:rPr lang="fr-FR" sz="1200" kern="1200" dirty="0" smtClean="0">
-                <a:solidFill>
-                  <a:schemeClr val="tx1"/>
-                </a:solidFill>
-                <a:effectLst/>
-                <a:latin typeface="+mn-lt"/>
-                <a:ea typeface="+mn-ea"/>
-                <a:cs typeface="+mn-cs"/>
-              </a:rPr>
-              <a:t> : Cahier</a:t>
-            </a:r>
-            <a:r>
-              <a:rPr lang="fr-FR" sz="1200" kern="1200" baseline="0" dirty="0" smtClean="0">
-                <a:solidFill>
-                  <a:schemeClr val="tx1"/>
-                </a:solidFill>
-                <a:effectLst/>
-                <a:latin typeface="+mn-lt"/>
-                <a:ea typeface="+mn-ea"/>
-                <a:cs typeface="+mn-cs"/>
-              </a:rPr>
-              <a:t> des charge et </a:t>
-            </a:r>
-            <a:r>
-              <a:rPr lang="fr-FR" sz="1200" kern="1200" dirty="0" err="1" smtClean="0">
-                <a:solidFill>
-                  <a:schemeClr val="tx1"/>
-                </a:solidFill>
-                <a:effectLst/>
-                <a:latin typeface="+mn-lt"/>
-                <a:ea typeface="+mn-ea"/>
-                <a:cs typeface="+mn-cs"/>
-              </a:rPr>
-              <a:t>Specifications</a:t>
-            </a:r>
-            <a:endParaRPr lang="fr-FR" sz="1200" kern="1200" dirty="0" smtClean="0">
-              <a:solidFill>
-                <a:schemeClr val="tx1"/>
-              </a:solidFill>
-              <a:effectLst/>
-              <a:latin typeface="+mn-lt"/>
-              <a:ea typeface="+mn-ea"/>
-              <a:cs typeface="+mn-cs"/>
-            </a:endParaRPr>
-          </a:p>
-          <a:p>
-            <a:r>
-              <a:rPr lang="fr-FR" sz="1200" kern="1200" dirty="0" smtClean="0">
-                <a:solidFill>
-                  <a:schemeClr val="tx1"/>
-                </a:solidFill>
-                <a:effectLst/>
-                <a:latin typeface="+mn-lt"/>
-                <a:ea typeface="+mn-ea"/>
-                <a:cs typeface="+mn-cs"/>
-              </a:rPr>
-              <a:t>	Sprint </a:t>
-            </a:r>
-            <a:r>
-              <a:rPr lang="fr-FR" sz="1200" kern="1200" dirty="0" err="1" smtClean="0">
-                <a:solidFill>
-                  <a:schemeClr val="tx1"/>
-                </a:solidFill>
-                <a:effectLst/>
-                <a:latin typeface="+mn-lt"/>
-                <a:ea typeface="+mn-ea"/>
-                <a:cs typeface="+mn-cs"/>
-              </a:rPr>
-              <a:t>Backlog</a:t>
-            </a:r>
-            <a:r>
-              <a:rPr lang="fr-FR" sz="1200" kern="1200" baseline="0" dirty="0" smtClean="0">
-                <a:solidFill>
-                  <a:schemeClr val="tx1"/>
-                </a:solidFill>
-                <a:effectLst/>
-                <a:latin typeface="+mn-lt"/>
-                <a:ea typeface="+mn-ea"/>
-                <a:cs typeface="+mn-cs"/>
-              </a:rPr>
-              <a:t> : </a:t>
-            </a:r>
-            <a:r>
-              <a:rPr lang="fr-FR" sz="1200" kern="1200" dirty="0" smtClean="0">
-                <a:solidFill>
-                  <a:schemeClr val="tx1"/>
-                </a:solidFill>
-                <a:effectLst/>
-                <a:latin typeface="+mn-lt"/>
-                <a:ea typeface="+mn-ea"/>
-                <a:cs typeface="+mn-cs"/>
-              </a:rPr>
-              <a:t>tous lundi pendant les heures du projet</a:t>
-            </a:r>
-            <a:r>
-              <a:rPr lang="fr-CH" dirty="0" smtClean="0">
-                <a:effectLst/>
-              </a:rPr>
-              <a:t> </a:t>
-            </a:r>
-          </a:p>
-          <a:p>
-            <a:r>
-              <a:rPr lang="fr-CH" dirty="0" smtClean="0">
-                <a:effectLst/>
-              </a:rPr>
-              <a:t>	</a:t>
-            </a:r>
-          </a:p>
-          <a:p>
-            <a:r>
-              <a:rPr lang="fr-CH" sz="1200" kern="1200" dirty="0" smtClean="0">
-                <a:solidFill>
-                  <a:schemeClr val="tx1"/>
-                </a:solidFill>
-                <a:effectLst/>
-                <a:latin typeface="+mn-lt"/>
-                <a:ea typeface="+mn-ea"/>
-                <a:cs typeface="+mn-cs"/>
-              </a:rPr>
-              <a:t>	Sprint</a:t>
-            </a:r>
-            <a:r>
-              <a:rPr lang="fr-CH" sz="1200" kern="1200" baseline="0" dirty="0" smtClean="0">
-                <a:solidFill>
-                  <a:schemeClr val="tx1"/>
-                </a:solidFill>
-                <a:effectLst/>
-                <a:latin typeface="+mn-lt"/>
-                <a:ea typeface="+mn-ea"/>
-                <a:cs typeface="+mn-cs"/>
-              </a:rPr>
-              <a:t> : Durée de 1 semaine de lundi à lundi</a:t>
-            </a:r>
-          </a:p>
-          <a:p>
-            <a:r>
-              <a:rPr lang="fr-CH" sz="1200" kern="1200" baseline="0" dirty="0" smtClean="0">
-                <a:solidFill>
-                  <a:schemeClr val="tx1"/>
-                </a:solidFill>
-                <a:effectLst/>
-                <a:latin typeface="+mn-lt"/>
-                <a:ea typeface="+mn-ea"/>
-                <a:cs typeface="+mn-cs"/>
-              </a:rPr>
-              <a:t>	Resultat : Iteration avec nouvelles fonctionnalités</a:t>
-            </a:r>
-          </a:p>
-          <a:p>
-            <a:endParaRPr lang="fr-CH" sz="1200" kern="1200" baseline="0" dirty="0" smtClean="0">
-              <a:solidFill>
-                <a:schemeClr val="tx1"/>
-              </a:solidFill>
-              <a:effectLst/>
-              <a:latin typeface="+mn-lt"/>
-              <a:ea typeface="+mn-ea"/>
-              <a:cs typeface="+mn-cs"/>
-            </a:endParaRPr>
-          </a:p>
-          <a:p>
-            <a:r>
-              <a:rPr lang="fr-CH" sz="1200" kern="1200" baseline="0" dirty="0" smtClean="0">
-                <a:solidFill>
-                  <a:schemeClr val="tx1"/>
-                </a:solidFill>
-                <a:effectLst/>
-                <a:latin typeface="+mn-lt"/>
-                <a:ea typeface="+mn-ea"/>
-                <a:cs typeface="+mn-cs"/>
-              </a:rPr>
-              <a:t>	On arrivait bien à suivre le projet car on voyait la progression</a:t>
-            </a:r>
-          </a:p>
-          <a:p>
-            <a:r>
-              <a:rPr lang="fr-CH" sz="1200" kern="1200" baseline="0" dirty="0" smtClean="0">
-                <a:solidFill>
-                  <a:schemeClr val="tx1"/>
-                </a:solidFill>
-                <a:effectLst/>
-                <a:latin typeface="+mn-lt"/>
-                <a:ea typeface="+mn-ea"/>
-                <a:cs typeface="+mn-cs"/>
-              </a:rPr>
-              <a:t>	(avec les problemes et les solutions de chacun)</a:t>
-            </a:r>
-          </a:p>
-          <a:p>
-            <a:r>
-              <a:rPr lang="fr-CH" sz="1200" kern="1200" baseline="0" dirty="0" smtClean="0">
-                <a:solidFill>
-                  <a:schemeClr val="tx1"/>
-                </a:solidFill>
-                <a:effectLst/>
-                <a:latin typeface="+mn-lt"/>
-                <a:ea typeface="+mn-ea"/>
-                <a:cs typeface="+mn-cs"/>
-              </a:rPr>
-              <a:t>		</a:t>
-            </a:r>
-            <a:endParaRPr lang="fr-FR" sz="1200" kern="1200" dirty="0" smtClean="0">
-              <a:solidFill>
-                <a:schemeClr val="tx1"/>
-              </a:solidFill>
-              <a:effectLst/>
-              <a:latin typeface="+mn-lt"/>
-              <a:ea typeface="+mn-ea"/>
-              <a:cs typeface="+mn-cs"/>
-            </a:endParaRPr>
-          </a:p>
-          <a:p>
-            <a:r>
-              <a:rPr lang="fr-FR" sz="1200" kern="1200" dirty="0" smtClean="0">
-                <a:solidFill>
-                  <a:schemeClr val="tx1"/>
-                </a:solidFill>
-                <a:effectLst/>
-                <a:latin typeface="+mn-lt"/>
-                <a:ea typeface="+mn-ea"/>
-                <a:cs typeface="+mn-cs"/>
-              </a:rPr>
-              <a:t>	</a:t>
-            </a:r>
-            <a:endParaRPr lang="fr-FR" dirty="0" smtClean="0"/>
-          </a:p>
-          <a:p>
-            <a:r>
-              <a:rPr lang="fr-FR" dirty="0" smtClean="0"/>
-              <a:t>	</a:t>
-            </a:r>
             <a:endParaRPr lang="fr-FR" dirty="0"/>
           </a:p>
         </p:txBody>
@@ -1800,285 +2313,6 @@
           <a:bodyPr/>
           <a:lstStyle/>
           <a:p>
-            <a:r>
-              <a:rPr lang="fr-FR" dirty="0" smtClean="0"/>
-              <a:t>Romain</a:t>
-            </a:r>
-          </a:p>
-          <a:p>
-            <a:r>
-              <a:rPr lang="fr-FR" dirty="0" smtClean="0"/>
-              <a:t>	On</a:t>
-            </a:r>
-            <a:r>
-              <a:rPr lang="fr-FR" baseline="0" dirty="0" smtClean="0"/>
-              <a:t> a commencé par la méthodologie Cascade</a:t>
-            </a:r>
-          </a:p>
-          <a:p>
-            <a:endParaRPr lang="fr-FR" dirty="0" smtClean="0"/>
-          </a:p>
-          <a:p>
-            <a:r>
-              <a:rPr lang="fr-FR" dirty="0" smtClean="0"/>
-              <a:t>	</a:t>
-            </a:r>
-            <a:r>
-              <a:rPr lang="fr-FR" sz="1200" kern="1200" dirty="0" smtClean="0">
-                <a:solidFill>
-                  <a:schemeClr val="tx1"/>
-                </a:solidFill>
-                <a:effectLst/>
-                <a:latin typeface="+mn-lt"/>
-                <a:ea typeface="+mn-ea"/>
-                <a:cs typeface="+mn-cs"/>
-              </a:rPr>
-              <a:t>Product </a:t>
-            </a:r>
-            <a:r>
-              <a:rPr lang="fr-FR" sz="1200" kern="1200" dirty="0" err="1" smtClean="0">
-                <a:solidFill>
-                  <a:schemeClr val="tx1"/>
-                </a:solidFill>
-                <a:effectLst/>
-                <a:latin typeface="+mn-lt"/>
-                <a:ea typeface="+mn-ea"/>
-                <a:cs typeface="+mn-cs"/>
-              </a:rPr>
-              <a:t>Backlog</a:t>
-            </a:r>
-            <a:r>
-              <a:rPr lang="fr-FR" sz="1200" kern="1200" dirty="0" smtClean="0">
-                <a:solidFill>
-                  <a:schemeClr val="tx1"/>
-                </a:solidFill>
-                <a:effectLst/>
-                <a:latin typeface="+mn-lt"/>
-                <a:ea typeface="+mn-ea"/>
-                <a:cs typeface="+mn-cs"/>
-              </a:rPr>
-              <a:t> : Cahier</a:t>
-            </a:r>
-            <a:r>
-              <a:rPr lang="fr-FR" sz="1200" kern="1200" baseline="0" dirty="0" smtClean="0">
-                <a:solidFill>
-                  <a:schemeClr val="tx1"/>
-                </a:solidFill>
-                <a:effectLst/>
-                <a:latin typeface="+mn-lt"/>
-                <a:ea typeface="+mn-ea"/>
-                <a:cs typeface="+mn-cs"/>
-              </a:rPr>
-              <a:t> des charge et </a:t>
-            </a:r>
-            <a:r>
-              <a:rPr lang="fr-FR" sz="1200" kern="1200" dirty="0" err="1" smtClean="0">
-                <a:solidFill>
-                  <a:schemeClr val="tx1"/>
-                </a:solidFill>
-                <a:effectLst/>
-                <a:latin typeface="+mn-lt"/>
-                <a:ea typeface="+mn-ea"/>
-                <a:cs typeface="+mn-cs"/>
-              </a:rPr>
-              <a:t>Specifications</a:t>
-            </a:r>
-            <a:endParaRPr lang="fr-FR" sz="1200" kern="1200" dirty="0" smtClean="0">
-              <a:solidFill>
-                <a:schemeClr val="tx1"/>
-              </a:solidFill>
-              <a:effectLst/>
-              <a:latin typeface="+mn-lt"/>
-              <a:ea typeface="+mn-ea"/>
-              <a:cs typeface="+mn-cs"/>
-            </a:endParaRPr>
-          </a:p>
-          <a:p>
-            <a:r>
-              <a:rPr lang="fr-FR" sz="1200" kern="1200" dirty="0" smtClean="0">
-                <a:solidFill>
-                  <a:schemeClr val="tx1"/>
-                </a:solidFill>
-                <a:effectLst/>
-                <a:latin typeface="+mn-lt"/>
-                <a:ea typeface="+mn-ea"/>
-                <a:cs typeface="+mn-cs"/>
-              </a:rPr>
-              <a:t>	Sprint </a:t>
-            </a:r>
-            <a:r>
-              <a:rPr lang="fr-FR" sz="1200" kern="1200" dirty="0" err="1" smtClean="0">
-                <a:solidFill>
-                  <a:schemeClr val="tx1"/>
-                </a:solidFill>
-                <a:effectLst/>
-                <a:latin typeface="+mn-lt"/>
-                <a:ea typeface="+mn-ea"/>
-                <a:cs typeface="+mn-cs"/>
-              </a:rPr>
-              <a:t>Backlog</a:t>
-            </a:r>
-            <a:r>
-              <a:rPr lang="fr-FR" sz="1200" kern="1200" baseline="0" dirty="0" smtClean="0">
-                <a:solidFill>
-                  <a:schemeClr val="tx1"/>
-                </a:solidFill>
-                <a:effectLst/>
-                <a:latin typeface="+mn-lt"/>
-                <a:ea typeface="+mn-ea"/>
-                <a:cs typeface="+mn-cs"/>
-              </a:rPr>
-              <a:t> : </a:t>
-            </a:r>
-            <a:r>
-              <a:rPr lang="fr-FR" sz="1200" kern="1200" dirty="0" smtClean="0">
-                <a:solidFill>
-                  <a:schemeClr val="tx1"/>
-                </a:solidFill>
-                <a:effectLst/>
-                <a:latin typeface="+mn-lt"/>
-                <a:ea typeface="+mn-ea"/>
-                <a:cs typeface="+mn-cs"/>
-              </a:rPr>
-              <a:t>tous lundi pendant les heures du projet</a:t>
-            </a:r>
-            <a:r>
-              <a:rPr lang="fr-CH" dirty="0" smtClean="0">
-                <a:effectLst/>
-              </a:rPr>
-              <a:t> </a:t>
-            </a:r>
-          </a:p>
-          <a:p>
-            <a:r>
-              <a:rPr lang="fr-CH" dirty="0" smtClean="0">
-                <a:effectLst/>
-              </a:rPr>
-              <a:t>	</a:t>
-            </a:r>
-          </a:p>
-          <a:p>
-            <a:r>
-              <a:rPr lang="fr-CH" sz="1200" kern="1200" dirty="0" smtClean="0">
-                <a:solidFill>
-                  <a:schemeClr val="tx1"/>
-                </a:solidFill>
-                <a:effectLst/>
-                <a:latin typeface="+mn-lt"/>
-                <a:ea typeface="+mn-ea"/>
-                <a:cs typeface="+mn-cs"/>
-              </a:rPr>
-              <a:t>	Sprint</a:t>
-            </a:r>
-            <a:r>
-              <a:rPr lang="fr-CH" sz="1200" kern="1200" baseline="0" dirty="0" smtClean="0">
-                <a:solidFill>
-                  <a:schemeClr val="tx1"/>
-                </a:solidFill>
-                <a:effectLst/>
-                <a:latin typeface="+mn-lt"/>
-                <a:ea typeface="+mn-ea"/>
-                <a:cs typeface="+mn-cs"/>
-              </a:rPr>
-              <a:t> : Durée de 1 semaine de lundi à lundi</a:t>
-            </a:r>
-          </a:p>
-          <a:p>
-            <a:r>
-              <a:rPr lang="fr-CH" sz="1200" kern="1200" baseline="0" dirty="0" smtClean="0">
-                <a:solidFill>
-                  <a:schemeClr val="tx1"/>
-                </a:solidFill>
-                <a:effectLst/>
-                <a:latin typeface="+mn-lt"/>
-                <a:ea typeface="+mn-ea"/>
-                <a:cs typeface="+mn-cs"/>
-              </a:rPr>
-              <a:t>	Resultat : Iteration avec nouvelles fonctionnalités</a:t>
-            </a:r>
-          </a:p>
-          <a:p>
-            <a:endParaRPr lang="fr-CH" sz="1200" kern="1200" baseline="0" dirty="0" smtClean="0">
-              <a:solidFill>
-                <a:schemeClr val="tx1"/>
-              </a:solidFill>
-              <a:effectLst/>
-              <a:latin typeface="+mn-lt"/>
-              <a:ea typeface="+mn-ea"/>
-              <a:cs typeface="+mn-cs"/>
-            </a:endParaRPr>
-          </a:p>
-          <a:p>
-            <a:r>
-              <a:rPr lang="fr-CH" sz="1200" kern="1200" baseline="0" dirty="0" smtClean="0">
-                <a:solidFill>
-                  <a:schemeClr val="tx1"/>
-                </a:solidFill>
-                <a:effectLst/>
-                <a:latin typeface="+mn-lt"/>
-                <a:ea typeface="+mn-ea"/>
-                <a:cs typeface="+mn-cs"/>
-              </a:rPr>
-              <a:t>	On arrivait bien à suivre le projet car on voyait la progression</a:t>
-            </a:r>
-          </a:p>
-          <a:p>
-            <a:r>
-              <a:rPr lang="fr-CH" sz="1200" kern="1200" baseline="0" dirty="0" smtClean="0">
-                <a:solidFill>
-                  <a:schemeClr val="tx1"/>
-                </a:solidFill>
-                <a:effectLst/>
-                <a:latin typeface="+mn-lt"/>
-                <a:ea typeface="+mn-ea"/>
-                <a:cs typeface="+mn-cs"/>
-              </a:rPr>
-              <a:t>	(avec les problemes et les solutions de chacun)</a:t>
-            </a:r>
-          </a:p>
-          <a:p>
-            <a:r>
-              <a:rPr lang="fr-CH" sz="1200" kern="1200" baseline="0" dirty="0" smtClean="0">
-                <a:solidFill>
-                  <a:schemeClr val="tx1"/>
-                </a:solidFill>
-                <a:effectLst/>
-                <a:latin typeface="+mn-lt"/>
-                <a:ea typeface="+mn-ea"/>
-                <a:cs typeface="+mn-cs"/>
-              </a:rPr>
-              <a:t>		</a:t>
-            </a:r>
-            <a:endParaRPr lang="fr-FR" sz="1200" kern="1200" dirty="0" smtClean="0">
-              <a:solidFill>
-                <a:schemeClr val="tx1"/>
-              </a:solidFill>
-              <a:effectLst/>
-              <a:latin typeface="+mn-lt"/>
-              <a:ea typeface="+mn-ea"/>
-              <a:cs typeface="+mn-cs"/>
-            </a:endParaRPr>
-          </a:p>
-          <a:p>
-            <a:r>
-              <a:rPr lang="fr-FR" sz="1200" kern="1200" dirty="0" smtClean="0">
-                <a:solidFill>
-                  <a:schemeClr val="tx1"/>
-                </a:solidFill>
-                <a:effectLst/>
-                <a:latin typeface="+mn-lt"/>
-                <a:ea typeface="+mn-ea"/>
-                <a:cs typeface="+mn-cs"/>
-              </a:rPr>
-              <a:t>	</a:t>
-            </a:r>
-            <a:endParaRPr lang="fr-FR" dirty="0" smtClean="0"/>
-          </a:p>
-          <a:p>
-            <a:r>
-              <a:rPr lang="fr-FR" dirty="0" smtClean="0"/>
-              <a:t>	</a:t>
-            </a:r>
             <a:endParaRPr lang="fr-FR" dirty="0"/>
           </a:p>
         </p:txBody>
@@ -2163,285 +2397,6 @@
           <a:bodyPr/>
           <a:lstStyle/>
           <a:p>
-            <a:r>
-              <a:rPr lang="fr-FR" dirty="0" smtClean="0"/>
-              <a:t>Romain</a:t>
-            </a:r>
-          </a:p>
-          <a:p>
-            <a:r>
-              <a:rPr lang="fr-FR" dirty="0" smtClean="0"/>
-              <a:t>	On</a:t>
-            </a:r>
-            <a:r>
-              <a:rPr lang="fr-FR" baseline="0" dirty="0" smtClean="0"/>
-              <a:t> a commencé par la méthodologie Cascade</a:t>
-            </a:r>
-          </a:p>
-          <a:p>
-            <a:endParaRPr lang="fr-FR" dirty="0" smtClean="0"/>
-          </a:p>
-          <a:p>
-            <a:r>
-              <a:rPr lang="fr-FR" dirty="0" smtClean="0"/>
-              <a:t>	</a:t>
-            </a:r>
-            <a:r>
-              <a:rPr lang="fr-FR" sz="1200" kern="1200" dirty="0" smtClean="0">
-                <a:solidFill>
-                  <a:schemeClr val="tx1"/>
-                </a:solidFill>
-                <a:effectLst/>
-                <a:latin typeface="+mn-lt"/>
-                <a:ea typeface="+mn-ea"/>
-                <a:cs typeface="+mn-cs"/>
-              </a:rPr>
-              <a:t>Product </a:t>
-            </a:r>
-            <a:r>
-              <a:rPr lang="fr-FR" sz="1200" kern="1200" dirty="0" err="1" smtClean="0">
-                <a:solidFill>
-                  <a:schemeClr val="tx1"/>
-                </a:solidFill>
-                <a:effectLst/>
-                <a:latin typeface="+mn-lt"/>
-                <a:ea typeface="+mn-ea"/>
-                <a:cs typeface="+mn-cs"/>
-              </a:rPr>
-              <a:t>Backlog</a:t>
-            </a:r>
-            <a:r>
-              <a:rPr lang="fr-FR" sz="1200" kern="1200" dirty="0" smtClean="0">
-                <a:solidFill>
-                  <a:schemeClr val="tx1"/>
-                </a:solidFill>
-                <a:effectLst/>
-                <a:latin typeface="+mn-lt"/>
-                <a:ea typeface="+mn-ea"/>
-                <a:cs typeface="+mn-cs"/>
-              </a:rPr>
-              <a:t> : Cahier</a:t>
-            </a:r>
-            <a:r>
-              <a:rPr lang="fr-FR" sz="1200" kern="1200" baseline="0" dirty="0" smtClean="0">
-                <a:solidFill>
-                  <a:schemeClr val="tx1"/>
-                </a:solidFill>
-                <a:effectLst/>
-                <a:latin typeface="+mn-lt"/>
-                <a:ea typeface="+mn-ea"/>
-                <a:cs typeface="+mn-cs"/>
-              </a:rPr>
-              <a:t> des charge et </a:t>
-            </a:r>
-            <a:r>
-              <a:rPr lang="fr-FR" sz="1200" kern="1200" dirty="0" err="1" smtClean="0">
-                <a:solidFill>
-                  <a:schemeClr val="tx1"/>
-                </a:solidFill>
-                <a:effectLst/>
-                <a:latin typeface="+mn-lt"/>
-                <a:ea typeface="+mn-ea"/>
-                <a:cs typeface="+mn-cs"/>
-              </a:rPr>
-              <a:t>Specifications</a:t>
-            </a:r>
-            <a:endParaRPr lang="fr-FR" sz="1200" kern="1200" dirty="0" smtClean="0">
-              <a:solidFill>
-                <a:schemeClr val="tx1"/>
-              </a:solidFill>
-              <a:effectLst/>
-              <a:latin typeface="+mn-lt"/>
-              <a:ea typeface="+mn-ea"/>
-              <a:cs typeface="+mn-cs"/>
-            </a:endParaRPr>
-          </a:p>
-          <a:p>
-            <a:r>
-              <a:rPr lang="fr-FR" sz="1200" kern="1200" dirty="0" smtClean="0">
-                <a:solidFill>
-                  <a:schemeClr val="tx1"/>
-                </a:solidFill>
-                <a:effectLst/>
-                <a:latin typeface="+mn-lt"/>
-                <a:ea typeface="+mn-ea"/>
-                <a:cs typeface="+mn-cs"/>
-              </a:rPr>
-              <a:t>	Sprint </a:t>
-            </a:r>
-            <a:r>
-              <a:rPr lang="fr-FR" sz="1200" kern="1200" dirty="0" err="1" smtClean="0">
-                <a:solidFill>
-                  <a:schemeClr val="tx1"/>
-                </a:solidFill>
-                <a:effectLst/>
-                <a:latin typeface="+mn-lt"/>
-                <a:ea typeface="+mn-ea"/>
-                <a:cs typeface="+mn-cs"/>
-              </a:rPr>
-              <a:t>Backlog</a:t>
-            </a:r>
-            <a:r>
-              <a:rPr lang="fr-FR" sz="1200" kern="1200" baseline="0" dirty="0" smtClean="0">
-                <a:solidFill>
-                  <a:schemeClr val="tx1"/>
-                </a:solidFill>
-                <a:effectLst/>
-                <a:latin typeface="+mn-lt"/>
-                <a:ea typeface="+mn-ea"/>
-                <a:cs typeface="+mn-cs"/>
-              </a:rPr>
-              <a:t> : </a:t>
-            </a:r>
-            <a:r>
-              <a:rPr lang="fr-FR" sz="1200" kern="1200" dirty="0" smtClean="0">
-                <a:solidFill>
-                  <a:schemeClr val="tx1"/>
-                </a:solidFill>
-                <a:effectLst/>
-                <a:latin typeface="+mn-lt"/>
-                <a:ea typeface="+mn-ea"/>
-                <a:cs typeface="+mn-cs"/>
-              </a:rPr>
-              <a:t>tous lundi pendant les heures du projet</a:t>
-            </a:r>
-            <a:r>
-              <a:rPr lang="fr-CH" dirty="0" smtClean="0">
-                <a:effectLst/>
-              </a:rPr>
-              <a:t> </a:t>
-            </a:r>
-          </a:p>
-          <a:p>
-            <a:r>
-              <a:rPr lang="fr-CH" dirty="0" smtClean="0">
-                <a:effectLst/>
-              </a:rPr>
-              <a:t>	</a:t>
-            </a:r>
-          </a:p>
-          <a:p>
-            <a:r>
-              <a:rPr lang="fr-CH" sz="1200" kern="1200" dirty="0" smtClean="0">
-                <a:solidFill>
-                  <a:schemeClr val="tx1"/>
-                </a:solidFill>
-                <a:effectLst/>
-                <a:latin typeface="+mn-lt"/>
-                <a:ea typeface="+mn-ea"/>
-                <a:cs typeface="+mn-cs"/>
-              </a:rPr>
-              <a:t>	Sprint</a:t>
-            </a:r>
-            <a:r>
-              <a:rPr lang="fr-CH" sz="1200" kern="1200" baseline="0" dirty="0" smtClean="0">
-                <a:solidFill>
-                  <a:schemeClr val="tx1"/>
-                </a:solidFill>
-                <a:effectLst/>
-                <a:latin typeface="+mn-lt"/>
-                <a:ea typeface="+mn-ea"/>
-                <a:cs typeface="+mn-cs"/>
-              </a:rPr>
-              <a:t> : Durée de 1 semaine de lundi à lundi</a:t>
-            </a:r>
-          </a:p>
-          <a:p>
-            <a:r>
-              <a:rPr lang="fr-CH" sz="1200" kern="1200" baseline="0" dirty="0" smtClean="0">
-                <a:solidFill>
-                  <a:schemeClr val="tx1"/>
-                </a:solidFill>
-                <a:effectLst/>
-                <a:latin typeface="+mn-lt"/>
-                <a:ea typeface="+mn-ea"/>
-                <a:cs typeface="+mn-cs"/>
-              </a:rPr>
-              <a:t>	Resultat : Iteration avec nouvelles fonctionnalités</a:t>
-            </a:r>
-          </a:p>
-          <a:p>
-            <a:endParaRPr lang="fr-CH" sz="1200" kern="1200" baseline="0" dirty="0" smtClean="0">
-              <a:solidFill>
-                <a:schemeClr val="tx1"/>
-              </a:solidFill>
-              <a:effectLst/>
-              <a:latin typeface="+mn-lt"/>
-              <a:ea typeface="+mn-ea"/>
-              <a:cs typeface="+mn-cs"/>
-            </a:endParaRPr>
-          </a:p>
-          <a:p>
-            <a:r>
-              <a:rPr lang="fr-CH" sz="1200" kern="1200" baseline="0" dirty="0" smtClean="0">
-                <a:solidFill>
-                  <a:schemeClr val="tx1"/>
-                </a:solidFill>
-                <a:effectLst/>
-                <a:latin typeface="+mn-lt"/>
-                <a:ea typeface="+mn-ea"/>
-                <a:cs typeface="+mn-cs"/>
-              </a:rPr>
-              <a:t>	On arrivait bien à suivre le projet car on voyait la progression</a:t>
-            </a:r>
-          </a:p>
-          <a:p>
-            <a:r>
-              <a:rPr lang="fr-CH" sz="1200" kern="1200" baseline="0" dirty="0" smtClean="0">
-                <a:solidFill>
-                  <a:schemeClr val="tx1"/>
-                </a:solidFill>
-                <a:effectLst/>
-                <a:latin typeface="+mn-lt"/>
-                <a:ea typeface="+mn-ea"/>
-                <a:cs typeface="+mn-cs"/>
-              </a:rPr>
-              <a:t>	(avec les problemes et les solutions de chacun)</a:t>
-            </a:r>
-          </a:p>
-          <a:p>
-            <a:r>
-              <a:rPr lang="fr-CH" sz="1200" kern="1200" baseline="0" dirty="0" smtClean="0">
-                <a:solidFill>
-                  <a:schemeClr val="tx1"/>
-                </a:solidFill>
-                <a:effectLst/>
-                <a:latin typeface="+mn-lt"/>
-                <a:ea typeface="+mn-ea"/>
-                <a:cs typeface="+mn-cs"/>
-              </a:rPr>
-              <a:t>		</a:t>
-            </a:r>
-            <a:endParaRPr lang="fr-FR" sz="1200" kern="1200" dirty="0" smtClean="0">
-              <a:solidFill>
-                <a:schemeClr val="tx1"/>
-              </a:solidFill>
-              <a:effectLst/>
-              <a:latin typeface="+mn-lt"/>
-              <a:ea typeface="+mn-ea"/>
-              <a:cs typeface="+mn-cs"/>
-            </a:endParaRPr>
-          </a:p>
-          <a:p>
-            <a:r>
-              <a:rPr lang="fr-FR" sz="1200" kern="1200" dirty="0" smtClean="0">
-                <a:solidFill>
-                  <a:schemeClr val="tx1"/>
-                </a:solidFill>
-                <a:effectLst/>
-                <a:latin typeface="+mn-lt"/>
-                <a:ea typeface="+mn-ea"/>
-                <a:cs typeface="+mn-cs"/>
-              </a:rPr>
-              <a:t>	</a:t>
-            </a:r>
-            <a:endParaRPr lang="fr-FR" dirty="0" smtClean="0"/>
-          </a:p>
-          <a:p>
-            <a:r>
-              <a:rPr lang="fr-FR" dirty="0" smtClean="0"/>
-              <a:t>	</a:t>
-            </a:r>
             <a:endParaRPr lang="fr-FR" dirty="0"/>
           </a:p>
         </p:txBody>
@@ -2526,285 +2481,6 @@
           <a:bodyPr/>
           <a:lstStyle/>
           <a:p>
-            <a:r>
-              <a:rPr lang="fr-FR" dirty="0" smtClean="0"/>
-              <a:t>Romain</a:t>
-            </a:r>
-          </a:p>
-          <a:p>
-            <a:r>
-              <a:rPr lang="fr-FR" dirty="0" smtClean="0"/>
-              <a:t>	On</a:t>
-            </a:r>
-            <a:r>
-              <a:rPr lang="fr-FR" baseline="0" dirty="0" smtClean="0"/>
-              <a:t> a commencé par la méthodologie Cascade</a:t>
-            </a:r>
-          </a:p>
-          <a:p>
-            <a:endParaRPr lang="fr-FR" dirty="0" smtClean="0"/>
-          </a:p>
-          <a:p>
-            <a:r>
-              <a:rPr lang="fr-FR" dirty="0" smtClean="0"/>
-              <a:t>	</a:t>
-            </a:r>
-            <a:r>
-              <a:rPr lang="fr-FR" sz="1200" kern="1200" dirty="0" smtClean="0">
-                <a:solidFill>
-                  <a:schemeClr val="tx1"/>
-                </a:solidFill>
-                <a:effectLst/>
-                <a:latin typeface="+mn-lt"/>
-                <a:ea typeface="+mn-ea"/>
-                <a:cs typeface="+mn-cs"/>
-              </a:rPr>
-              <a:t>Product </a:t>
-            </a:r>
-            <a:r>
-              <a:rPr lang="fr-FR" sz="1200" kern="1200" dirty="0" err="1" smtClean="0">
-                <a:solidFill>
-                  <a:schemeClr val="tx1"/>
-                </a:solidFill>
-                <a:effectLst/>
-                <a:latin typeface="+mn-lt"/>
-                <a:ea typeface="+mn-ea"/>
-                <a:cs typeface="+mn-cs"/>
-              </a:rPr>
-              <a:t>Backlog</a:t>
-            </a:r>
-            <a:r>
-              <a:rPr lang="fr-FR" sz="1200" kern="1200" dirty="0" smtClean="0">
-                <a:solidFill>
-                  <a:schemeClr val="tx1"/>
-                </a:solidFill>
-                <a:effectLst/>
-                <a:latin typeface="+mn-lt"/>
-                <a:ea typeface="+mn-ea"/>
-                <a:cs typeface="+mn-cs"/>
-              </a:rPr>
-              <a:t> : Cahier</a:t>
-            </a:r>
-            <a:r>
-              <a:rPr lang="fr-FR" sz="1200" kern="1200" baseline="0" dirty="0" smtClean="0">
-                <a:solidFill>
-                  <a:schemeClr val="tx1"/>
-                </a:solidFill>
-                <a:effectLst/>
-                <a:latin typeface="+mn-lt"/>
-                <a:ea typeface="+mn-ea"/>
-                <a:cs typeface="+mn-cs"/>
-              </a:rPr>
-              <a:t> des charge et </a:t>
-            </a:r>
-            <a:r>
-              <a:rPr lang="fr-FR" sz="1200" kern="1200" dirty="0" err="1" smtClean="0">
-                <a:solidFill>
-                  <a:schemeClr val="tx1"/>
-                </a:solidFill>
-                <a:effectLst/>
-                <a:latin typeface="+mn-lt"/>
-                <a:ea typeface="+mn-ea"/>
-                <a:cs typeface="+mn-cs"/>
-              </a:rPr>
-              <a:t>Specifications</a:t>
-            </a:r>
-            <a:endParaRPr lang="fr-FR" sz="1200" kern="1200" dirty="0" smtClean="0">
-              <a:solidFill>
-                <a:schemeClr val="tx1"/>
-              </a:solidFill>
-              <a:effectLst/>
-              <a:latin typeface="+mn-lt"/>
-              <a:ea typeface="+mn-ea"/>
-              <a:cs typeface="+mn-cs"/>
-            </a:endParaRPr>
-          </a:p>
-          <a:p>
-            <a:r>
-              <a:rPr lang="fr-FR" sz="1200" kern="1200" dirty="0" smtClean="0">
-                <a:solidFill>
-                  <a:schemeClr val="tx1"/>
-                </a:solidFill>
-                <a:effectLst/>
-                <a:latin typeface="+mn-lt"/>
-                <a:ea typeface="+mn-ea"/>
-                <a:cs typeface="+mn-cs"/>
-              </a:rPr>
-              <a:t>	Sprint </a:t>
-            </a:r>
-            <a:r>
-              <a:rPr lang="fr-FR" sz="1200" kern="1200" dirty="0" err="1" smtClean="0">
-                <a:solidFill>
-                  <a:schemeClr val="tx1"/>
-                </a:solidFill>
-                <a:effectLst/>
-                <a:latin typeface="+mn-lt"/>
-                <a:ea typeface="+mn-ea"/>
-                <a:cs typeface="+mn-cs"/>
-              </a:rPr>
-              <a:t>Backlog</a:t>
-            </a:r>
-            <a:r>
-              <a:rPr lang="fr-FR" sz="1200" kern="1200" baseline="0" dirty="0" smtClean="0">
-                <a:solidFill>
-                  <a:schemeClr val="tx1"/>
-                </a:solidFill>
-                <a:effectLst/>
-                <a:latin typeface="+mn-lt"/>
-                <a:ea typeface="+mn-ea"/>
-                <a:cs typeface="+mn-cs"/>
-              </a:rPr>
-              <a:t> : </a:t>
-            </a:r>
-            <a:r>
-              <a:rPr lang="fr-FR" sz="1200" kern="1200" dirty="0" smtClean="0">
-                <a:solidFill>
-                  <a:schemeClr val="tx1"/>
-                </a:solidFill>
-                <a:effectLst/>
-                <a:latin typeface="+mn-lt"/>
-                <a:ea typeface="+mn-ea"/>
-                <a:cs typeface="+mn-cs"/>
-              </a:rPr>
-              <a:t>tous lundi pendant les heures du projet</a:t>
-            </a:r>
-            <a:r>
-              <a:rPr lang="fr-CH" dirty="0" smtClean="0">
-                <a:effectLst/>
-              </a:rPr>
-              <a:t> </a:t>
-            </a:r>
-          </a:p>
-          <a:p>
-            <a:r>
-              <a:rPr lang="fr-CH" dirty="0" smtClean="0">
-                <a:effectLst/>
-              </a:rPr>
-              <a:t>	</a:t>
-            </a:r>
-          </a:p>
-          <a:p>
-            <a:r>
-              <a:rPr lang="fr-CH" sz="1200" kern="1200" dirty="0" smtClean="0">
-                <a:solidFill>
-                  <a:schemeClr val="tx1"/>
-                </a:solidFill>
-                <a:effectLst/>
-                <a:latin typeface="+mn-lt"/>
-                <a:ea typeface="+mn-ea"/>
-                <a:cs typeface="+mn-cs"/>
-              </a:rPr>
-              <a:t>	Sprint</a:t>
-            </a:r>
-            <a:r>
-              <a:rPr lang="fr-CH" sz="1200" kern="1200" baseline="0" dirty="0" smtClean="0">
-                <a:solidFill>
-                  <a:schemeClr val="tx1"/>
-                </a:solidFill>
-                <a:effectLst/>
-                <a:latin typeface="+mn-lt"/>
-                <a:ea typeface="+mn-ea"/>
-                <a:cs typeface="+mn-cs"/>
-              </a:rPr>
-              <a:t> : Durée de 1 semaine de lundi à lundi</a:t>
-            </a:r>
-          </a:p>
-          <a:p>
-            <a:r>
-              <a:rPr lang="fr-CH" sz="1200" kern="1200" baseline="0" dirty="0" smtClean="0">
-                <a:solidFill>
-                  <a:schemeClr val="tx1"/>
-                </a:solidFill>
-                <a:effectLst/>
-                <a:latin typeface="+mn-lt"/>
-                <a:ea typeface="+mn-ea"/>
-                <a:cs typeface="+mn-cs"/>
-              </a:rPr>
-              <a:t>	Resultat : Iteration avec nouvelles fonctionnalités</a:t>
-            </a:r>
-          </a:p>
-          <a:p>
-            <a:endParaRPr lang="fr-CH" sz="1200" kern="1200" baseline="0" dirty="0" smtClean="0">
-              <a:solidFill>
-                <a:schemeClr val="tx1"/>
-              </a:solidFill>
-              <a:effectLst/>
-              <a:latin typeface="+mn-lt"/>
-              <a:ea typeface="+mn-ea"/>
-              <a:cs typeface="+mn-cs"/>
-            </a:endParaRPr>
-          </a:p>
-          <a:p>
-            <a:r>
-              <a:rPr lang="fr-CH" sz="1200" kern="1200" baseline="0" dirty="0" smtClean="0">
-                <a:solidFill>
-                  <a:schemeClr val="tx1"/>
-                </a:solidFill>
-                <a:effectLst/>
-                <a:latin typeface="+mn-lt"/>
-                <a:ea typeface="+mn-ea"/>
-                <a:cs typeface="+mn-cs"/>
-              </a:rPr>
-              <a:t>	On arrivait bien à suivre le projet car on voyait la progression</a:t>
-            </a:r>
-          </a:p>
-          <a:p>
-            <a:r>
-              <a:rPr lang="fr-CH" sz="1200" kern="1200" baseline="0" dirty="0" smtClean="0">
-                <a:solidFill>
-                  <a:schemeClr val="tx1"/>
-                </a:solidFill>
-                <a:effectLst/>
-                <a:latin typeface="+mn-lt"/>
-                <a:ea typeface="+mn-ea"/>
-                <a:cs typeface="+mn-cs"/>
-              </a:rPr>
-              <a:t>	(avec les problemes et les solutions de chacun)</a:t>
-            </a:r>
-          </a:p>
-          <a:p>
-            <a:r>
-              <a:rPr lang="fr-CH" sz="1200" kern="1200" baseline="0" dirty="0" smtClean="0">
-                <a:solidFill>
-                  <a:schemeClr val="tx1"/>
-                </a:solidFill>
-                <a:effectLst/>
-                <a:latin typeface="+mn-lt"/>
-                <a:ea typeface="+mn-ea"/>
-                <a:cs typeface="+mn-cs"/>
-              </a:rPr>
-              <a:t>		</a:t>
-            </a:r>
-            <a:endParaRPr lang="fr-FR" sz="1200" kern="1200" dirty="0" smtClean="0">
-              <a:solidFill>
-                <a:schemeClr val="tx1"/>
-              </a:solidFill>
-              <a:effectLst/>
-              <a:latin typeface="+mn-lt"/>
-              <a:ea typeface="+mn-ea"/>
-              <a:cs typeface="+mn-cs"/>
-            </a:endParaRPr>
-          </a:p>
-          <a:p>
-            <a:r>
-              <a:rPr lang="fr-FR" sz="1200" kern="1200" dirty="0" smtClean="0">
-                <a:solidFill>
-                  <a:schemeClr val="tx1"/>
-                </a:solidFill>
-                <a:effectLst/>
-                <a:latin typeface="+mn-lt"/>
-                <a:ea typeface="+mn-ea"/>
-                <a:cs typeface="+mn-cs"/>
-              </a:rPr>
-              <a:t>	</a:t>
-            </a:r>
-            <a:endParaRPr lang="fr-FR" dirty="0" smtClean="0"/>
-          </a:p>
-          <a:p>
-            <a:r>
-              <a:rPr lang="fr-FR" dirty="0" smtClean="0"/>
-              <a:t>	</a:t>
-            </a:r>
             <a:endParaRPr lang="fr-FR" dirty="0"/>
           </a:p>
         </p:txBody>
@@ -2889,285 +2565,6 @@
           <a:bodyPr/>
           <a:lstStyle/>
           <a:p>
-            <a:r>
-              <a:rPr lang="fr-FR" dirty="0" smtClean="0"/>
-              <a:t>Romain</a:t>
-            </a:r>
-          </a:p>
-          <a:p>
-            <a:r>
-              <a:rPr lang="fr-FR" dirty="0" smtClean="0"/>
-              <a:t>	On</a:t>
-            </a:r>
-            <a:r>
-              <a:rPr lang="fr-FR" baseline="0" dirty="0" smtClean="0"/>
-              <a:t> a commencé par la méthodologie Cascade</a:t>
-            </a:r>
-          </a:p>
-          <a:p>
-            <a:endParaRPr lang="fr-FR" dirty="0" smtClean="0"/>
-          </a:p>
-          <a:p>
-            <a:r>
-              <a:rPr lang="fr-FR" dirty="0" smtClean="0"/>
-              <a:t>	</a:t>
-            </a:r>
-            <a:r>
-              <a:rPr lang="fr-FR" sz="1200" kern="1200" dirty="0" smtClean="0">
-                <a:solidFill>
-                  <a:schemeClr val="tx1"/>
-                </a:solidFill>
-                <a:effectLst/>
-                <a:latin typeface="+mn-lt"/>
-                <a:ea typeface="+mn-ea"/>
-                <a:cs typeface="+mn-cs"/>
-              </a:rPr>
-              <a:t>Product </a:t>
-            </a:r>
-            <a:r>
-              <a:rPr lang="fr-FR" sz="1200" kern="1200" dirty="0" err="1" smtClean="0">
-                <a:solidFill>
-                  <a:schemeClr val="tx1"/>
-                </a:solidFill>
-                <a:effectLst/>
-                <a:latin typeface="+mn-lt"/>
-                <a:ea typeface="+mn-ea"/>
-                <a:cs typeface="+mn-cs"/>
-              </a:rPr>
-              <a:t>Backlog</a:t>
-            </a:r>
-            <a:r>
-              <a:rPr lang="fr-FR" sz="1200" kern="1200" dirty="0" smtClean="0">
-                <a:solidFill>
-                  <a:schemeClr val="tx1"/>
-                </a:solidFill>
-                <a:effectLst/>
-                <a:latin typeface="+mn-lt"/>
-                <a:ea typeface="+mn-ea"/>
-                <a:cs typeface="+mn-cs"/>
-              </a:rPr>
-              <a:t> : Cahier</a:t>
-            </a:r>
-            <a:r>
-              <a:rPr lang="fr-FR" sz="1200" kern="1200" baseline="0" dirty="0" smtClean="0">
-                <a:solidFill>
-                  <a:schemeClr val="tx1"/>
-                </a:solidFill>
-                <a:effectLst/>
-                <a:latin typeface="+mn-lt"/>
-                <a:ea typeface="+mn-ea"/>
-                <a:cs typeface="+mn-cs"/>
-              </a:rPr>
-              <a:t> des charge et </a:t>
-            </a:r>
-            <a:r>
-              <a:rPr lang="fr-FR" sz="1200" kern="1200" dirty="0" err="1" smtClean="0">
-                <a:solidFill>
-                  <a:schemeClr val="tx1"/>
-                </a:solidFill>
-                <a:effectLst/>
-                <a:latin typeface="+mn-lt"/>
-                <a:ea typeface="+mn-ea"/>
-                <a:cs typeface="+mn-cs"/>
-              </a:rPr>
-              <a:t>Specifications</a:t>
-            </a:r>
-            <a:endParaRPr lang="fr-FR" sz="1200" kern="1200" dirty="0" smtClean="0">
-              <a:solidFill>
-                <a:schemeClr val="tx1"/>
-              </a:solidFill>
-              <a:effectLst/>
-              <a:latin typeface="+mn-lt"/>
-              <a:ea typeface="+mn-ea"/>
-              <a:cs typeface="+mn-cs"/>
-            </a:endParaRPr>
-          </a:p>
-          <a:p>
-            <a:r>
-              <a:rPr lang="fr-FR" sz="1200" kern="1200" dirty="0" smtClean="0">
-                <a:solidFill>
-                  <a:schemeClr val="tx1"/>
-                </a:solidFill>
-                <a:effectLst/>
-                <a:latin typeface="+mn-lt"/>
-                <a:ea typeface="+mn-ea"/>
-                <a:cs typeface="+mn-cs"/>
-              </a:rPr>
-              <a:t>	Sprint </a:t>
-            </a:r>
-            <a:r>
-              <a:rPr lang="fr-FR" sz="1200" kern="1200" dirty="0" err="1" smtClean="0">
-                <a:solidFill>
-                  <a:schemeClr val="tx1"/>
-                </a:solidFill>
-                <a:effectLst/>
-                <a:latin typeface="+mn-lt"/>
-                <a:ea typeface="+mn-ea"/>
-                <a:cs typeface="+mn-cs"/>
-              </a:rPr>
-              <a:t>Backlog</a:t>
-            </a:r>
-            <a:r>
-              <a:rPr lang="fr-FR" sz="1200" kern="1200" baseline="0" dirty="0" smtClean="0">
-                <a:solidFill>
-                  <a:schemeClr val="tx1"/>
-                </a:solidFill>
-                <a:effectLst/>
-                <a:latin typeface="+mn-lt"/>
-                <a:ea typeface="+mn-ea"/>
-                <a:cs typeface="+mn-cs"/>
-              </a:rPr>
-              <a:t> : </a:t>
-            </a:r>
-            <a:r>
-              <a:rPr lang="fr-FR" sz="1200" kern="1200" dirty="0" smtClean="0">
-                <a:solidFill>
-                  <a:schemeClr val="tx1"/>
-                </a:solidFill>
-                <a:effectLst/>
-                <a:latin typeface="+mn-lt"/>
-                <a:ea typeface="+mn-ea"/>
-                <a:cs typeface="+mn-cs"/>
-              </a:rPr>
-              <a:t>tous lundi pendant les heures du projet</a:t>
-            </a:r>
-            <a:r>
-              <a:rPr lang="fr-CH" dirty="0" smtClean="0">
-                <a:effectLst/>
-              </a:rPr>
-              <a:t> </a:t>
-            </a:r>
-          </a:p>
-          <a:p>
-            <a:r>
-              <a:rPr lang="fr-CH" dirty="0" smtClean="0">
-                <a:effectLst/>
-              </a:rPr>
-              <a:t>	</a:t>
-            </a:r>
-          </a:p>
-          <a:p>
-            <a:r>
-              <a:rPr lang="fr-CH" sz="1200" kern="1200" dirty="0" smtClean="0">
-                <a:solidFill>
-                  <a:schemeClr val="tx1"/>
-                </a:solidFill>
-                <a:effectLst/>
-                <a:latin typeface="+mn-lt"/>
-                <a:ea typeface="+mn-ea"/>
-                <a:cs typeface="+mn-cs"/>
-              </a:rPr>
-              <a:t>	Sprint</a:t>
-            </a:r>
-            <a:r>
-              <a:rPr lang="fr-CH" sz="1200" kern="1200" baseline="0" dirty="0" smtClean="0">
-                <a:solidFill>
-                  <a:schemeClr val="tx1"/>
-                </a:solidFill>
-                <a:effectLst/>
-                <a:latin typeface="+mn-lt"/>
-                <a:ea typeface="+mn-ea"/>
-                <a:cs typeface="+mn-cs"/>
-              </a:rPr>
-              <a:t> : Durée de 1 semaine de lundi à lundi</a:t>
-            </a:r>
-          </a:p>
-          <a:p>
-            <a:r>
-              <a:rPr lang="fr-CH" sz="1200" kern="1200" baseline="0" dirty="0" smtClean="0">
-                <a:solidFill>
-                  <a:schemeClr val="tx1"/>
-                </a:solidFill>
-                <a:effectLst/>
-                <a:latin typeface="+mn-lt"/>
-                <a:ea typeface="+mn-ea"/>
-                <a:cs typeface="+mn-cs"/>
-              </a:rPr>
-              <a:t>	Resultat : Iteration avec nouvelles fonctionnalités</a:t>
-            </a:r>
-          </a:p>
-          <a:p>
-            <a:endParaRPr lang="fr-CH" sz="1200" kern="1200" baseline="0" dirty="0" smtClean="0">
-              <a:solidFill>
-                <a:schemeClr val="tx1"/>
-              </a:solidFill>
-              <a:effectLst/>
-              <a:latin typeface="+mn-lt"/>
-              <a:ea typeface="+mn-ea"/>
-              <a:cs typeface="+mn-cs"/>
-            </a:endParaRPr>
-          </a:p>
-          <a:p>
-            <a:r>
-              <a:rPr lang="fr-CH" sz="1200" kern="1200" baseline="0" dirty="0" smtClean="0">
-                <a:solidFill>
-                  <a:schemeClr val="tx1"/>
-                </a:solidFill>
-                <a:effectLst/>
-                <a:latin typeface="+mn-lt"/>
-                <a:ea typeface="+mn-ea"/>
-                <a:cs typeface="+mn-cs"/>
-              </a:rPr>
-              <a:t>	On arrivait bien à suivre le projet car on voyait la progression</a:t>
-            </a:r>
-          </a:p>
-          <a:p>
-            <a:r>
-              <a:rPr lang="fr-CH" sz="1200" kern="1200" baseline="0" dirty="0" smtClean="0">
-                <a:solidFill>
-                  <a:schemeClr val="tx1"/>
-                </a:solidFill>
-                <a:effectLst/>
-                <a:latin typeface="+mn-lt"/>
-                <a:ea typeface="+mn-ea"/>
-                <a:cs typeface="+mn-cs"/>
-              </a:rPr>
-              <a:t>	(avec les problemes et les solutions de chacun)</a:t>
-            </a:r>
-          </a:p>
-          <a:p>
-            <a:r>
-              <a:rPr lang="fr-CH" sz="1200" kern="1200" baseline="0" dirty="0" smtClean="0">
-                <a:solidFill>
-                  <a:schemeClr val="tx1"/>
-                </a:solidFill>
-                <a:effectLst/>
-                <a:latin typeface="+mn-lt"/>
-                <a:ea typeface="+mn-ea"/>
-                <a:cs typeface="+mn-cs"/>
-              </a:rPr>
-              <a:t>		</a:t>
-            </a:r>
-            <a:endParaRPr lang="fr-FR" sz="1200" kern="1200" dirty="0" smtClean="0">
-              <a:solidFill>
-                <a:schemeClr val="tx1"/>
-              </a:solidFill>
-              <a:effectLst/>
-              <a:latin typeface="+mn-lt"/>
-              <a:ea typeface="+mn-ea"/>
-              <a:cs typeface="+mn-cs"/>
-            </a:endParaRPr>
-          </a:p>
-          <a:p>
-            <a:r>
-              <a:rPr lang="fr-FR" sz="1200" kern="1200" dirty="0" smtClean="0">
-                <a:solidFill>
-                  <a:schemeClr val="tx1"/>
-                </a:solidFill>
-                <a:effectLst/>
-                <a:latin typeface="+mn-lt"/>
-                <a:ea typeface="+mn-ea"/>
-                <a:cs typeface="+mn-cs"/>
-              </a:rPr>
-              <a:t>	</a:t>
-            </a:r>
-            <a:endParaRPr lang="fr-FR" dirty="0" smtClean="0"/>
-          </a:p>
-          <a:p>
-            <a:r>
-              <a:rPr lang="fr-FR" dirty="0" smtClean="0"/>
-              <a:t>	</a:t>
-            </a:r>
             <a:endParaRPr lang="fr-FR" dirty="0"/>
           </a:p>
         </p:txBody>
@@ -3252,285 +2649,6 @@
           <a:bodyPr/>
           <a:lstStyle/>
           <a:p>
-            <a:r>
-              <a:rPr lang="fr-FR" dirty="0" smtClean="0"/>
-              <a:t>Romain</a:t>
-            </a:r>
-          </a:p>
-          <a:p>
-            <a:r>
-              <a:rPr lang="fr-FR" dirty="0" smtClean="0"/>
-              <a:t>	On</a:t>
-            </a:r>
-            <a:r>
-              <a:rPr lang="fr-FR" baseline="0" dirty="0" smtClean="0"/>
-              <a:t> a commencé par la méthodologie Cascade</a:t>
-            </a:r>
-          </a:p>
-          <a:p>
-            <a:endParaRPr lang="fr-FR" dirty="0" smtClean="0"/>
-          </a:p>
-          <a:p>
-            <a:r>
-              <a:rPr lang="fr-FR" dirty="0" smtClean="0"/>
-              <a:t>	</a:t>
-            </a:r>
-            <a:r>
-              <a:rPr lang="fr-FR" sz="1200" kern="1200" dirty="0" smtClean="0">
-                <a:solidFill>
-                  <a:schemeClr val="tx1"/>
-                </a:solidFill>
-                <a:effectLst/>
-                <a:latin typeface="+mn-lt"/>
-                <a:ea typeface="+mn-ea"/>
-                <a:cs typeface="+mn-cs"/>
-              </a:rPr>
-              <a:t>Product </a:t>
-            </a:r>
-            <a:r>
-              <a:rPr lang="fr-FR" sz="1200" kern="1200" dirty="0" err="1" smtClean="0">
-                <a:solidFill>
-                  <a:schemeClr val="tx1"/>
-                </a:solidFill>
-                <a:effectLst/>
-                <a:latin typeface="+mn-lt"/>
-                <a:ea typeface="+mn-ea"/>
-                <a:cs typeface="+mn-cs"/>
-              </a:rPr>
-              <a:t>Backlog</a:t>
-            </a:r>
-            <a:r>
-              <a:rPr lang="fr-FR" sz="1200" kern="1200" dirty="0" smtClean="0">
-                <a:solidFill>
-                  <a:schemeClr val="tx1"/>
-                </a:solidFill>
-                <a:effectLst/>
-                <a:latin typeface="+mn-lt"/>
-                <a:ea typeface="+mn-ea"/>
-                <a:cs typeface="+mn-cs"/>
-              </a:rPr>
-              <a:t> : Cahier</a:t>
-            </a:r>
-            <a:r>
-              <a:rPr lang="fr-FR" sz="1200" kern="1200" baseline="0" dirty="0" smtClean="0">
-                <a:solidFill>
-                  <a:schemeClr val="tx1"/>
-                </a:solidFill>
-                <a:effectLst/>
-                <a:latin typeface="+mn-lt"/>
-                <a:ea typeface="+mn-ea"/>
-                <a:cs typeface="+mn-cs"/>
-              </a:rPr>
-              <a:t> des charge et </a:t>
-            </a:r>
-            <a:r>
-              <a:rPr lang="fr-FR" sz="1200" kern="1200" dirty="0" err="1" smtClean="0">
-                <a:solidFill>
-                  <a:schemeClr val="tx1"/>
-                </a:solidFill>
-                <a:effectLst/>
-                <a:latin typeface="+mn-lt"/>
-                <a:ea typeface="+mn-ea"/>
-                <a:cs typeface="+mn-cs"/>
-              </a:rPr>
-              <a:t>Specifications</a:t>
-            </a:r>
-            <a:endParaRPr lang="fr-FR" sz="1200" kern="1200" dirty="0" smtClean="0">
-              <a:solidFill>
-                <a:schemeClr val="tx1"/>
-              </a:solidFill>
-              <a:effectLst/>
-              <a:latin typeface="+mn-lt"/>
-              <a:ea typeface="+mn-ea"/>
-              <a:cs typeface="+mn-cs"/>
-            </a:endParaRPr>
-          </a:p>
-          <a:p>
-            <a:r>
-              <a:rPr lang="fr-FR" sz="1200" kern="1200" dirty="0" smtClean="0">
-                <a:solidFill>
-                  <a:schemeClr val="tx1"/>
-                </a:solidFill>
-                <a:effectLst/>
-                <a:latin typeface="+mn-lt"/>
-                <a:ea typeface="+mn-ea"/>
-                <a:cs typeface="+mn-cs"/>
-              </a:rPr>
-              <a:t>	Sprint </a:t>
-            </a:r>
-            <a:r>
-              <a:rPr lang="fr-FR" sz="1200" kern="1200" dirty="0" err="1" smtClean="0">
-                <a:solidFill>
-                  <a:schemeClr val="tx1"/>
-                </a:solidFill>
-                <a:effectLst/>
-                <a:latin typeface="+mn-lt"/>
-                <a:ea typeface="+mn-ea"/>
-                <a:cs typeface="+mn-cs"/>
-              </a:rPr>
-              <a:t>Backlog</a:t>
-            </a:r>
-            <a:r>
-              <a:rPr lang="fr-FR" sz="1200" kern="1200" baseline="0" dirty="0" smtClean="0">
-                <a:solidFill>
-                  <a:schemeClr val="tx1"/>
-                </a:solidFill>
-                <a:effectLst/>
-                <a:latin typeface="+mn-lt"/>
-                <a:ea typeface="+mn-ea"/>
-                <a:cs typeface="+mn-cs"/>
-              </a:rPr>
-              <a:t> : </a:t>
-            </a:r>
-            <a:r>
-              <a:rPr lang="fr-FR" sz="1200" kern="1200" dirty="0" smtClean="0">
-                <a:solidFill>
-                  <a:schemeClr val="tx1"/>
-                </a:solidFill>
-                <a:effectLst/>
-                <a:latin typeface="+mn-lt"/>
-                <a:ea typeface="+mn-ea"/>
-                <a:cs typeface="+mn-cs"/>
-              </a:rPr>
-              <a:t>tous lundi pendant les heures du projet</a:t>
-            </a:r>
-            <a:r>
-              <a:rPr lang="fr-CH" dirty="0" smtClean="0">
-                <a:effectLst/>
-              </a:rPr>
-              <a:t> </a:t>
-            </a:r>
-          </a:p>
-          <a:p>
-            <a:r>
-              <a:rPr lang="fr-CH" dirty="0" smtClean="0">
-                <a:effectLst/>
-              </a:rPr>
-              <a:t>	</a:t>
-            </a:r>
-          </a:p>
-          <a:p>
-            <a:r>
-              <a:rPr lang="fr-CH" sz="1200" kern="1200" dirty="0" smtClean="0">
-                <a:solidFill>
-                  <a:schemeClr val="tx1"/>
-                </a:solidFill>
-                <a:effectLst/>
-                <a:latin typeface="+mn-lt"/>
-                <a:ea typeface="+mn-ea"/>
-                <a:cs typeface="+mn-cs"/>
-              </a:rPr>
-              <a:t>	Sprint</a:t>
-            </a:r>
-            <a:r>
-              <a:rPr lang="fr-CH" sz="1200" kern="1200" baseline="0" dirty="0" smtClean="0">
-                <a:solidFill>
-                  <a:schemeClr val="tx1"/>
-                </a:solidFill>
-                <a:effectLst/>
-                <a:latin typeface="+mn-lt"/>
-                <a:ea typeface="+mn-ea"/>
-                <a:cs typeface="+mn-cs"/>
-              </a:rPr>
-              <a:t> : Durée de 1 semaine de lundi à lundi</a:t>
-            </a:r>
-          </a:p>
-          <a:p>
-            <a:r>
-              <a:rPr lang="fr-CH" sz="1200" kern="1200" baseline="0" dirty="0" smtClean="0">
-                <a:solidFill>
-                  <a:schemeClr val="tx1"/>
-                </a:solidFill>
-                <a:effectLst/>
-                <a:latin typeface="+mn-lt"/>
-                <a:ea typeface="+mn-ea"/>
-                <a:cs typeface="+mn-cs"/>
-              </a:rPr>
-              <a:t>	Resultat : Iteration avec nouvelles fonctionnalités</a:t>
-            </a:r>
-          </a:p>
-          <a:p>
-            <a:endParaRPr lang="fr-CH" sz="1200" kern="1200" baseline="0" dirty="0" smtClean="0">
-              <a:solidFill>
-                <a:schemeClr val="tx1"/>
-              </a:solidFill>
-              <a:effectLst/>
-              <a:latin typeface="+mn-lt"/>
-              <a:ea typeface="+mn-ea"/>
-              <a:cs typeface="+mn-cs"/>
-            </a:endParaRPr>
-          </a:p>
-          <a:p>
-            <a:r>
-              <a:rPr lang="fr-CH" sz="1200" kern="1200" baseline="0" dirty="0" smtClean="0">
-                <a:solidFill>
-                  <a:schemeClr val="tx1"/>
-                </a:solidFill>
-                <a:effectLst/>
-                <a:latin typeface="+mn-lt"/>
-                <a:ea typeface="+mn-ea"/>
-                <a:cs typeface="+mn-cs"/>
-              </a:rPr>
-              <a:t>	On arrivait bien à suivre le projet car on voyait la progression</a:t>
-            </a:r>
-          </a:p>
-          <a:p>
-            <a:r>
-              <a:rPr lang="fr-CH" sz="1200" kern="1200" baseline="0" dirty="0" smtClean="0">
-                <a:solidFill>
-                  <a:schemeClr val="tx1"/>
-                </a:solidFill>
-                <a:effectLst/>
-                <a:latin typeface="+mn-lt"/>
-                <a:ea typeface="+mn-ea"/>
-                <a:cs typeface="+mn-cs"/>
-              </a:rPr>
-              <a:t>	(avec les problemes et les solutions de chacun)</a:t>
-            </a:r>
-          </a:p>
-          <a:p>
-            <a:r>
-              <a:rPr lang="fr-CH" sz="1200" kern="1200" baseline="0" dirty="0" smtClean="0">
-                <a:solidFill>
-                  <a:schemeClr val="tx1"/>
-                </a:solidFill>
-                <a:effectLst/>
-                <a:latin typeface="+mn-lt"/>
-                <a:ea typeface="+mn-ea"/>
-                <a:cs typeface="+mn-cs"/>
-              </a:rPr>
-              <a:t>		</a:t>
-            </a:r>
-            <a:endParaRPr lang="fr-FR" sz="1200" kern="1200" dirty="0" smtClean="0">
-              <a:solidFill>
-                <a:schemeClr val="tx1"/>
-              </a:solidFill>
-              <a:effectLst/>
-              <a:latin typeface="+mn-lt"/>
-              <a:ea typeface="+mn-ea"/>
-              <a:cs typeface="+mn-cs"/>
-            </a:endParaRPr>
-          </a:p>
-          <a:p>
-            <a:r>
-              <a:rPr lang="fr-FR" sz="1200" kern="1200" dirty="0" smtClean="0">
-                <a:solidFill>
-                  <a:schemeClr val="tx1"/>
-                </a:solidFill>
-                <a:effectLst/>
-                <a:latin typeface="+mn-lt"/>
-                <a:ea typeface="+mn-ea"/>
-                <a:cs typeface="+mn-cs"/>
-              </a:rPr>
-              <a:t>	</a:t>
-            </a:r>
-            <a:endParaRPr lang="fr-FR" dirty="0" smtClean="0"/>
-          </a:p>
-          <a:p>
-            <a:r>
-              <a:rPr lang="fr-FR" dirty="0" smtClean="0"/>
-              <a:t>	</a:t>
-            </a:r>
             <a:endParaRPr lang="fr-FR" dirty="0"/>
           </a:p>
         </p:txBody>
@@ -3763,7 +2881,7 @@
           <a:p>
             <a:fld id="{8999B29F-751F-5744-80E1-600E8AC85EFD}" type="datetime1">
               <a:rPr lang="fr-CH" smtClean="0"/>
-              <a:t>03.09.15</a:t>
+              <a:t>03.09.2015</a:t>
             </a:fld>
             <a:endParaRPr lang="en-US"/>
           </a:p>
@@ -3787,7 +2905,7 @@
             <a:fld id="{687D7A59-36E2-48B9-B146-C1E59501F63F}" type="slidenum">
               <a:rPr lang="en-US" smtClean="0"/>
               <a:pPr/>
-              <a:t>‹#›</a:t>
+              <a:t>‹N°›</a:t>
             </a:fld>
             <a:endParaRPr lang="en-US"/>
           </a:p>
@@ -3932,7 +3050,7 @@
           <a:p>
             <a:fld id="{AA19D44E-0FE8-C446-8611-5CEE6CB3864C}" type="datetime1">
               <a:rPr lang="fr-CH" smtClean="0"/>
-              <a:t>03.09.15</a:t>
+              <a:t>03.09.2015</a:t>
             </a:fld>
             <a:endParaRPr lang="en-US"/>
           </a:p>
@@ -3975,7 +3093,7 @@
             <a:fld id="{687D7A59-36E2-48B9-B146-C1E59501F63F}" type="slidenum">
               <a:rPr lang="en-US" smtClean="0"/>
               <a:pPr/>
-              <a:t>‹#›</a:t>
+              <a:t>‹N°›</a:t>
             </a:fld>
             <a:endParaRPr lang="en-US"/>
           </a:p>
@@ -4111,7 +3229,7 @@
           <a:p>
             <a:fld id="{80BEAAA7-9C62-C645-9E7C-EAA05320C320}" type="datetime1">
               <a:rPr lang="fr-CH" smtClean="0"/>
-              <a:t>03.09.15</a:t>
+              <a:t>03.09.2015</a:t>
             </a:fld>
             <a:endParaRPr lang="en-US"/>
           </a:p>
@@ -4154,7 +3272,7 @@
             <a:fld id="{687D7A59-36E2-48B9-B146-C1E59501F63F}" type="slidenum">
               <a:rPr lang="en-US" smtClean="0"/>
               <a:pPr/>
-              <a:t>‹#›</a:t>
+              <a:t>‹N°›</a:t>
             </a:fld>
             <a:endParaRPr lang="en-US"/>
           </a:p>
@@ -4298,7 +3416,7 @@
           <a:p>
             <a:fld id="{08EFB404-E2A9-5F44-BFF3-54F39A88F3D4}" type="datetime1">
               <a:rPr lang="fr-CH" smtClean="0"/>
-              <a:t>03.09.15</a:t>
+              <a:t>03.09.2015</a:t>
             </a:fld>
             <a:endParaRPr lang="en-US"/>
           </a:p>
@@ -4341,7 +3459,7 @@
             <a:fld id="{687D7A59-36E2-48B9-B146-C1E59501F63F}" type="slidenum">
               <a:rPr lang="en-US" smtClean="0"/>
               <a:pPr/>
-              <a:t>‹#›</a:t>
+              <a:t>‹N°›</a:t>
             </a:fld>
             <a:endParaRPr lang="en-US"/>
           </a:p>
@@ -4564,7 +3682,7 @@
           <a:p>
             <a:fld id="{AF1D1857-115B-B442-B1E5-180228E51561}" type="datetime1">
               <a:rPr lang="fr-CH" smtClean="0"/>
-              <a:t>03.09.15</a:t>
+              <a:t>03.09.2015</a:t>
             </a:fld>
             <a:endParaRPr lang="en-US"/>
           </a:p>
@@ -4607,7 +3725,7 @@
             <a:fld id="{687D7A59-36E2-48B9-B146-C1E59501F63F}" type="slidenum">
               <a:rPr lang="en-US" smtClean="0"/>
               <a:pPr/>
-              <a:t>‹#›</a:t>
+              <a:t>‹N°›</a:t>
             </a:fld>
             <a:endParaRPr lang="en-US"/>
           </a:p>
@@ -4916,7 +4034,7 @@
           <a:p>
             <a:fld id="{412BE0F2-A6D5-5740-9873-A96C8BB8BA9B}" type="datetime1">
               <a:rPr lang="fr-CH" smtClean="0"/>
-              <a:t>03.09.15</a:t>
+              <a:t>03.09.2015</a:t>
             </a:fld>
             <a:endParaRPr lang="en-US"/>
           </a:p>
@@ -4959,7 +4077,7 @@
             <a:fld id="{687D7A59-36E2-48B9-B146-C1E59501F63F}" type="slidenum">
               <a:rPr lang="en-US" smtClean="0"/>
               <a:pPr/>
-              <a:t>‹#›</a:t>
+              <a:t>‹N°›</a:t>
             </a:fld>
             <a:endParaRPr lang="en-US"/>
           </a:p>
@@ -5228,7 +4346,7 @@
           <a:p>
             <a:fld id="{8213B743-169F-5645-AB8C-8899780DDA5A}" type="datetime1">
               <a:rPr lang="fr-CH" smtClean="0"/>
-              <a:t>03.09.15</a:t>
+              <a:t>03.09.2015</a:t>
             </a:fld>
             <a:endParaRPr lang="en-US"/>
           </a:p>
@@ -5271,7 +4389,7 @@
             <a:fld id="{687D7A59-36E2-48B9-B146-C1E59501F63F}" type="slidenum">
               <a:rPr lang="en-US" smtClean="0"/>
               <a:pPr/>
-              <a:t>‹#›</a:t>
+              <a:t>‹N°›</a:t>
             </a:fld>
             <a:endParaRPr lang="en-US"/>
           </a:p>
@@ -5459,7 +4577,7 @@
           <a:p>
             <a:fld id="{E56CAA3E-DE66-BE4C-86BB-836CC203C1C4}" type="datetime1">
               <a:rPr lang="fr-CH" smtClean="0"/>
-              <a:t>03.09.15</a:t>
+              <a:t>03.09.2015</a:t>
             </a:fld>
             <a:endParaRPr lang="en-US"/>
           </a:p>
@@ -5502,7 +4620,7 @@
             <a:fld id="{687D7A59-36E2-48B9-B146-C1E59501F63F}" type="slidenum">
               <a:rPr lang="en-US" smtClean="0"/>
               <a:pPr/>
-              <a:t>‹#›</a:t>
+              <a:t>‹N°›</a:t>
             </a:fld>
             <a:endParaRPr lang="en-US"/>
           </a:p>
@@ -5553,7 +4671,7 @@
           <a:p>
             <a:fld id="{F9C2E405-4970-F748-8838-75D6937AFE4A}" type="datetime1">
               <a:rPr lang="fr-CH" smtClean="0"/>
-              <a:t>03.09.15</a:t>
+              <a:t>03.09.2015</a:t>
             </a:fld>
             <a:endParaRPr lang="en-US"/>
           </a:p>
@@ -5596,7 +4714,7 @@
             <a:fld id="{687D7A59-36E2-48B9-B146-C1E59501F63F}" type="slidenum">
               <a:rPr lang="en-US" smtClean="0"/>
               <a:pPr/>
-              <a:t>‹#›</a:t>
+              <a:t>‹N°›</a:t>
             </a:fld>
             <a:endParaRPr lang="en-US"/>
           </a:p>
@@ -5845,7 +4963,7 @@
           <a:p>
             <a:fld id="{C796D4D8-C33D-D547-8ECD-671A356435E7}" type="datetime1">
               <a:rPr lang="fr-CH" smtClean="0"/>
-              <a:t>03.09.15</a:t>
+              <a:t>03.09.2015</a:t>
             </a:fld>
             <a:endParaRPr lang="en-US"/>
           </a:p>
@@ -5888,7 +5006,7 @@
             <a:fld id="{687D7A59-36E2-48B9-B146-C1E59501F63F}" type="slidenum">
               <a:rPr lang="en-US" smtClean="0"/>
               <a:pPr/>
-              <a:t>‹#›</a:t>
+              <a:t>‹N°›</a:t>
             </a:fld>
             <a:endParaRPr lang="en-US"/>
           </a:p>
@@ -6118,7 +5236,7 @@
           <a:p>
             <a:fld id="{D81A6492-30A7-F940-B414-588B0E51CD1D}" type="datetime1">
               <a:rPr lang="fr-CH" smtClean="0"/>
-              <a:t>03.09.15</a:t>
+              <a:t>03.09.2015</a:t>
             </a:fld>
             <a:endParaRPr lang="en-US"/>
           </a:p>
@@ -6161,7 +5279,7 @@
             <a:fld id="{687D7A59-36E2-48B9-B146-C1E59501F63F}" type="slidenum">
               <a:rPr lang="en-US" smtClean="0"/>
               <a:pPr/>
-              <a:t>‹#›</a:t>
+              <a:t>‹N°›</a:t>
             </a:fld>
             <a:endParaRPr lang="en-US"/>
           </a:p>
@@ -6344,7 +5462,7 @@
           <a:p>
             <a:fld id="{6CF81F46-A522-9B4E-90AB-C50863641B6B}" type="datetime1">
               <a:rPr lang="fr-CH" smtClean="0"/>
-              <a:t>03.09.15</a:t>
+              <a:t>03.09.2015</a:t>
             </a:fld>
             <a:endParaRPr lang="en-US"/>
           </a:p>
@@ -6427,7 +5545,7 @@
             <a:fld id="{687D7A59-36E2-48B9-B146-C1E59501F63F}" type="slidenum">
               <a:rPr lang="en-US" smtClean="0"/>
               <a:pPr/>
-              <a:t>‹#›</a:t>
+              <a:t>‹N°›</a:t>
             </a:fld>
             <a:endParaRPr lang="en-US"/>
           </a:p>
@@ -7048,6 +6166,3009 @@
           <a:chExt cx="0" cy="0"/>
         </a:xfrm>
       </p:grpSpPr>
+      <p:sp>
+        <p:nvSpPr>
+          <p:cNvPr id="2" name="Titre 1"/>
+          <p:cNvSpPr>
+            <a:spLocks noGrp="1"/>
+          </p:cNvSpPr>
+          <p:nvPr>
+            <p:ph type="title"/>
+          </p:nvPr>
+        </p:nvSpPr>
+        <p:spPr/>
+        <p:txBody>
+          <a:bodyPr/>
+          <a:lstStyle/>
+          <a:p>
+            <a:r>
+              <a:rPr lang="fr-FR" sz="2400" b="1" dirty="0" smtClean="0">
+                <a:solidFill>
+                  <a:schemeClr val="tx2">
+                    <a:lumMod val="60000"/>
+                    <a:lumOff val="40000"/>
+                  </a:schemeClr>
+                </a:solidFill>
+                <a:effectLst/>
+              </a:rPr>
+              <a:t>Assainissement</a:t>
+            </a:r>
+            <a:br>
+              <a:rPr lang="fr-FR" sz="2400" b="1" dirty="0" smtClean="0">
+                <a:solidFill>
+                  <a:schemeClr val="tx2">
+                    <a:lumMod val="60000"/>
+                    <a:lumOff val="40000"/>
+                  </a:schemeClr>
+                </a:solidFill>
+                <a:effectLst/>
+              </a:rPr>
+            </a:br>
+            <a:r>
+              <a:rPr lang="fr-FR" b="1" dirty="0" smtClean="0">
+                <a:solidFill>
+                  <a:schemeClr val="tx2">
+                    <a:lumMod val="60000"/>
+                    <a:lumOff val="40000"/>
+                  </a:schemeClr>
+                </a:solidFill>
+                <a:effectLst/>
+              </a:rPr>
+              <a:t>Génération des niveaux</a:t>
+            </a:r>
+            <a:endParaRPr lang="fr-FR" b="1" dirty="0">
+              <a:solidFill>
+                <a:schemeClr val="tx2">
+                  <a:lumMod val="60000"/>
+                  <a:lumOff val="40000"/>
+                </a:schemeClr>
+              </a:solidFill>
+              <a:effectLst/>
+            </a:endParaRPr>
+          </a:p>
+        </p:txBody>
+      </p:sp>
+      <p:sp>
+        <p:nvSpPr>
+          <p:cNvPr id="3" name="Espace réservé du contenu 2"/>
+          <p:cNvSpPr>
+            <a:spLocks noGrp="1"/>
+          </p:cNvSpPr>
+          <p:nvPr>
+            <p:ph idx="1"/>
+          </p:nvPr>
+        </p:nvSpPr>
+        <p:spPr/>
+        <p:txBody>
+          <a:bodyPr/>
+          <a:lstStyle/>
+          <a:p>
+            <a:r>
+              <a:rPr lang="fr-FR" b="1" dirty="0" smtClean="0"/>
+              <a:t>XML</a:t>
+            </a:r>
+            <a:endParaRPr lang="fr-FR" dirty="0" smtClean="0"/>
+          </a:p>
+          <a:p>
+            <a:pPr marL="457200" lvl="1" indent="0">
+              <a:buNone/>
+            </a:pPr>
+            <a:r>
+              <a:rPr lang="fr-FR" sz="2000" dirty="0" err="1" smtClean="0"/>
+              <a:t>Tiled</a:t>
+            </a:r>
+            <a:r>
+              <a:rPr lang="fr-FR" sz="2000" dirty="0" smtClean="0"/>
+              <a:t> : Création de la </a:t>
+            </a:r>
+            <a:r>
+              <a:rPr lang="fr-FR" sz="2000" dirty="0" err="1" smtClean="0"/>
+              <a:t>map</a:t>
+            </a:r>
+            <a:r>
+              <a:rPr lang="fr-FR" sz="2000" dirty="0" smtClean="0"/>
+              <a:t>  </a:t>
+            </a:r>
+            <a:r>
+              <a:rPr lang="fr-FR" sz="2000" dirty="0" smtClean="0">
+                <a:sym typeface="Wingdings" panose="05000000000000000000" pitchFamily="2" charset="2"/>
+              </a:rPr>
+              <a:t> TXT</a:t>
+            </a:r>
+            <a:endParaRPr lang="fr-FR" sz="2000" dirty="0">
+              <a:sym typeface="Wingdings" panose="05000000000000000000" pitchFamily="2" charset="2"/>
+            </a:endParaRPr>
+          </a:p>
+          <a:p>
+            <a:pPr marL="457200" lvl="1" indent="0">
+              <a:buNone/>
+            </a:pPr>
+            <a:r>
+              <a:rPr lang="fr-FR" sz="2000" dirty="0" smtClean="0"/>
+              <a:t>Convertisseur avec GUI: Conversion TXT </a:t>
+            </a:r>
+            <a:r>
+              <a:rPr lang="fr-FR" sz="2000" dirty="0" smtClean="0">
+                <a:sym typeface="Wingdings" panose="05000000000000000000" pitchFamily="2" charset="2"/>
+              </a:rPr>
+              <a:t> XML</a:t>
+            </a:r>
+          </a:p>
+          <a:p>
+            <a:pPr marL="457200" lvl="1" indent="0">
+              <a:buNone/>
+            </a:pPr>
+            <a:r>
+              <a:rPr lang="fr-FR" sz="2000" dirty="0" smtClean="0">
+                <a:sym typeface="Wingdings" panose="05000000000000000000" pitchFamily="2" charset="2"/>
+              </a:rPr>
+              <a:t>Jeux : lecture XML</a:t>
+            </a:r>
+            <a:endParaRPr lang="fr-FR" sz="2000" dirty="0" smtClean="0"/>
+          </a:p>
+          <a:p>
+            <a:pPr marL="457200" lvl="1" indent="0">
+              <a:buNone/>
+            </a:pPr>
+            <a:endParaRPr lang="fr-FR" sz="2000" dirty="0"/>
+          </a:p>
+          <a:p>
+            <a:pPr marL="457200" lvl="1" indent="0">
+              <a:buNone/>
+            </a:pPr>
+            <a:r>
+              <a:rPr lang="fr-FR" sz="2000" dirty="0" smtClean="0"/>
+              <a:t>Amélioration de la rapidité du chargement</a:t>
+            </a:r>
+            <a:endParaRPr lang="fr-FR" dirty="0" smtClean="0"/>
+          </a:p>
+        </p:txBody>
+      </p:sp>
+      <p:pic>
+        <p:nvPicPr>
+          <p:cNvPr id="4" name="Image 3" descr="footer.png"/>
+          <p:cNvPicPr>
+            <a:picLocks noChangeAspect="1"/>
+          </p:cNvPicPr>
+          <p:nvPr/>
+        </p:nvPicPr>
+        <p:blipFill rotWithShape="1">
+          <a:blip r:embed="rId3">
+            <a:extLst>
+              <a:ext uri="{28A0092B-C50C-407E-A947-70E740481C1C}">
+                <a14:useLocalDpi xmlns:a14="http://schemas.microsoft.com/office/drawing/2010/main" val="0"/>
+              </a:ext>
+            </a:extLst>
+          </a:blip>
+          <a:srcRect l="15122" r="18156"/>
+          <a:stretch/>
+        </p:blipFill>
+        <p:spPr>
+          <a:xfrm>
+            <a:off x="-460839" y="6122730"/>
+            <a:ext cx="10188461" cy="763492"/>
+          </a:xfrm>
+          <a:prstGeom prst="rect">
+            <a:avLst/>
+          </a:prstGeom>
+        </p:spPr>
+      </p:pic>
+      <p:sp>
+        <p:nvSpPr>
+          <p:cNvPr id="5" name="Espace réservé du numéro de diapositive 4"/>
+          <p:cNvSpPr>
+            <a:spLocks noGrp="1"/>
+          </p:cNvSpPr>
+          <p:nvPr>
+            <p:ph type="sldNum" sz="quarter" idx="12"/>
+          </p:nvPr>
+        </p:nvSpPr>
+        <p:spPr/>
+        <p:txBody>
+          <a:bodyPr/>
+          <a:lstStyle/>
+          <a:p>
+            <a:fld id="{687D7A59-36E2-48B9-B146-C1E59501F63F}" type="slidenum">
+              <a:rPr lang="en-US" b="1" smtClean="0">
+                <a:solidFill>
+                  <a:srgbClr val="FFFFFF"/>
+                </a:solidFill>
+              </a:rPr>
+              <a:pPr/>
+              <a:t>9</a:t>
+            </a:fld>
+            <a:endParaRPr lang="en-US" b="1" dirty="0">
+              <a:solidFill>
+                <a:srgbClr val="FFFFFF"/>
+              </a:solidFill>
+            </a:endParaRPr>
+          </a:p>
+        </p:txBody>
+      </p:sp>
+    </p:spTree>
+    <p:extLst>
+      <p:ext uri="{BB962C8B-B14F-4D97-AF65-F5344CB8AC3E}">
+        <p14:creationId xmlns:p14="http://schemas.microsoft.com/office/powerpoint/2010/main" val="305197314"/>
+      </p:ext>
+    </p:extLst>
+  </p:cSld>
+  <p:clrMapOvr>
+    <a:masterClrMapping/>
+  </p:clrMapOvr>
+  <p:transition spd="slow">
+    <p:push/>
+  </p:transition>
+  <p:timing>
+    <p:tnLst>
+      <p:par>
+        <p:cTn id="1" dur="indefinite" restart="never" nodeType="tmRoot"/>
+      </p:par>
+    </p:tnLst>
+  </p:timing>
+</p:sld>
+</file>
+
+<file path=ppt/slides/slide11.xml><?xml version="1.0" encoding="utf-8"?>
+<p:sld xmlns:a="http://schemas.openxmlformats.org/drawingml/2006/main" xmlns:r="http://schemas.openxmlformats.org/officeDocument/2006/relationships" xmlns:p="http://schemas.openxmlformats.org/presentationml/2006/main">
+  <p:cSld>
+    <p:spTree>
+      <p:nvGrpSpPr>
+        <p:cNvPr id="1" name=""/>
+        <p:cNvGrpSpPr/>
+        <p:nvPr/>
+      </p:nvGrpSpPr>
+      <p:grpSpPr>
+        <a:xfrm>
+          <a:off x="0" y="0"/>
+          <a:ext cx="0" cy="0"/>
+          <a:chOff x="0" y="0"/>
+          <a:chExt cx="0" cy="0"/>
+        </a:xfrm>
+      </p:grpSpPr>
+      <p:sp>
+        <p:nvSpPr>
+          <p:cNvPr id="2" name="Titre 1"/>
+          <p:cNvSpPr>
+            <a:spLocks noGrp="1"/>
+          </p:cNvSpPr>
+          <p:nvPr>
+            <p:ph type="title"/>
+          </p:nvPr>
+        </p:nvSpPr>
+        <p:spPr/>
+        <p:txBody>
+          <a:bodyPr/>
+          <a:lstStyle/>
+          <a:p>
+            <a:r>
+              <a:rPr lang="fr-FR" sz="2400" b="1" dirty="0" smtClean="0">
+                <a:solidFill>
+                  <a:schemeClr val="tx2">
+                    <a:lumMod val="60000"/>
+                    <a:lumOff val="40000"/>
+                  </a:schemeClr>
+                </a:solidFill>
+                <a:effectLst/>
+              </a:rPr>
+              <a:t>Assainissement</a:t>
+            </a:r>
+            <a:br>
+              <a:rPr lang="fr-FR" sz="2400" b="1" dirty="0" smtClean="0">
+                <a:solidFill>
+                  <a:schemeClr val="tx2">
+                    <a:lumMod val="60000"/>
+                    <a:lumOff val="40000"/>
+                  </a:schemeClr>
+                </a:solidFill>
+                <a:effectLst/>
+              </a:rPr>
+            </a:br>
+            <a:r>
+              <a:rPr lang="fr-FR" b="1" dirty="0" smtClean="0">
+                <a:solidFill>
+                  <a:schemeClr val="tx2">
+                    <a:lumMod val="60000"/>
+                    <a:lumOff val="40000"/>
+                  </a:schemeClr>
+                </a:solidFill>
+                <a:effectLst/>
+              </a:rPr>
+              <a:t>Optimisations</a:t>
+            </a:r>
+            <a:endParaRPr lang="fr-FR" b="1" dirty="0">
+              <a:solidFill>
+                <a:schemeClr val="tx2">
+                  <a:lumMod val="60000"/>
+                  <a:lumOff val="40000"/>
+                </a:schemeClr>
+              </a:solidFill>
+              <a:effectLst/>
+            </a:endParaRPr>
+          </a:p>
+        </p:txBody>
+      </p:sp>
+      <p:sp>
+        <p:nvSpPr>
+          <p:cNvPr id="3" name="Espace réservé du contenu 2"/>
+          <p:cNvSpPr>
+            <a:spLocks noGrp="1"/>
+          </p:cNvSpPr>
+          <p:nvPr>
+            <p:ph idx="1"/>
+          </p:nvPr>
+        </p:nvSpPr>
+        <p:spPr/>
+        <p:txBody>
+          <a:bodyPr/>
+          <a:lstStyle/>
+          <a:p>
+            <a:r>
+              <a:rPr lang="fr-FR" b="1" dirty="0" smtClean="0"/>
+              <a:t>Structures</a:t>
+            </a:r>
+            <a:endParaRPr lang="fr-FR" dirty="0" smtClean="0"/>
+          </a:p>
+          <a:p>
+            <a:pPr marL="457200" lvl="1" indent="0">
+              <a:buNone/>
+            </a:pPr>
+            <a:r>
+              <a:rPr lang="fr-FR" sz="2000" dirty="0" smtClean="0"/>
+              <a:t>XML</a:t>
+            </a:r>
+          </a:p>
+          <a:p>
+            <a:pPr marL="457200" lvl="1" indent="0">
+              <a:buNone/>
+            </a:pPr>
+            <a:endParaRPr lang="fr-FR" sz="2000" dirty="0"/>
+          </a:p>
+          <a:p>
+            <a:r>
+              <a:rPr lang="fr-FR" b="1" dirty="0" err="1" smtClean="0"/>
+              <a:t>dOxygen</a:t>
+            </a:r>
+            <a:endParaRPr lang="fr-FR" dirty="0"/>
+          </a:p>
+          <a:p>
+            <a:pPr marL="457200" lvl="1" indent="0">
+              <a:buNone/>
+            </a:pPr>
+            <a:r>
+              <a:rPr lang="fr-FR" sz="2000" dirty="0" smtClean="0"/>
+              <a:t>Documentation pour les développeurs</a:t>
+            </a:r>
+            <a:endParaRPr lang="fr-FR" dirty="0"/>
+          </a:p>
+          <a:p>
+            <a:pPr marL="457200" lvl="1" indent="0">
+              <a:buNone/>
+            </a:pPr>
+            <a:endParaRPr lang="fr-FR" dirty="0" smtClean="0"/>
+          </a:p>
+        </p:txBody>
+      </p:sp>
+      <p:pic>
+        <p:nvPicPr>
+          <p:cNvPr id="4" name="Image 3" descr="footer.png"/>
+          <p:cNvPicPr>
+            <a:picLocks noChangeAspect="1"/>
+          </p:cNvPicPr>
+          <p:nvPr/>
+        </p:nvPicPr>
+        <p:blipFill rotWithShape="1">
+          <a:blip r:embed="rId3">
+            <a:extLst>
+              <a:ext uri="{28A0092B-C50C-407E-A947-70E740481C1C}">
+                <a14:useLocalDpi xmlns:a14="http://schemas.microsoft.com/office/drawing/2010/main" val="0"/>
+              </a:ext>
+            </a:extLst>
+          </a:blip>
+          <a:srcRect l="15122" r="18156"/>
+          <a:stretch/>
+        </p:blipFill>
+        <p:spPr>
+          <a:xfrm>
+            <a:off x="-460839" y="6122730"/>
+            <a:ext cx="10188461" cy="763492"/>
+          </a:xfrm>
+          <a:prstGeom prst="rect">
+            <a:avLst/>
+          </a:prstGeom>
+        </p:spPr>
+      </p:pic>
+      <p:sp>
+        <p:nvSpPr>
+          <p:cNvPr id="5" name="Espace réservé du numéro de diapositive 4"/>
+          <p:cNvSpPr>
+            <a:spLocks noGrp="1"/>
+          </p:cNvSpPr>
+          <p:nvPr>
+            <p:ph type="sldNum" sz="quarter" idx="12"/>
+          </p:nvPr>
+        </p:nvSpPr>
+        <p:spPr/>
+        <p:txBody>
+          <a:bodyPr/>
+          <a:lstStyle/>
+          <a:p>
+            <a:fld id="{687D7A59-36E2-48B9-B146-C1E59501F63F}" type="slidenum">
+              <a:rPr lang="en-US" b="1" smtClean="0">
+                <a:solidFill>
+                  <a:srgbClr val="FFFFFF"/>
+                </a:solidFill>
+              </a:rPr>
+              <a:pPr/>
+              <a:t>10</a:t>
+            </a:fld>
+            <a:endParaRPr lang="en-US" b="1" dirty="0">
+              <a:solidFill>
+                <a:srgbClr val="FFFFFF"/>
+              </a:solidFill>
+            </a:endParaRPr>
+          </a:p>
+        </p:txBody>
+      </p:sp>
+    </p:spTree>
+    <p:extLst>
+      <p:ext uri="{BB962C8B-B14F-4D97-AF65-F5344CB8AC3E}">
+        <p14:creationId xmlns:p14="http://schemas.microsoft.com/office/powerpoint/2010/main" val="985453920"/>
+      </p:ext>
+    </p:extLst>
+  </p:cSld>
+  <p:clrMapOvr>
+    <a:masterClrMapping/>
+  </p:clrMapOvr>
+  <p:transition spd="slow">
+    <p:push/>
+  </p:transition>
+  <p:timing>
+    <p:tnLst>
+      <p:par>
+        <p:cTn id="1" dur="indefinite" restart="never" nodeType="tmRoot"/>
+      </p:par>
+    </p:tnLst>
+  </p:timing>
+</p:sld>
+</file>
+
+<file path=ppt/slides/slide12.xml><?xml version="1.0" encoding="utf-8"?>
+<p:sld xmlns:a="http://schemas.openxmlformats.org/drawingml/2006/main" xmlns:r="http://schemas.openxmlformats.org/officeDocument/2006/relationships" xmlns:p="http://schemas.openxmlformats.org/presentationml/2006/main">
+  <p:cSld>
+    <p:spTree>
+      <p:nvGrpSpPr>
+        <p:cNvPr id="1" name=""/>
+        <p:cNvGrpSpPr/>
+        <p:nvPr/>
+      </p:nvGrpSpPr>
+      <p:grpSpPr>
+        <a:xfrm>
+          <a:off x="0" y="0"/>
+          <a:ext cx="0" cy="0"/>
+          <a:chOff x="0" y="0"/>
+          <a:chExt cx="0" cy="0"/>
+        </a:xfrm>
+      </p:grpSpPr>
+      <p:sp>
+        <p:nvSpPr>
+          <p:cNvPr id="2" name="Titre 1"/>
+          <p:cNvSpPr>
+            <a:spLocks noGrp="1"/>
+          </p:cNvSpPr>
+          <p:nvPr>
+            <p:ph type="title"/>
+          </p:nvPr>
+        </p:nvSpPr>
+        <p:spPr/>
+        <p:txBody>
+          <a:bodyPr/>
+          <a:lstStyle/>
+          <a:p>
+            <a:r>
+              <a:rPr lang="fr-FR" sz="2400" b="1" dirty="0" smtClean="0">
+                <a:solidFill>
+                  <a:schemeClr val="tx2">
+                    <a:lumMod val="60000"/>
+                    <a:lumOff val="40000"/>
+                  </a:schemeClr>
+                </a:solidFill>
+                <a:effectLst/>
+              </a:rPr>
+              <a:t>Aujourd’hui</a:t>
+            </a:r>
+            <a:r>
+              <a:rPr lang="fr-FR" b="1" dirty="0" smtClean="0">
+                <a:solidFill>
+                  <a:schemeClr val="tx2">
+                    <a:lumMod val="60000"/>
+                    <a:lumOff val="40000"/>
+                  </a:schemeClr>
+                </a:solidFill>
+                <a:effectLst/>
+              </a:rPr>
+              <a:t/>
+            </a:r>
+            <a:br>
+              <a:rPr lang="fr-FR" b="1" dirty="0" smtClean="0">
+                <a:solidFill>
+                  <a:schemeClr val="tx2">
+                    <a:lumMod val="60000"/>
+                    <a:lumOff val="40000"/>
+                  </a:schemeClr>
+                </a:solidFill>
+                <a:effectLst/>
+              </a:rPr>
+            </a:br>
+            <a:r>
+              <a:rPr lang="fr-FR" b="1" dirty="0" smtClean="0">
+                <a:solidFill>
+                  <a:schemeClr val="tx2">
+                    <a:lumMod val="60000"/>
+                    <a:lumOff val="40000"/>
+                  </a:schemeClr>
+                </a:solidFill>
+                <a:effectLst/>
+              </a:rPr>
+              <a:t>Améliorations</a:t>
+            </a:r>
+            <a:endParaRPr lang="fr-FR" b="1" dirty="0">
+              <a:solidFill>
+                <a:schemeClr val="tx2">
+                  <a:lumMod val="60000"/>
+                  <a:lumOff val="40000"/>
+                </a:schemeClr>
+              </a:solidFill>
+              <a:effectLst/>
+            </a:endParaRPr>
+          </a:p>
+        </p:txBody>
+      </p:sp>
+      <p:pic>
+        <p:nvPicPr>
+          <p:cNvPr id="4" name="Image 3" descr="footer.png"/>
+          <p:cNvPicPr>
+            <a:picLocks noChangeAspect="1"/>
+          </p:cNvPicPr>
+          <p:nvPr/>
+        </p:nvPicPr>
+        <p:blipFill rotWithShape="1">
+          <a:blip r:embed="rId3">
+            <a:extLst>
+              <a:ext uri="{28A0092B-C50C-407E-A947-70E740481C1C}">
+                <a14:useLocalDpi xmlns:a14="http://schemas.microsoft.com/office/drawing/2010/main" val="0"/>
+              </a:ext>
+            </a:extLst>
+          </a:blip>
+          <a:srcRect l="15122" r="18156"/>
+          <a:stretch/>
+        </p:blipFill>
+        <p:spPr>
+          <a:xfrm>
+            <a:off x="-460839" y="6122730"/>
+            <a:ext cx="10188461" cy="763492"/>
+          </a:xfrm>
+          <a:prstGeom prst="rect">
+            <a:avLst/>
+          </a:prstGeom>
+        </p:spPr>
+      </p:pic>
+      <p:sp>
+        <p:nvSpPr>
+          <p:cNvPr id="5" name="Espace réservé du numéro de diapositive 4"/>
+          <p:cNvSpPr>
+            <a:spLocks noGrp="1"/>
+          </p:cNvSpPr>
+          <p:nvPr>
+            <p:ph type="sldNum" sz="quarter" idx="12"/>
+          </p:nvPr>
+        </p:nvSpPr>
+        <p:spPr/>
+        <p:txBody>
+          <a:bodyPr/>
+          <a:lstStyle/>
+          <a:p>
+            <a:fld id="{687D7A59-36E2-48B9-B146-C1E59501F63F}" type="slidenum">
+              <a:rPr lang="en-US" b="1" smtClean="0">
+                <a:solidFill>
+                  <a:srgbClr val="FFFFFF"/>
+                </a:solidFill>
+              </a:rPr>
+              <a:pPr/>
+              <a:t>11</a:t>
+            </a:fld>
+            <a:endParaRPr lang="en-US" b="1" dirty="0">
+              <a:solidFill>
+                <a:srgbClr val="FFFFFF"/>
+              </a:solidFill>
+            </a:endParaRPr>
+          </a:p>
+        </p:txBody>
+      </p:sp>
+      <p:pic>
+        <p:nvPicPr>
+          <p:cNvPr id="6" name="Espace réservé du contenu 5"/>
+          <p:cNvPicPr>
+            <a:picLocks noGrp="1" noChangeAspect="1"/>
+          </p:cNvPicPr>
+          <p:nvPr>
+            <p:ph idx="1"/>
+          </p:nvPr>
+        </p:nvPicPr>
+        <p:blipFill>
+          <a:blip r:embed="rId4"/>
+          <a:stretch>
+            <a:fillRect/>
+          </a:stretch>
+        </p:blipFill>
+        <p:spPr>
+          <a:xfrm>
+            <a:off x="2309018" y="1600200"/>
+            <a:ext cx="4525963" cy="4525963"/>
+          </a:xfrm>
+          <a:prstGeom prst="rect">
+            <a:avLst/>
+          </a:prstGeom>
+        </p:spPr>
+      </p:pic>
+    </p:spTree>
+    <p:extLst>
+      <p:ext uri="{BB962C8B-B14F-4D97-AF65-F5344CB8AC3E}">
+        <p14:creationId xmlns:p14="http://schemas.microsoft.com/office/powerpoint/2010/main" val="3313945475"/>
+      </p:ext>
+    </p:extLst>
+  </p:cSld>
+  <p:clrMapOvr>
+    <a:masterClrMapping/>
+  </p:clrMapOvr>
+  <p:transition spd="slow">
+    <p:push/>
+  </p:transition>
+  <p:timing>
+    <p:tnLst>
+      <p:par>
+        <p:cTn id="1" dur="indefinite" restart="never" nodeType="tmRoot"/>
+      </p:par>
+    </p:tnLst>
+  </p:timing>
+</p:sld>
+</file>
+
+<file path=ppt/slides/slide13.xml><?xml version="1.0" encoding="utf-8"?>
+<p:sld xmlns:a="http://schemas.openxmlformats.org/drawingml/2006/main" xmlns:r="http://schemas.openxmlformats.org/officeDocument/2006/relationships" xmlns:p="http://schemas.openxmlformats.org/presentationml/2006/main">
+  <p:cSld>
+    <p:spTree>
+      <p:nvGrpSpPr>
+        <p:cNvPr id="1" name=""/>
+        <p:cNvGrpSpPr/>
+        <p:nvPr/>
+      </p:nvGrpSpPr>
+      <p:grpSpPr>
+        <a:xfrm>
+          <a:off x="0" y="0"/>
+          <a:ext cx="0" cy="0"/>
+          <a:chOff x="0" y="0"/>
+          <a:chExt cx="0" cy="0"/>
+        </a:xfrm>
+      </p:grpSpPr>
+      <p:sp>
+        <p:nvSpPr>
+          <p:cNvPr id="2" name="Titre 1"/>
+          <p:cNvSpPr>
+            <a:spLocks noGrp="1"/>
+          </p:cNvSpPr>
+          <p:nvPr>
+            <p:ph type="title"/>
+          </p:nvPr>
+        </p:nvSpPr>
+        <p:spPr/>
+        <p:txBody>
+          <a:bodyPr/>
+          <a:lstStyle/>
+          <a:p>
+            <a:r>
+              <a:rPr lang="fr-FR" sz="2400" b="1" dirty="0" smtClean="0">
+                <a:solidFill>
+                  <a:schemeClr val="tx2">
+                    <a:lumMod val="60000"/>
+                    <a:lumOff val="40000"/>
+                  </a:schemeClr>
+                </a:solidFill>
+                <a:effectLst/>
+              </a:rPr>
+              <a:t>Améliorations</a:t>
+            </a:r>
+            <a:r>
+              <a:rPr lang="fr-FR" sz="2400" b="1" dirty="0" smtClean="0">
+                <a:solidFill>
+                  <a:schemeClr val="tx2">
+                    <a:lumMod val="60000"/>
+                    <a:lumOff val="40000"/>
+                  </a:schemeClr>
+                </a:solidFill>
+                <a:effectLst/>
+              </a:rPr>
+              <a:t/>
+            </a:r>
+            <a:br>
+              <a:rPr lang="fr-FR" sz="2400" b="1" dirty="0" smtClean="0">
+                <a:solidFill>
+                  <a:schemeClr val="tx2">
+                    <a:lumMod val="60000"/>
+                    <a:lumOff val="40000"/>
+                  </a:schemeClr>
+                </a:solidFill>
+                <a:effectLst/>
+              </a:rPr>
+            </a:br>
+            <a:r>
+              <a:rPr lang="fr-FR" b="1" dirty="0" smtClean="0">
+                <a:solidFill>
+                  <a:schemeClr val="tx2">
+                    <a:lumMod val="60000"/>
+                    <a:lumOff val="40000"/>
+                  </a:schemeClr>
+                </a:solidFill>
+                <a:effectLst/>
+              </a:rPr>
+              <a:t>Menu Pause</a:t>
+            </a:r>
+            <a:endParaRPr lang="fr-FR" b="1" dirty="0">
+              <a:solidFill>
+                <a:schemeClr val="tx2">
+                  <a:lumMod val="60000"/>
+                  <a:lumOff val="40000"/>
+                </a:schemeClr>
+              </a:solidFill>
+              <a:effectLst/>
+            </a:endParaRPr>
+          </a:p>
+        </p:txBody>
+      </p:sp>
+      <p:sp>
+        <p:nvSpPr>
+          <p:cNvPr id="3" name="Espace réservé du contenu 2"/>
+          <p:cNvSpPr>
+            <a:spLocks noGrp="1"/>
+          </p:cNvSpPr>
+          <p:nvPr>
+            <p:ph idx="1"/>
+          </p:nvPr>
+        </p:nvSpPr>
+        <p:spPr/>
+        <p:txBody>
+          <a:bodyPr/>
+          <a:lstStyle/>
+          <a:p>
+            <a:r>
+              <a:rPr lang="fr-FR" b="1" dirty="0" smtClean="0"/>
+              <a:t>Crédits</a:t>
+            </a:r>
+            <a:endParaRPr lang="fr-FR" dirty="0" smtClean="0"/>
+          </a:p>
+          <a:p>
+            <a:pPr marL="457200" lvl="1" indent="0">
+              <a:buNone/>
+            </a:pPr>
+            <a:r>
+              <a:rPr lang="fr-FR" sz="2000" dirty="0"/>
+              <a:t>I</a:t>
+            </a:r>
+            <a:r>
+              <a:rPr lang="fr-FR" sz="2000" dirty="0" smtClean="0"/>
+              <a:t>nformations sur les propriétés intellectuelle utilisés</a:t>
+            </a:r>
+          </a:p>
+          <a:p>
+            <a:pPr marL="457200" lvl="1" indent="0">
+              <a:buNone/>
+            </a:pPr>
+            <a:endParaRPr lang="fr-FR" sz="2000" dirty="0"/>
+          </a:p>
+          <a:p>
+            <a:r>
+              <a:rPr lang="fr-FR" b="1" dirty="0" smtClean="0"/>
+              <a:t>Bonus</a:t>
+            </a:r>
+            <a:endParaRPr lang="fr-FR" dirty="0"/>
+          </a:p>
+          <a:p>
+            <a:pPr marL="457200" lvl="1" indent="0">
+              <a:buNone/>
+            </a:pPr>
+            <a:r>
+              <a:rPr lang="fr-FR" sz="2000" dirty="0" err="1" smtClean="0"/>
+              <a:t>Cheat</a:t>
+            </a:r>
+            <a:r>
+              <a:rPr lang="fr-FR" sz="2000" dirty="0" smtClean="0"/>
+              <a:t> codes</a:t>
+            </a:r>
+            <a:endParaRPr lang="fr-FR" dirty="0" smtClean="0"/>
+          </a:p>
+        </p:txBody>
+      </p:sp>
+      <p:pic>
+        <p:nvPicPr>
+          <p:cNvPr id="4" name="Image 3" descr="footer.png"/>
+          <p:cNvPicPr>
+            <a:picLocks noChangeAspect="1"/>
+          </p:cNvPicPr>
+          <p:nvPr/>
+        </p:nvPicPr>
+        <p:blipFill rotWithShape="1">
+          <a:blip r:embed="rId3">
+            <a:extLst>
+              <a:ext uri="{28A0092B-C50C-407E-A947-70E740481C1C}">
+                <a14:useLocalDpi xmlns:a14="http://schemas.microsoft.com/office/drawing/2010/main" val="0"/>
+              </a:ext>
+            </a:extLst>
+          </a:blip>
+          <a:srcRect l="15122" r="18156"/>
+          <a:stretch/>
+        </p:blipFill>
+        <p:spPr>
+          <a:xfrm>
+            <a:off x="-460839" y="6122730"/>
+            <a:ext cx="10188461" cy="763492"/>
+          </a:xfrm>
+          <a:prstGeom prst="rect">
+            <a:avLst/>
+          </a:prstGeom>
+        </p:spPr>
+      </p:pic>
+      <p:sp>
+        <p:nvSpPr>
+          <p:cNvPr id="5" name="Espace réservé du numéro de diapositive 4"/>
+          <p:cNvSpPr>
+            <a:spLocks noGrp="1"/>
+          </p:cNvSpPr>
+          <p:nvPr>
+            <p:ph type="sldNum" sz="quarter" idx="12"/>
+          </p:nvPr>
+        </p:nvSpPr>
+        <p:spPr/>
+        <p:txBody>
+          <a:bodyPr/>
+          <a:lstStyle/>
+          <a:p>
+            <a:fld id="{687D7A59-36E2-48B9-B146-C1E59501F63F}" type="slidenum">
+              <a:rPr lang="en-US" b="1" smtClean="0">
+                <a:solidFill>
+                  <a:srgbClr val="FFFFFF"/>
+                </a:solidFill>
+              </a:rPr>
+              <a:pPr/>
+              <a:t>12</a:t>
+            </a:fld>
+            <a:endParaRPr lang="en-US" b="1" dirty="0">
+              <a:solidFill>
+                <a:srgbClr val="FFFFFF"/>
+              </a:solidFill>
+            </a:endParaRPr>
+          </a:p>
+        </p:txBody>
+      </p:sp>
+    </p:spTree>
+    <p:extLst>
+      <p:ext uri="{BB962C8B-B14F-4D97-AF65-F5344CB8AC3E}">
+        <p14:creationId xmlns:p14="http://schemas.microsoft.com/office/powerpoint/2010/main" val="60031905"/>
+      </p:ext>
+    </p:extLst>
+  </p:cSld>
+  <p:clrMapOvr>
+    <a:masterClrMapping/>
+  </p:clrMapOvr>
+  <p:transition spd="slow">
+    <p:push/>
+  </p:transition>
+  <p:timing>
+    <p:tnLst>
+      <p:par>
+        <p:cTn id="1" dur="indefinite" restart="never" nodeType="tmRoot"/>
+      </p:par>
+    </p:tnLst>
+  </p:timing>
+</p:sld>
+</file>
+
+<file path=ppt/slides/slide14.xml><?xml version="1.0" encoding="utf-8"?>
+<p:sld xmlns:a="http://schemas.openxmlformats.org/drawingml/2006/main" xmlns:r="http://schemas.openxmlformats.org/officeDocument/2006/relationships" xmlns:p="http://schemas.openxmlformats.org/presentationml/2006/main">
+  <p:cSld>
+    <p:spTree>
+      <p:nvGrpSpPr>
+        <p:cNvPr id="1" name=""/>
+        <p:cNvGrpSpPr/>
+        <p:nvPr/>
+      </p:nvGrpSpPr>
+      <p:grpSpPr>
+        <a:xfrm>
+          <a:off x="0" y="0"/>
+          <a:ext cx="0" cy="0"/>
+          <a:chOff x="0" y="0"/>
+          <a:chExt cx="0" cy="0"/>
+        </a:xfrm>
+      </p:grpSpPr>
+      <p:sp>
+        <p:nvSpPr>
+          <p:cNvPr id="2" name="Titre 1"/>
+          <p:cNvSpPr>
+            <a:spLocks noGrp="1"/>
+          </p:cNvSpPr>
+          <p:nvPr>
+            <p:ph type="title"/>
+          </p:nvPr>
+        </p:nvSpPr>
+        <p:spPr/>
+        <p:txBody>
+          <a:bodyPr/>
+          <a:lstStyle/>
+          <a:p>
+            <a:r>
+              <a:rPr lang="fr-FR" sz="2400" b="1" dirty="0" smtClean="0">
+                <a:solidFill>
+                  <a:schemeClr val="tx2">
+                    <a:lumMod val="60000"/>
+                    <a:lumOff val="40000"/>
+                  </a:schemeClr>
+                </a:solidFill>
+                <a:effectLst/>
+              </a:rPr>
+              <a:t>Améliorations</a:t>
+            </a:r>
+            <a:r>
+              <a:rPr lang="fr-FR" sz="2400" b="1" dirty="0" smtClean="0">
+                <a:solidFill>
+                  <a:schemeClr val="tx2">
+                    <a:lumMod val="60000"/>
+                    <a:lumOff val="40000"/>
+                  </a:schemeClr>
+                </a:solidFill>
+                <a:effectLst/>
+              </a:rPr>
+              <a:t/>
+            </a:r>
+            <a:br>
+              <a:rPr lang="fr-FR" sz="2400" b="1" dirty="0" smtClean="0">
+                <a:solidFill>
+                  <a:schemeClr val="tx2">
+                    <a:lumMod val="60000"/>
+                    <a:lumOff val="40000"/>
+                  </a:schemeClr>
+                </a:solidFill>
+                <a:effectLst/>
+              </a:rPr>
+            </a:br>
+            <a:r>
+              <a:rPr lang="fr-FR" b="1" dirty="0" smtClean="0">
+                <a:solidFill>
+                  <a:schemeClr val="tx2">
+                    <a:lumMod val="60000"/>
+                    <a:lumOff val="40000"/>
+                  </a:schemeClr>
+                </a:solidFill>
+                <a:effectLst/>
+              </a:rPr>
+              <a:t>Interactions </a:t>
+            </a:r>
+            <a:r>
+              <a:rPr lang="fr-FR" b="1" dirty="0" smtClean="0">
+                <a:solidFill>
+                  <a:schemeClr val="tx2">
+                    <a:lumMod val="60000"/>
+                    <a:lumOff val="40000"/>
+                  </a:schemeClr>
+                </a:solidFill>
+                <a:effectLst/>
+              </a:rPr>
+              <a:t>des </a:t>
+            </a:r>
+            <a:r>
+              <a:rPr lang="fr-FR" b="1" dirty="0" smtClean="0">
+                <a:solidFill>
+                  <a:schemeClr val="tx2">
+                    <a:lumMod val="60000"/>
+                    <a:lumOff val="40000"/>
+                  </a:schemeClr>
+                </a:solidFill>
+                <a:effectLst/>
+              </a:rPr>
+              <a:t>Acteurs</a:t>
+            </a:r>
+            <a:endParaRPr lang="fr-FR" b="1" dirty="0">
+              <a:solidFill>
+                <a:schemeClr val="tx2">
+                  <a:lumMod val="60000"/>
+                  <a:lumOff val="40000"/>
+                </a:schemeClr>
+              </a:solidFill>
+              <a:effectLst/>
+            </a:endParaRPr>
+          </a:p>
+        </p:txBody>
+      </p:sp>
+      <p:sp>
+        <p:nvSpPr>
+          <p:cNvPr id="3" name="Espace réservé du contenu 2"/>
+          <p:cNvSpPr>
+            <a:spLocks noGrp="1"/>
+          </p:cNvSpPr>
+          <p:nvPr>
+            <p:ph idx="1"/>
+          </p:nvPr>
+        </p:nvSpPr>
+        <p:spPr/>
+        <p:txBody>
+          <a:bodyPr/>
+          <a:lstStyle/>
+          <a:p>
+            <a:endParaRPr lang="fr-FR" dirty="0" smtClean="0"/>
+          </a:p>
+          <a:p>
+            <a:pPr marL="457200" lvl="1" indent="0">
+              <a:buNone/>
+            </a:pPr>
+            <a:r>
+              <a:rPr lang="fr-FR" sz="2000" dirty="0" smtClean="0"/>
+              <a:t>XML</a:t>
+            </a:r>
+            <a:endParaRPr lang="fr-FR" dirty="0" smtClean="0"/>
+          </a:p>
+        </p:txBody>
+      </p:sp>
+      <p:pic>
+        <p:nvPicPr>
+          <p:cNvPr id="4" name="Image 3" descr="footer.png"/>
+          <p:cNvPicPr>
+            <a:picLocks noChangeAspect="1"/>
+          </p:cNvPicPr>
+          <p:nvPr/>
+        </p:nvPicPr>
+        <p:blipFill rotWithShape="1">
+          <a:blip r:embed="rId3">
+            <a:extLst>
+              <a:ext uri="{28A0092B-C50C-407E-A947-70E740481C1C}">
+                <a14:useLocalDpi xmlns:a14="http://schemas.microsoft.com/office/drawing/2010/main" val="0"/>
+              </a:ext>
+            </a:extLst>
+          </a:blip>
+          <a:srcRect l="15122" r="18156"/>
+          <a:stretch/>
+        </p:blipFill>
+        <p:spPr>
+          <a:xfrm>
+            <a:off x="-460839" y="6122730"/>
+            <a:ext cx="10188461" cy="763492"/>
+          </a:xfrm>
+          <a:prstGeom prst="rect">
+            <a:avLst/>
+          </a:prstGeom>
+        </p:spPr>
+      </p:pic>
+      <p:sp>
+        <p:nvSpPr>
+          <p:cNvPr id="5" name="Espace réservé du numéro de diapositive 4"/>
+          <p:cNvSpPr>
+            <a:spLocks noGrp="1"/>
+          </p:cNvSpPr>
+          <p:nvPr>
+            <p:ph type="sldNum" sz="quarter" idx="12"/>
+          </p:nvPr>
+        </p:nvSpPr>
+        <p:spPr/>
+        <p:txBody>
+          <a:bodyPr/>
+          <a:lstStyle/>
+          <a:p>
+            <a:fld id="{687D7A59-36E2-48B9-B146-C1E59501F63F}" type="slidenum">
+              <a:rPr lang="en-US" b="1" smtClean="0">
+                <a:solidFill>
+                  <a:srgbClr val="FFFFFF"/>
+                </a:solidFill>
+              </a:rPr>
+              <a:pPr/>
+              <a:t>13</a:t>
+            </a:fld>
+            <a:endParaRPr lang="en-US" b="1" dirty="0">
+              <a:solidFill>
+                <a:srgbClr val="FFFFFF"/>
+              </a:solidFill>
+            </a:endParaRPr>
+          </a:p>
+        </p:txBody>
+      </p:sp>
+    </p:spTree>
+    <p:extLst>
+      <p:ext uri="{BB962C8B-B14F-4D97-AF65-F5344CB8AC3E}">
+        <p14:creationId xmlns:p14="http://schemas.microsoft.com/office/powerpoint/2010/main" val="3330699216"/>
+      </p:ext>
+    </p:extLst>
+  </p:cSld>
+  <p:clrMapOvr>
+    <a:masterClrMapping/>
+  </p:clrMapOvr>
+  <p:transition spd="slow">
+    <p:push/>
+  </p:transition>
+  <p:timing>
+    <p:tnLst>
+      <p:par>
+        <p:cTn id="1" dur="indefinite" restart="never" nodeType="tmRoot"/>
+      </p:par>
+    </p:tnLst>
+  </p:timing>
+</p:sld>
+</file>
+
+<file path=ppt/slides/slide15.xml><?xml version="1.0" encoding="utf-8"?>
+<p:sld xmlns:a="http://schemas.openxmlformats.org/drawingml/2006/main" xmlns:r="http://schemas.openxmlformats.org/officeDocument/2006/relationships" xmlns:p="http://schemas.openxmlformats.org/presentationml/2006/main">
+  <p:cSld>
+    <p:spTree>
+      <p:nvGrpSpPr>
+        <p:cNvPr id="1" name=""/>
+        <p:cNvGrpSpPr/>
+        <p:nvPr/>
+      </p:nvGrpSpPr>
+      <p:grpSpPr>
+        <a:xfrm>
+          <a:off x="0" y="0"/>
+          <a:ext cx="0" cy="0"/>
+          <a:chOff x="0" y="0"/>
+          <a:chExt cx="0" cy="0"/>
+        </a:xfrm>
+      </p:grpSpPr>
+      <p:sp>
+        <p:nvSpPr>
+          <p:cNvPr id="2" name="Titre 1"/>
+          <p:cNvSpPr>
+            <a:spLocks noGrp="1"/>
+          </p:cNvSpPr>
+          <p:nvPr>
+            <p:ph type="title"/>
+          </p:nvPr>
+        </p:nvSpPr>
+        <p:spPr/>
+        <p:txBody>
+          <a:bodyPr/>
+          <a:lstStyle/>
+          <a:p>
+            <a:r>
+              <a:rPr lang="fr-FR" sz="2400" b="1" dirty="0" smtClean="0">
+                <a:solidFill>
+                  <a:schemeClr val="tx2">
+                    <a:lumMod val="60000"/>
+                    <a:lumOff val="40000"/>
+                  </a:schemeClr>
+                </a:solidFill>
+                <a:effectLst/>
+              </a:rPr>
+              <a:t>Améliorations</a:t>
+            </a:r>
+            <a:r>
+              <a:rPr lang="fr-FR" sz="2400" b="1" dirty="0" smtClean="0">
+                <a:solidFill>
+                  <a:schemeClr val="tx2">
+                    <a:lumMod val="60000"/>
+                    <a:lumOff val="40000"/>
+                  </a:schemeClr>
+                </a:solidFill>
+                <a:effectLst/>
+              </a:rPr>
+              <a:t/>
+            </a:r>
+            <a:br>
+              <a:rPr lang="fr-FR" sz="2400" b="1" dirty="0" smtClean="0">
+                <a:solidFill>
+                  <a:schemeClr val="tx2">
+                    <a:lumMod val="60000"/>
+                    <a:lumOff val="40000"/>
+                  </a:schemeClr>
+                </a:solidFill>
+                <a:effectLst/>
+              </a:rPr>
+            </a:br>
+            <a:r>
+              <a:rPr lang="fr-FR" b="1" dirty="0" smtClean="0">
+                <a:solidFill>
+                  <a:schemeClr val="tx2">
+                    <a:lumMod val="60000"/>
+                    <a:lumOff val="40000"/>
+                  </a:schemeClr>
+                </a:solidFill>
+                <a:effectLst/>
+              </a:rPr>
+              <a:t>Graphismes</a:t>
+            </a:r>
+            <a:endParaRPr lang="fr-FR" b="1" dirty="0">
+              <a:solidFill>
+                <a:schemeClr val="tx2">
+                  <a:lumMod val="60000"/>
+                  <a:lumOff val="40000"/>
+                </a:schemeClr>
+              </a:solidFill>
+              <a:effectLst/>
+            </a:endParaRPr>
+          </a:p>
+        </p:txBody>
+      </p:sp>
+      <p:sp>
+        <p:nvSpPr>
+          <p:cNvPr id="3" name="Espace réservé du contenu 2"/>
+          <p:cNvSpPr>
+            <a:spLocks noGrp="1"/>
+          </p:cNvSpPr>
+          <p:nvPr>
+            <p:ph idx="1"/>
+          </p:nvPr>
+        </p:nvSpPr>
+        <p:spPr/>
+        <p:txBody>
+          <a:bodyPr/>
+          <a:lstStyle/>
+          <a:p>
+            <a:r>
+              <a:rPr lang="fr-FR" b="1" dirty="0" smtClean="0"/>
+              <a:t>2D</a:t>
+            </a:r>
+          </a:p>
+          <a:p>
+            <a:pPr marL="457200" lvl="1" indent="0">
+              <a:buNone/>
+            </a:pPr>
+            <a:r>
+              <a:rPr lang="fr-FR" sz="2000" dirty="0" smtClean="0"/>
+              <a:t>Neige</a:t>
+            </a:r>
+          </a:p>
+          <a:p>
+            <a:pPr marL="457200" lvl="1" indent="0">
+              <a:buNone/>
+            </a:pPr>
+            <a:r>
+              <a:rPr lang="fr-FR" sz="2000" dirty="0" smtClean="0"/>
+              <a:t>Murs</a:t>
+            </a:r>
+          </a:p>
+          <a:p>
+            <a:pPr marL="457200" lvl="1" indent="0">
+              <a:buNone/>
+            </a:pPr>
+            <a:endParaRPr lang="fr-FR" sz="2000" dirty="0"/>
+          </a:p>
+          <a:p>
+            <a:r>
+              <a:rPr lang="fr-FR" b="1" dirty="0" smtClean="0"/>
+              <a:t>Animations</a:t>
+            </a:r>
+            <a:endParaRPr lang="fr-FR" dirty="0" smtClean="0"/>
+          </a:p>
+          <a:p>
+            <a:pPr marL="457200" lvl="1" indent="0">
+              <a:buNone/>
+            </a:pPr>
+            <a:r>
+              <a:rPr lang="fr-FR" sz="2000" dirty="0" smtClean="0"/>
+              <a:t>Traces de pas</a:t>
+            </a:r>
+          </a:p>
+          <a:p>
+            <a:pPr marL="457200" lvl="1" indent="0">
+              <a:buNone/>
+            </a:pPr>
+            <a:r>
+              <a:rPr lang="fr-FR" sz="2000" dirty="0" smtClean="0"/>
+              <a:t>Eau</a:t>
+            </a:r>
+          </a:p>
+          <a:p>
+            <a:pPr marL="457200" lvl="1" indent="0">
+              <a:buNone/>
+            </a:pPr>
+            <a:r>
+              <a:rPr lang="fr-FR" sz="2000" dirty="0" smtClean="0"/>
+              <a:t>Personnages</a:t>
+            </a:r>
+          </a:p>
+        </p:txBody>
+      </p:sp>
+      <p:pic>
+        <p:nvPicPr>
+          <p:cNvPr id="4" name="Image 3" descr="footer.png"/>
+          <p:cNvPicPr>
+            <a:picLocks noChangeAspect="1"/>
+          </p:cNvPicPr>
+          <p:nvPr/>
+        </p:nvPicPr>
+        <p:blipFill rotWithShape="1">
+          <a:blip r:embed="rId3">
+            <a:extLst>
+              <a:ext uri="{28A0092B-C50C-407E-A947-70E740481C1C}">
+                <a14:useLocalDpi xmlns:a14="http://schemas.microsoft.com/office/drawing/2010/main" val="0"/>
+              </a:ext>
+            </a:extLst>
+          </a:blip>
+          <a:srcRect l="15122" r="18156"/>
+          <a:stretch/>
+        </p:blipFill>
+        <p:spPr>
+          <a:xfrm>
+            <a:off x="-460839" y="6122730"/>
+            <a:ext cx="10188461" cy="763492"/>
+          </a:xfrm>
+          <a:prstGeom prst="rect">
+            <a:avLst/>
+          </a:prstGeom>
+        </p:spPr>
+      </p:pic>
+      <p:sp>
+        <p:nvSpPr>
+          <p:cNvPr id="5" name="Espace réservé du numéro de diapositive 4"/>
+          <p:cNvSpPr>
+            <a:spLocks noGrp="1"/>
+          </p:cNvSpPr>
+          <p:nvPr>
+            <p:ph type="sldNum" sz="quarter" idx="12"/>
+          </p:nvPr>
+        </p:nvSpPr>
+        <p:spPr/>
+        <p:txBody>
+          <a:bodyPr/>
+          <a:lstStyle/>
+          <a:p>
+            <a:fld id="{687D7A59-36E2-48B9-B146-C1E59501F63F}" type="slidenum">
+              <a:rPr lang="en-US" b="1" smtClean="0">
+                <a:solidFill>
+                  <a:srgbClr val="FFFFFF"/>
+                </a:solidFill>
+              </a:rPr>
+              <a:pPr/>
+              <a:t>14</a:t>
+            </a:fld>
+            <a:endParaRPr lang="en-US" b="1" dirty="0">
+              <a:solidFill>
+                <a:srgbClr val="FFFFFF"/>
+              </a:solidFill>
+            </a:endParaRPr>
+          </a:p>
+        </p:txBody>
+      </p:sp>
+    </p:spTree>
+    <p:extLst>
+      <p:ext uri="{BB962C8B-B14F-4D97-AF65-F5344CB8AC3E}">
+        <p14:creationId xmlns:p14="http://schemas.microsoft.com/office/powerpoint/2010/main" val="3688352701"/>
+      </p:ext>
+    </p:extLst>
+  </p:cSld>
+  <p:clrMapOvr>
+    <a:masterClrMapping/>
+  </p:clrMapOvr>
+  <p:transition spd="slow">
+    <p:push/>
+  </p:transition>
+  <p:timing>
+    <p:tnLst>
+      <p:par>
+        <p:cTn id="1" dur="indefinite" restart="never" nodeType="tmRoot"/>
+      </p:par>
+    </p:tnLst>
+  </p:timing>
+</p:sld>
+</file>
+
+<file path=ppt/slides/slide16.xml><?xml version="1.0" encoding="utf-8"?>
+<p:sld xmlns:a="http://schemas.openxmlformats.org/drawingml/2006/main" xmlns:r="http://schemas.openxmlformats.org/officeDocument/2006/relationships" xmlns:p="http://schemas.openxmlformats.org/presentationml/2006/main">
+  <p:cSld>
+    <p:spTree>
+      <p:nvGrpSpPr>
+        <p:cNvPr id="1" name=""/>
+        <p:cNvGrpSpPr/>
+        <p:nvPr/>
+      </p:nvGrpSpPr>
+      <p:grpSpPr>
+        <a:xfrm>
+          <a:off x="0" y="0"/>
+          <a:ext cx="0" cy="0"/>
+          <a:chOff x="0" y="0"/>
+          <a:chExt cx="0" cy="0"/>
+        </a:xfrm>
+      </p:grpSpPr>
+      <p:sp>
+        <p:nvSpPr>
+          <p:cNvPr id="2" name="Titre 1"/>
+          <p:cNvSpPr>
+            <a:spLocks noGrp="1"/>
+          </p:cNvSpPr>
+          <p:nvPr>
+            <p:ph type="title"/>
+          </p:nvPr>
+        </p:nvSpPr>
+        <p:spPr/>
+        <p:txBody>
+          <a:bodyPr/>
+          <a:lstStyle/>
+          <a:p>
+            <a:r>
+              <a:rPr lang="fr-FR" sz="2400" b="1" dirty="0" smtClean="0">
+                <a:solidFill>
+                  <a:schemeClr val="tx2">
+                    <a:lumMod val="60000"/>
+                    <a:lumOff val="40000"/>
+                  </a:schemeClr>
+                </a:solidFill>
+                <a:effectLst/>
+              </a:rPr>
+              <a:t>Améliorations</a:t>
+            </a:r>
+            <a:r>
+              <a:rPr lang="fr-FR" sz="2400" b="1" dirty="0" smtClean="0">
+                <a:solidFill>
+                  <a:schemeClr val="tx2">
+                    <a:lumMod val="60000"/>
+                    <a:lumOff val="40000"/>
+                  </a:schemeClr>
+                </a:solidFill>
+                <a:effectLst/>
+              </a:rPr>
+              <a:t/>
+            </a:r>
+            <a:br>
+              <a:rPr lang="fr-FR" sz="2400" b="1" dirty="0" smtClean="0">
+                <a:solidFill>
+                  <a:schemeClr val="tx2">
+                    <a:lumMod val="60000"/>
+                    <a:lumOff val="40000"/>
+                  </a:schemeClr>
+                </a:solidFill>
+                <a:effectLst/>
+              </a:rPr>
+            </a:br>
+            <a:r>
+              <a:rPr lang="fr-FR" b="1" dirty="0" smtClean="0">
+                <a:solidFill>
+                  <a:schemeClr val="tx2">
+                    <a:lumMod val="60000"/>
+                    <a:lumOff val="40000"/>
+                  </a:schemeClr>
+                </a:solidFill>
+                <a:effectLst/>
+              </a:rPr>
+              <a:t>Déplacements</a:t>
+            </a:r>
+            <a:endParaRPr lang="fr-FR" b="1" dirty="0">
+              <a:solidFill>
+                <a:schemeClr val="tx2">
+                  <a:lumMod val="60000"/>
+                  <a:lumOff val="40000"/>
+                </a:schemeClr>
+              </a:solidFill>
+              <a:effectLst/>
+            </a:endParaRPr>
+          </a:p>
+        </p:txBody>
+      </p:sp>
+      <p:sp>
+        <p:nvSpPr>
+          <p:cNvPr id="3" name="Espace réservé du contenu 2"/>
+          <p:cNvSpPr>
+            <a:spLocks noGrp="1"/>
+          </p:cNvSpPr>
+          <p:nvPr>
+            <p:ph idx="1"/>
+          </p:nvPr>
+        </p:nvSpPr>
+        <p:spPr/>
+        <p:txBody>
+          <a:bodyPr/>
+          <a:lstStyle/>
+          <a:p>
+            <a:r>
+              <a:rPr lang="fr-FR" b="1" dirty="0" smtClean="0"/>
+              <a:t>2D</a:t>
+            </a:r>
+          </a:p>
+          <a:p>
+            <a:pPr marL="457200" lvl="1" indent="0">
+              <a:buNone/>
+            </a:pPr>
+            <a:r>
+              <a:rPr lang="fr-FR" sz="2000" dirty="0" smtClean="0"/>
+              <a:t>Neige</a:t>
+            </a:r>
+          </a:p>
+          <a:p>
+            <a:pPr marL="457200" lvl="1" indent="0">
+              <a:buNone/>
+            </a:pPr>
+            <a:r>
+              <a:rPr lang="fr-FR" sz="2000" dirty="0" smtClean="0"/>
+              <a:t>Murs</a:t>
+            </a:r>
+          </a:p>
+        </p:txBody>
+      </p:sp>
+      <p:pic>
+        <p:nvPicPr>
+          <p:cNvPr id="4" name="Image 3" descr="footer.png"/>
+          <p:cNvPicPr>
+            <a:picLocks noChangeAspect="1"/>
+          </p:cNvPicPr>
+          <p:nvPr/>
+        </p:nvPicPr>
+        <p:blipFill rotWithShape="1">
+          <a:blip r:embed="rId3">
+            <a:extLst>
+              <a:ext uri="{28A0092B-C50C-407E-A947-70E740481C1C}">
+                <a14:useLocalDpi xmlns:a14="http://schemas.microsoft.com/office/drawing/2010/main" val="0"/>
+              </a:ext>
+            </a:extLst>
+          </a:blip>
+          <a:srcRect l="15122" r="18156"/>
+          <a:stretch/>
+        </p:blipFill>
+        <p:spPr>
+          <a:xfrm>
+            <a:off x="-460839" y="6122730"/>
+            <a:ext cx="10188461" cy="763492"/>
+          </a:xfrm>
+          <a:prstGeom prst="rect">
+            <a:avLst/>
+          </a:prstGeom>
+        </p:spPr>
+      </p:pic>
+      <p:sp>
+        <p:nvSpPr>
+          <p:cNvPr id="5" name="Espace réservé du numéro de diapositive 4"/>
+          <p:cNvSpPr>
+            <a:spLocks noGrp="1"/>
+          </p:cNvSpPr>
+          <p:nvPr>
+            <p:ph type="sldNum" sz="quarter" idx="12"/>
+          </p:nvPr>
+        </p:nvSpPr>
+        <p:spPr/>
+        <p:txBody>
+          <a:bodyPr/>
+          <a:lstStyle/>
+          <a:p>
+            <a:fld id="{687D7A59-36E2-48B9-B146-C1E59501F63F}" type="slidenum">
+              <a:rPr lang="en-US" b="1" smtClean="0">
+                <a:solidFill>
+                  <a:srgbClr val="FFFFFF"/>
+                </a:solidFill>
+              </a:rPr>
+              <a:pPr/>
+              <a:t>15</a:t>
+            </a:fld>
+            <a:endParaRPr lang="en-US" b="1" dirty="0">
+              <a:solidFill>
+                <a:srgbClr val="FFFFFF"/>
+              </a:solidFill>
+            </a:endParaRPr>
+          </a:p>
+        </p:txBody>
+      </p:sp>
+    </p:spTree>
+    <p:extLst>
+      <p:ext uri="{BB962C8B-B14F-4D97-AF65-F5344CB8AC3E}">
+        <p14:creationId xmlns:p14="http://schemas.microsoft.com/office/powerpoint/2010/main" val="2988675433"/>
+      </p:ext>
+    </p:extLst>
+  </p:cSld>
+  <p:clrMapOvr>
+    <a:masterClrMapping/>
+  </p:clrMapOvr>
+  <p:transition spd="slow">
+    <p:push/>
+  </p:transition>
+  <p:timing>
+    <p:tnLst>
+      <p:par>
+        <p:cTn id="1" dur="indefinite" restart="never" nodeType="tmRoot"/>
+      </p:par>
+    </p:tnLst>
+  </p:timing>
+</p:sld>
+</file>
+
+<file path=ppt/slides/slide17.xml><?xml version="1.0" encoding="utf-8"?>
+<p:sld xmlns:a="http://schemas.openxmlformats.org/drawingml/2006/main" xmlns:r="http://schemas.openxmlformats.org/officeDocument/2006/relationships" xmlns:p="http://schemas.openxmlformats.org/presentationml/2006/main">
+  <p:cSld>
+    <p:spTree>
+      <p:nvGrpSpPr>
+        <p:cNvPr id="1" name=""/>
+        <p:cNvGrpSpPr/>
+        <p:nvPr/>
+      </p:nvGrpSpPr>
+      <p:grpSpPr>
+        <a:xfrm>
+          <a:off x="0" y="0"/>
+          <a:ext cx="0" cy="0"/>
+          <a:chOff x="0" y="0"/>
+          <a:chExt cx="0" cy="0"/>
+        </a:xfrm>
+      </p:grpSpPr>
+      <p:sp>
+        <p:nvSpPr>
+          <p:cNvPr id="2" name="Titre 1"/>
+          <p:cNvSpPr>
+            <a:spLocks noGrp="1"/>
+          </p:cNvSpPr>
+          <p:nvPr>
+            <p:ph type="title"/>
+          </p:nvPr>
+        </p:nvSpPr>
+        <p:spPr/>
+        <p:txBody>
+          <a:bodyPr/>
+          <a:lstStyle/>
+          <a:p>
+            <a:r>
+              <a:rPr lang="fr-FR" sz="2400" b="1" dirty="0" smtClean="0">
+                <a:solidFill>
+                  <a:schemeClr val="tx2">
+                    <a:lumMod val="60000"/>
+                    <a:lumOff val="40000"/>
+                  </a:schemeClr>
+                </a:solidFill>
+                <a:effectLst/>
+              </a:rPr>
+              <a:t>Améliorations</a:t>
+            </a:r>
+            <a:r>
+              <a:rPr lang="fr-FR" sz="2400" b="1" dirty="0" smtClean="0">
+                <a:solidFill>
+                  <a:schemeClr val="tx2">
+                    <a:lumMod val="60000"/>
+                    <a:lumOff val="40000"/>
+                  </a:schemeClr>
+                </a:solidFill>
+                <a:effectLst/>
+              </a:rPr>
+              <a:t/>
+            </a:r>
+            <a:br>
+              <a:rPr lang="fr-FR" sz="2400" b="1" dirty="0" smtClean="0">
+                <a:solidFill>
+                  <a:schemeClr val="tx2">
+                    <a:lumMod val="60000"/>
+                    <a:lumOff val="40000"/>
+                  </a:schemeClr>
+                </a:solidFill>
+                <a:effectLst/>
+              </a:rPr>
+            </a:br>
+            <a:r>
+              <a:rPr lang="fr-FR" b="1" dirty="0" smtClean="0">
+                <a:solidFill>
+                  <a:schemeClr val="tx2">
+                    <a:lumMod val="60000"/>
+                    <a:lumOff val="40000"/>
+                  </a:schemeClr>
+                </a:solidFill>
+                <a:effectLst/>
+              </a:rPr>
+              <a:t>Textures</a:t>
+            </a:r>
+            <a:endParaRPr lang="fr-FR" b="1" dirty="0">
+              <a:solidFill>
+                <a:schemeClr val="tx2">
+                  <a:lumMod val="60000"/>
+                  <a:lumOff val="40000"/>
+                </a:schemeClr>
+              </a:solidFill>
+              <a:effectLst/>
+            </a:endParaRPr>
+          </a:p>
+        </p:txBody>
+      </p:sp>
+      <p:sp>
+        <p:nvSpPr>
+          <p:cNvPr id="3" name="Espace réservé du contenu 2"/>
+          <p:cNvSpPr>
+            <a:spLocks noGrp="1"/>
+          </p:cNvSpPr>
+          <p:nvPr>
+            <p:ph idx="1"/>
+          </p:nvPr>
+        </p:nvSpPr>
+        <p:spPr/>
+        <p:txBody>
+          <a:bodyPr/>
+          <a:lstStyle/>
+          <a:p>
+            <a:r>
+              <a:rPr lang="fr-FR" b="1" dirty="0" smtClean="0"/>
+              <a:t>2D</a:t>
+            </a:r>
+          </a:p>
+          <a:p>
+            <a:pPr marL="457200" lvl="1" indent="0">
+              <a:buNone/>
+            </a:pPr>
+            <a:r>
+              <a:rPr lang="fr-FR" sz="2000" dirty="0" smtClean="0"/>
+              <a:t>Neige</a:t>
+            </a:r>
+          </a:p>
+          <a:p>
+            <a:pPr marL="457200" lvl="1" indent="0">
+              <a:buNone/>
+            </a:pPr>
+            <a:r>
+              <a:rPr lang="fr-FR" sz="2000" dirty="0" smtClean="0"/>
+              <a:t>Murs</a:t>
+            </a:r>
+          </a:p>
+        </p:txBody>
+      </p:sp>
+      <p:pic>
+        <p:nvPicPr>
+          <p:cNvPr id="4" name="Image 3" descr="footer.png"/>
+          <p:cNvPicPr>
+            <a:picLocks noChangeAspect="1"/>
+          </p:cNvPicPr>
+          <p:nvPr/>
+        </p:nvPicPr>
+        <p:blipFill rotWithShape="1">
+          <a:blip r:embed="rId3">
+            <a:extLst>
+              <a:ext uri="{28A0092B-C50C-407E-A947-70E740481C1C}">
+                <a14:useLocalDpi xmlns:a14="http://schemas.microsoft.com/office/drawing/2010/main" val="0"/>
+              </a:ext>
+            </a:extLst>
+          </a:blip>
+          <a:srcRect l="15122" r="18156"/>
+          <a:stretch/>
+        </p:blipFill>
+        <p:spPr>
+          <a:xfrm>
+            <a:off x="-460839" y="6122730"/>
+            <a:ext cx="10188461" cy="763492"/>
+          </a:xfrm>
+          <a:prstGeom prst="rect">
+            <a:avLst/>
+          </a:prstGeom>
+        </p:spPr>
+      </p:pic>
+      <p:sp>
+        <p:nvSpPr>
+          <p:cNvPr id="5" name="Espace réservé du numéro de diapositive 4"/>
+          <p:cNvSpPr>
+            <a:spLocks noGrp="1"/>
+          </p:cNvSpPr>
+          <p:nvPr>
+            <p:ph type="sldNum" sz="quarter" idx="12"/>
+          </p:nvPr>
+        </p:nvSpPr>
+        <p:spPr/>
+        <p:txBody>
+          <a:bodyPr/>
+          <a:lstStyle/>
+          <a:p>
+            <a:fld id="{687D7A59-36E2-48B9-B146-C1E59501F63F}" type="slidenum">
+              <a:rPr lang="en-US" b="1" smtClean="0">
+                <a:solidFill>
+                  <a:srgbClr val="FFFFFF"/>
+                </a:solidFill>
+              </a:rPr>
+              <a:pPr/>
+              <a:t>16</a:t>
+            </a:fld>
+            <a:endParaRPr lang="en-US" b="1" dirty="0">
+              <a:solidFill>
+                <a:srgbClr val="FFFFFF"/>
+              </a:solidFill>
+            </a:endParaRPr>
+          </a:p>
+        </p:txBody>
+      </p:sp>
+    </p:spTree>
+    <p:extLst>
+      <p:ext uri="{BB962C8B-B14F-4D97-AF65-F5344CB8AC3E}">
+        <p14:creationId xmlns:p14="http://schemas.microsoft.com/office/powerpoint/2010/main" val="2582069657"/>
+      </p:ext>
+    </p:extLst>
+  </p:cSld>
+  <p:clrMapOvr>
+    <a:masterClrMapping/>
+  </p:clrMapOvr>
+  <p:transition spd="slow">
+    <p:push/>
+  </p:transition>
+  <p:timing>
+    <p:tnLst>
+      <p:par>
+        <p:cTn id="1" dur="indefinite" restart="never" nodeType="tmRoot"/>
+      </p:par>
+    </p:tnLst>
+  </p:timing>
+</p:sld>
+</file>
+
+<file path=ppt/slides/slide18.xml><?xml version="1.0" encoding="utf-8"?>
+<p:sld xmlns:a="http://schemas.openxmlformats.org/drawingml/2006/main" xmlns:r="http://schemas.openxmlformats.org/officeDocument/2006/relationships" xmlns:p="http://schemas.openxmlformats.org/presentationml/2006/main">
+  <p:cSld>
+    <p:spTree>
+      <p:nvGrpSpPr>
+        <p:cNvPr id="1" name=""/>
+        <p:cNvGrpSpPr/>
+        <p:nvPr/>
+      </p:nvGrpSpPr>
+      <p:grpSpPr>
+        <a:xfrm>
+          <a:off x="0" y="0"/>
+          <a:ext cx="0" cy="0"/>
+          <a:chOff x="0" y="0"/>
+          <a:chExt cx="0" cy="0"/>
+        </a:xfrm>
+      </p:grpSpPr>
+      <p:sp>
+        <p:nvSpPr>
+          <p:cNvPr id="2" name="Titre 1"/>
+          <p:cNvSpPr>
+            <a:spLocks noGrp="1"/>
+          </p:cNvSpPr>
+          <p:nvPr>
+            <p:ph type="title"/>
+          </p:nvPr>
+        </p:nvSpPr>
+        <p:spPr/>
+        <p:txBody>
+          <a:bodyPr/>
+          <a:lstStyle/>
+          <a:p>
+            <a:r>
+              <a:rPr lang="fr-FR" sz="2400" b="1" dirty="0" smtClean="0">
+                <a:solidFill>
+                  <a:schemeClr val="tx2">
+                    <a:lumMod val="60000"/>
+                    <a:lumOff val="40000"/>
+                  </a:schemeClr>
+                </a:solidFill>
+                <a:effectLst/>
+              </a:rPr>
+              <a:t>Améliorations</a:t>
+            </a:r>
+            <a:r>
+              <a:rPr lang="fr-FR" sz="2400" b="1" dirty="0" smtClean="0">
+                <a:solidFill>
+                  <a:schemeClr val="tx2">
+                    <a:lumMod val="60000"/>
+                    <a:lumOff val="40000"/>
+                  </a:schemeClr>
+                </a:solidFill>
+                <a:effectLst/>
+              </a:rPr>
+              <a:t/>
+            </a:r>
+            <a:br>
+              <a:rPr lang="fr-FR" sz="2400" b="1" dirty="0" smtClean="0">
+                <a:solidFill>
+                  <a:schemeClr val="tx2">
+                    <a:lumMod val="60000"/>
+                    <a:lumOff val="40000"/>
+                  </a:schemeClr>
+                </a:solidFill>
+                <a:effectLst/>
+              </a:rPr>
+            </a:br>
+            <a:r>
+              <a:rPr lang="fr-FR" b="1" dirty="0" smtClean="0">
+                <a:solidFill>
+                  <a:schemeClr val="tx2">
+                    <a:lumMod val="60000"/>
+                    <a:lumOff val="40000"/>
+                  </a:schemeClr>
+                </a:solidFill>
+                <a:effectLst/>
+              </a:rPr>
+              <a:t>Sons</a:t>
+            </a:r>
+            <a:endParaRPr lang="fr-FR" b="1" dirty="0">
+              <a:solidFill>
+                <a:schemeClr val="tx2">
+                  <a:lumMod val="60000"/>
+                  <a:lumOff val="40000"/>
+                </a:schemeClr>
+              </a:solidFill>
+              <a:effectLst/>
+            </a:endParaRPr>
+          </a:p>
+        </p:txBody>
+      </p:sp>
+      <p:sp>
+        <p:nvSpPr>
+          <p:cNvPr id="3" name="Espace réservé du contenu 2"/>
+          <p:cNvSpPr>
+            <a:spLocks noGrp="1"/>
+          </p:cNvSpPr>
+          <p:nvPr>
+            <p:ph idx="1"/>
+          </p:nvPr>
+        </p:nvSpPr>
+        <p:spPr/>
+        <p:txBody>
+          <a:bodyPr/>
+          <a:lstStyle/>
+          <a:p>
+            <a:r>
+              <a:rPr lang="fr-FR" b="1" dirty="0" smtClean="0"/>
+              <a:t>2D</a:t>
+            </a:r>
+          </a:p>
+          <a:p>
+            <a:pPr marL="457200" lvl="1" indent="0">
+              <a:buNone/>
+            </a:pPr>
+            <a:r>
+              <a:rPr lang="fr-FR" sz="2000" dirty="0" smtClean="0"/>
+              <a:t>Neige</a:t>
+            </a:r>
+          </a:p>
+          <a:p>
+            <a:pPr marL="457200" lvl="1" indent="0">
+              <a:buNone/>
+            </a:pPr>
+            <a:r>
+              <a:rPr lang="fr-FR" sz="2000" dirty="0" smtClean="0"/>
+              <a:t>Murs</a:t>
+            </a:r>
+          </a:p>
+        </p:txBody>
+      </p:sp>
+      <p:pic>
+        <p:nvPicPr>
+          <p:cNvPr id="4" name="Image 3" descr="footer.png"/>
+          <p:cNvPicPr>
+            <a:picLocks noChangeAspect="1"/>
+          </p:cNvPicPr>
+          <p:nvPr/>
+        </p:nvPicPr>
+        <p:blipFill rotWithShape="1">
+          <a:blip r:embed="rId3">
+            <a:extLst>
+              <a:ext uri="{28A0092B-C50C-407E-A947-70E740481C1C}">
+                <a14:useLocalDpi xmlns:a14="http://schemas.microsoft.com/office/drawing/2010/main" val="0"/>
+              </a:ext>
+            </a:extLst>
+          </a:blip>
+          <a:srcRect l="15122" r="18156"/>
+          <a:stretch/>
+        </p:blipFill>
+        <p:spPr>
+          <a:xfrm>
+            <a:off x="-460839" y="6122730"/>
+            <a:ext cx="10188461" cy="763492"/>
+          </a:xfrm>
+          <a:prstGeom prst="rect">
+            <a:avLst/>
+          </a:prstGeom>
+        </p:spPr>
+      </p:pic>
+      <p:sp>
+        <p:nvSpPr>
+          <p:cNvPr id="5" name="Espace réservé du numéro de diapositive 4"/>
+          <p:cNvSpPr>
+            <a:spLocks noGrp="1"/>
+          </p:cNvSpPr>
+          <p:nvPr>
+            <p:ph type="sldNum" sz="quarter" idx="12"/>
+          </p:nvPr>
+        </p:nvSpPr>
+        <p:spPr/>
+        <p:txBody>
+          <a:bodyPr/>
+          <a:lstStyle/>
+          <a:p>
+            <a:fld id="{687D7A59-36E2-48B9-B146-C1E59501F63F}" type="slidenum">
+              <a:rPr lang="en-US" b="1" smtClean="0">
+                <a:solidFill>
+                  <a:srgbClr val="FFFFFF"/>
+                </a:solidFill>
+              </a:rPr>
+              <a:pPr/>
+              <a:t>17</a:t>
+            </a:fld>
+            <a:endParaRPr lang="en-US" b="1" dirty="0">
+              <a:solidFill>
+                <a:srgbClr val="FFFFFF"/>
+              </a:solidFill>
+            </a:endParaRPr>
+          </a:p>
+        </p:txBody>
+      </p:sp>
+    </p:spTree>
+    <p:extLst>
+      <p:ext uri="{BB962C8B-B14F-4D97-AF65-F5344CB8AC3E}">
+        <p14:creationId xmlns:p14="http://schemas.microsoft.com/office/powerpoint/2010/main" val="3074679242"/>
+      </p:ext>
+    </p:extLst>
+  </p:cSld>
+  <p:clrMapOvr>
+    <a:masterClrMapping/>
+  </p:clrMapOvr>
+  <p:transition spd="slow">
+    <p:push/>
+  </p:transition>
+  <p:timing>
+    <p:tnLst>
+      <p:par>
+        <p:cTn id="1" dur="indefinite" restart="never" nodeType="tmRoot"/>
+      </p:par>
+    </p:tnLst>
+  </p:timing>
+</p:sld>
+</file>
+
+<file path=ppt/slides/slide19.xml><?xml version="1.0" encoding="utf-8"?>
+<p:sld xmlns:a="http://schemas.openxmlformats.org/drawingml/2006/main" xmlns:r="http://schemas.openxmlformats.org/officeDocument/2006/relationships" xmlns:p="http://schemas.openxmlformats.org/presentationml/2006/main">
+  <p:cSld>
+    <p:spTree>
+      <p:nvGrpSpPr>
+        <p:cNvPr id="1" name=""/>
+        <p:cNvGrpSpPr/>
+        <p:nvPr/>
+      </p:nvGrpSpPr>
+      <p:grpSpPr>
+        <a:xfrm>
+          <a:off x="0" y="0"/>
+          <a:ext cx="0" cy="0"/>
+          <a:chOff x="0" y="0"/>
+          <a:chExt cx="0" cy="0"/>
+        </a:xfrm>
+      </p:grpSpPr>
+      <p:sp>
+        <p:nvSpPr>
+          <p:cNvPr id="2" name="Titre 1"/>
+          <p:cNvSpPr>
+            <a:spLocks noGrp="1"/>
+          </p:cNvSpPr>
+          <p:nvPr>
+            <p:ph type="title"/>
+          </p:nvPr>
+        </p:nvSpPr>
+        <p:spPr/>
+        <p:txBody>
+          <a:bodyPr/>
+          <a:lstStyle/>
+          <a:p>
+            <a:r>
+              <a:rPr lang="fr-FR" sz="2400" b="1" dirty="0" smtClean="0">
+                <a:solidFill>
+                  <a:schemeClr val="tx2">
+                    <a:lumMod val="60000"/>
+                    <a:lumOff val="40000"/>
+                  </a:schemeClr>
+                </a:solidFill>
+                <a:effectLst/>
+              </a:rPr>
+              <a:t>Améliorations</a:t>
+            </a:r>
+            <a:r>
+              <a:rPr lang="fr-FR" sz="2400" b="1" dirty="0" smtClean="0">
+                <a:solidFill>
+                  <a:schemeClr val="tx2">
+                    <a:lumMod val="60000"/>
+                    <a:lumOff val="40000"/>
+                  </a:schemeClr>
+                </a:solidFill>
+                <a:effectLst/>
+              </a:rPr>
+              <a:t/>
+            </a:r>
+            <a:br>
+              <a:rPr lang="fr-FR" sz="2400" b="1" dirty="0" smtClean="0">
+                <a:solidFill>
+                  <a:schemeClr val="tx2">
+                    <a:lumMod val="60000"/>
+                    <a:lumOff val="40000"/>
+                  </a:schemeClr>
+                </a:solidFill>
+                <a:effectLst/>
+              </a:rPr>
+            </a:br>
+            <a:r>
+              <a:rPr lang="fr-FR" b="1" dirty="0" smtClean="0">
+                <a:solidFill>
+                  <a:schemeClr val="tx2">
+                    <a:lumMod val="60000"/>
+                    <a:lumOff val="40000"/>
+                  </a:schemeClr>
+                </a:solidFill>
+                <a:effectLst/>
+              </a:rPr>
+              <a:t>Boss</a:t>
+            </a:r>
+            <a:endParaRPr lang="fr-FR" b="1" dirty="0">
+              <a:solidFill>
+                <a:schemeClr val="tx2">
+                  <a:lumMod val="60000"/>
+                  <a:lumOff val="40000"/>
+                </a:schemeClr>
+              </a:solidFill>
+              <a:effectLst/>
+            </a:endParaRPr>
+          </a:p>
+        </p:txBody>
+      </p:sp>
+      <p:sp>
+        <p:nvSpPr>
+          <p:cNvPr id="3" name="Espace réservé du contenu 2"/>
+          <p:cNvSpPr>
+            <a:spLocks noGrp="1"/>
+          </p:cNvSpPr>
+          <p:nvPr>
+            <p:ph idx="1"/>
+          </p:nvPr>
+        </p:nvSpPr>
+        <p:spPr/>
+        <p:txBody>
+          <a:bodyPr/>
+          <a:lstStyle/>
+          <a:p>
+            <a:r>
+              <a:rPr lang="fr-FR" b="1" dirty="0" smtClean="0"/>
+              <a:t>2D</a:t>
+            </a:r>
+          </a:p>
+          <a:p>
+            <a:pPr marL="457200" lvl="1" indent="0">
+              <a:buNone/>
+            </a:pPr>
+            <a:r>
+              <a:rPr lang="fr-FR" sz="2000" dirty="0" smtClean="0"/>
+              <a:t>Neige</a:t>
+            </a:r>
+          </a:p>
+          <a:p>
+            <a:pPr marL="457200" lvl="1" indent="0">
+              <a:buNone/>
+            </a:pPr>
+            <a:r>
+              <a:rPr lang="fr-FR" sz="2000" dirty="0" smtClean="0"/>
+              <a:t>Murs</a:t>
+            </a:r>
+          </a:p>
+        </p:txBody>
+      </p:sp>
+      <p:pic>
+        <p:nvPicPr>
+          <p:cNvPr id="4" name="Image 3" descr="footer.png"/>
+          <p:cNvPicPr>
+            <a:picLocks noChangeAspect="1"/>
+          </p:cNvPicPr>
+          <p:nvPr/>
+        </p:nvPicPr>
+        <p:blipFill rotWithShape="1">
+          <a:blip r:embed="rId3">
+            <a:extLst>
+              <a:ext uri="{28A0092B-C50C-407E-A947-70E740481C1C}">
+                <a14:useLocalDpi xmlns:a14="http://schemas.microsoft.com/office/drawing/2010/main" val="0"/>
+              </a:ext>
+            </a:extLst>
+          </a:blip>
+          <a:srcRect l="15122" r="18156"/>
+          <a:stretch/>
+        </p:blipFill>
+        <p:spPr>
+          <a:xfrm>
+            <a:off x="-460839" y="6122730"/>
+            <a:ext cx="10188461" cy="763492"/>
+          </a:xfrm>
+          <a:prstGeom prst="rect">
+            <a:avLst/>
+          </a:prstGeom>
+        </p:spPr>
+      </p:pic>
+      <p:sp>
+        <p:nvSpPr>
+          <p:cNvPr id="5" name="Espace réservé du numéro de diapositive 4"/>
+          <p:cNvSpPr>
+            <a:spLocks noGrp="1"/>
+          </p:cNvSpPr>
+          <p:nvPr>
+            <p:ph type="sldNum" sz="quarter" idx="12"/>
+          </p:nvPr>
+        </p:nvSpPr>
+        <p:spPr/>
+        <p:txBody>
+          <a:bodyPr/>
+          <a:lstStyle/>
+          <a:p>
+            <a:fld id="{687D7A59-36E2-48B9-B146-C1E59501F63F}" type="slidenum">
+              <a:rPr lang="en-US" b="1" smtClean="0">
+                <a:solidFill>
+                  <a:srgbClr val="FFFFFF"/>
+                </a:solidFill>
+              </a:rPr>
+              <a:pPr/>
+              <a:t>18</a:t>
+            </a:fld>
+            <a:endParaRPr lang="en-US" b="1" dirty="0">
+              <a:solidFill>
+                <a:srgbClr val="FFFFFF"/>
+              </a:solidFill>
+            </a:endParaRPr>
+          </a:p>
+        </p:txBody>
+      </p:sp>
+    </p:spTree>
+    <p:extLst>
+      <p:ext uri="{BB962C8B-B14F-4D97-AF65-F5344CB8AC3E}">
+        <p14:creationId xmlns:p14="http://schemas.microsoft.com/office/powerpoint/2010/main" val="2072246012"/>
+      </p:ext>
+    </p:extLst>
+  </p:cSld>
+  <p:clrMapOvr>
+    <a:masterClrMapping/>
+  </p:clrMapOvr>
+  <p:transition spd="slow">
+    <p:push/>
+  </p:transition>
+  <p:timing>
+    <p:tnLst>
+      <p:par>
+        <p:cTn id="1" dur="indefinite" restart="never" nodeType="tmRoot"/>
+      </p:par>
+    </p:tnLst>
+  </p:timing>
+</p:sld>
+</file>
+
+<file path=ppt/slides/slide2.xml><?xml version="1.0" encoding="utf-8"?>
+<p:sld xmlns:a="http://schemas.openxmlformats.org/drawingml/2006/main" xmlns:r="http://schemas.openxmlformats.org/officeDocument/2006/relationships" xmlns:p="http://schemas.openxmlformats.org/presentationml/2006/main">
+  <p:cSld>
+    <p:spTree>
+      <p:nvGrpSpPr>
+        <p:cNvPr id="1" name=""/>
+        <p:cNvGrpSpPr/>
+        <p:nvPr/>
+      </p:nvGrpSpPr>
+      <p:grpSpPr>
+        <a:xfrm>
+          <a:off x="0" y="0"/>
+          <a:ext cx="0" cy="0"/>
+          <a:chOff x="0" y="0"/>
+          <a:chExt cx="0" cy="0"/>
+        </a:xfrm>
+      </p:grpSpPr>
+      <p:pic>
+        <p:nvPicPr>
+          <p:cNvPr id="7" name="Image 6" descr="Logo_BananaRocket.png"/>
+          <p:cNvPicPr>
+            <a:picLocks noChangeAspect="1"/>
+          </p:cNvPicPr>
+          <p:nvPr/>
+        </p:nvPicPr>
+        <p:blipFill>
+          <a:blip r:embed="rId3" cstate="email">
+            <a:extLst>
+              <a:ext uri="{28A0092B-C50C-407E-A947-70E740481C1C}">
+                <a14:useLocalDpi xmlns:a14="http://schemas.microsoft.com/office/drawing/2010/main" val="0"/>
+              </a:ext>
+            </a:extLst>
+          </a:blip>
+          <a:stretch>
+            <a:fillRect/>
+          </a:stretch>
+        </p:blipFill>
+        <p:spPr>
+          <a:xfrm>
+            <a:off x="1433687" y="1157298"/>
+            <a:ext cx="6172200" cy="2939143"/>
+          </a:xfrm>
+          <a:prstGeom prst="rect">
+            <a:avLst/>
+          </a:prstGeom>
+        </p:spPr>
+      </p:pic>
+      <p:sp>
+        <p:nvSpPr>
+          <p:cNvPr id="8" name="ZoneTexte 7"/>
+          <p:cNvSpPr txBox="1"/>
+          <p:nvPr/>
+        </p:nvSpPr>
+        <p:spPr>
+          <a:xfrm>
+            <a:off x="2980028" y="3910167"/>
+            <a:ext cx="3091599" cy="1508105"/>
+          </a:xfrm>
+          <a:prstGeom prst="rect">
+            <a:avLst/>
+          </a:prstGeom>
+          <a:noFill/>
+        </p:spPr>
+        <p:txBody>
+          <a:bodyPr wrap="none" rtlCol="0">
+            <a:spAutoFit/>
+          </a:bodyPr>
+          <a:lstStyle/>
+          <a:p>
+            <a:pPr algn="ctr"/>
+            <a:r>
+              <a:rPr lang="fr-FR" dirty="0" smtClean="0">
+                <a:solidFill>
+                  <a:srgbClr val="C50000"/>
+                </a:solidFill>
+              </a:rPr>
+              <a:t>Margaux </a:t>
+            </a:r>
+            <a:r>
+              <a:rPr lang="fr-FR" dirty="0" err="1" smtClean="0">
+                <a:solidFill>
+                  <a:srgbClr val="C50000"/>
+                </a:solidFill>
+              </a:rPr>
+              <a:t>Divernois</a:t>
+            </a:r>
+            <a:endParaRPr lang="fr-FR" dirty="0" smtClean="0">
+              <a:solidFill>
+                <a:srgbClr val="C50000"/>
+              </a:solidFill>
+            </a:endParaRPr>
+          </a:p>
+          <a:p>
+            <a:pPr algn="ctr"/>
+            <a:r>
+              <a:rPr lang="fr-FR" dirty="0" smtClean="0">
+                <a:solidFill>
+                  <a:srgbClr val="C50000"/>
+                </a:solidFill>
+              </a:rPr>
+              <a:t>Romain </a:t>
+            </a:r>
+            <a:r>
+              <a:rPr lang="fr-FR" dirty="0" err="1" smtClean="0">
+                <a:solidFill>
+                  <a:srgbClr val="C50000"/>
+                </a:solidFill>
+              </a:rPr>
+              <a:t>Claret-Yakovenko</a:t>
+            </a:r>
+            <a:endParaRPr lang="fr-FR" dirty="0" smtClean="0">
+              <a:solidFill>
+                <a:srgbClr val="C50000"/>
+              </a:solidFill>
+            </a:endParaRPr>
+          </a:p>
+          <a:p>
+            <a:pPr algn="ctr"/>
+            <a:r>
+              <a:rPr lang="fr-FR" dirty="0" smtClean="0">
+                <a:solidFill>
+                  <a:srgbClr val="C50000"/>
+                </a:solidFill>
+              </a:rPr>
+              <a:t>Steve Visinand</a:t>
+            </a:r>
+            <a:endParaRPr lang="fr-FR" sz="1200" dirty="0">
+              <a:solidFill>
+                <a:srgbClr val="C50000"/>
+              </a:solidFill>
+            </a:endParaRPr>
+          </a:p>
+          <a:p>
+            <a:pPr algn="ctr"/>
+            <a:endParaRPr lang="fr-FR" sz="1200" dirty="0" smtClean="0">
+              <a:solidFill>
+                <a:srgbClr val="C50000"/>
+              </a:solidFill>
+            </a:endParaRPr>
+          </a:p>
+          <a:p>
+            <a:pPr algn="ctr"/>
+            <a:endParaRPr lang="fr-FR" sz="500" dirty="0">
+              <a:solidFill>
+                <a:srgbClr val="C50000"/>
+              </a:solidFill>
+            </a:endParaRPr>
+          </a:p>
+          <a:p>
+            <a:pPr algn="ctr"/>
+            <a:r>
+              <a:rPr lang="fr-CH" dirty="0" smtClean="0">
+                <a:solidFill>
+                  <a:srgbClr val="C50000"/>
+                </a:solidFill>
+              </a:rPr>
+              <a:t>04.09.15</a:t>
+            </a:r>
+            <a:endParaRPr lang="fr-FR" dirty="0" smtClean="0">
+              <a:solidFill>
+                <a:srgbClr val="C50000"/>
+              </a:solidFill>
+            </a:endParaRPr>
+          </a:p>
+        </p:txBody>
+      </p:sp>
+      <p:pic>
+        <p:nvPicPr>
+          <p:cNvPr id="10" name="Image 9" descr="footer.png"/>
+          <p:cNvPicPr>
+            <a:picLocks noChangeAspect="1"/>
+          </p:cNvPicPr>
+          <p:nvPr/>
+        </p:nvPicPr>
+        <p:blipFill rotWithShape="1">
+          <a:blip r:embed="rId4">
+            <a:extLst>
+              <a:ext uri="{28A0092B-C50C-407E-A947-70E740481C1C}">
+                <a14:useLocalDpi xmlns:a14="http://schemas.microsoft.com/office/drawing/2010/main" val="0"/>
+              </a:ext>
+            </a:extLst>
+          </a:blip>
+          <a:srcRect l="15122" r="18156"/>
+          <a:stretch/>
+        </p:blipFill>
+        <p:spPr>
+          <a:xfrm>
+            <a:off x="-460839" y="6122730"/>
+            <a:ext cx="10188461" cy="763492"/>
+          </a:xfrm>
+          <a:prstGeom prst="rect">
+            <a:avLst/>
+          </a:prstGeom>
+        </p:spPr>
+      </p:pic>
+      <p:sp>
+        <p:nvSpPr>
+          <p:cNvPr id="11" name="Espace réservé du numéro de diapositive 10"/>
+          <p:cNvSpPr>
+            <a:spLocks noGrp="1"/>
+          </p:cNvSpPr>
+          <p:nvPr>
+            <p:ph type="sldNum" sz="quarter" idx="12"/>
+          </p:nvPr>
+        </p:nvSpPr>
+        <p:spPr/>
+        <p:txBody>
+          <a:bodyPr/>
+          <a:lstStyle/>
+          <a:p>
+            <a:fld id="{687D7A59-36E2-48B9-B146-C1E59501F63F}" type="slidenum">
+              <a:rPr lang="en-US" b="1" smtClean="0">
+                <a:solidFill>
+                  <a:srgbClr val="FFFFFF"/>
+                </a:solidFill>
+              </a:rPr>
+              <a:pPr/>
+              <a:t>1</a:t>
+            </a:fld>
+            <a:endParaRPr lang="en-US" b="1" dirty="0">
+              <a:solidFill>
+                <a:srgbClr val="FFFFFF"/>
+              </a:solidFill>
+            </a:endParaRPr>
+          </a:p>
+        </p:txBody>
+      </p:sp>
+      <p:sp>
+        <p:nvSpPr>
+          <p:cNvPr id="13" name="ZoneTexte 12"/>
+          <p:cNvSpPr txBox="1"/>
+          <p:nvPr/>
+        </p:nvSpPr>
+        <p:spPr>
+          <a:xfrm>
+            <a:off x="3719375" y="873255"/>
+            <a:ext cx="1583524" cy="369332"/>
+          </a:xfrm>
+          <a:prstGeom prst="rect">
+            <a:avLst/>
+          </a:prstGeom>
+          <a:noFill/>
+        </p:spPr>
+        <p:txBody>
+          <a:bodyPr wrap="none" rtlCol="0">
+            <a:spAutoFit/>
+          </a:bodyPr>
+          <a:lstStyle/>
+          <a:p>
+            <a:pPr algn="ctr"/>
+            <a:r>
+              <a:rPr lang="fr-FR" b="1" dirty="0" smtClean="0">
+                <a:solidFill>
+                  <a:srgbClr val="EECF1A"/>
+                </a:solidFill>
+              </a:rPr>
+              <a:t>Présenté par</a:t>
+            </a:r>
+          </a:p>
+        </p:txBody>
+      </p:sp>
+      <p:pic>
+        <p:nvPicPr>
+          <p:cNvPr id="2" name="Image 1"/>
+          <p:cNvPicPr>
+            <a:picLocks noChangeAspect="1"/>
+          </p:cNvPicPr>
+          <p:nvPr/>
+        </p:nvPicPr>
+        <p:blipFill>
+          <a:blip r:embed="rId5"/>
+          <a:stretch>
+            <a:fillRect/>
+          </a:stretch>
+        </p:blipFill>
+        <p:spPr>
+          <a:xfrm>
+            <a:off x="3124051" y="5535422"/>
+            <a:ext cx="3091599" cy="441840"/>
+          </a:xfrm>
+          <a:prstGeom prst="rect">
+            <a:avLst/>
+          </a:prstGeom>
+        </p:spPr>
+      </p:pic>
+    </p:spTree>
+    <p:extLst>
+      <p:ext uri="{BB962C8B-B14F-4D97-AF65-F5344CB8AC3E}">
+        <p14:creationId xmlns:p14="http://schemas.microsoft.com/office/powerpoint/2010/main" val="1579752493"/>
+      </p:ext>
+    </p:extLst>
+  </p:cSld>
+  <p:clrMapOvr>
+    <a:masterClrMapping/>
+  </p:clrMapOvr>
+  <p:transition spd="slow">
+    <p:push/>
+  </p:transition>
+  <p:timing>
+    <p:tnLst>
+      <p:par>
+        <p:cTn id="1" dur="indefinite" restart="never" nodeType="tmRoot"/>
+      </p:par>
+    </p:tnLst>
+  </p:timing>
+</p:sld>
+</file>
+
+<file path=ppt/slides/slide20.xml><?xml version="1.0" encoding="utf-8"?>
+<p:sld xmlns:a="http://schemas.openxmlformats.org/drawingml/2006/main" xmlns:r="http://schemas.openxmlformats.org/officeDocument/2006/relationships" xmlns:p="http://schemas.openxmlformats.org/presentationml/2006/main">
+  <p:cSld>
+    <p:spTree>
+      <p:nvGrpSpPr>
+        <p:cNvPr id="1" name=""/>
+        <p:cNvGrpSpPr/>
+        <p:nvPr/>
+      </p:nvGrpSpPr>
+      <p:grpSpPr>
+        <a:xfrm>
+          <a:off x="0" y="0"/>
+          <a:ext cx="0" cy="0"/>
+          <a:chOff x="0" y="0"/>
+          <a:chExt cx="0" cy="0"/>
+        </a:xfrm>
+      </p:grpSpPr>
+      <p:sp>
+        <p:nvSpPr>
+          <p:cNvPr id="2" name="Titre 1"/>
+          <p:cNvSpPr>
+            <a:spLocks noGrp="1"/>
+          </p:cNvSpPr>
+          <p:nvPr>
+            <p:ph type="title"/>
+          </p:nvPr>
+        </p:nvSpPr>
+        <p:spPr/>
+        <p:txBody>
+          <a:bodyPr/>
+          <a:lstStyle/>
+          <a:p>
+            <a:r>
+              <a:rPr lang="fr-FR" sz="2400" b="1" dirty="0" smtClean="0">
+                <a:solidFill>
+                  <a:schemeClr val="tx2">
+                    <a:lumMod val="60000"/>
+                    <a:lumOff val="40000"/>
+                  </a:schemeClr>
+                </a:solidFill>
+                <a:effectLst/>
+              </a:rPr>
+              <a:t>Améliorations</a:t>
+            </a:r>
+            <a:r>
+              <a:rPr lang="fr-FR" sz="2400" b="1" dirty="0" smtClean="0">
+                <a:solidFill>
+                  <a:schemeClr val="tx2">
+                    <a:lumMod val="60000"/>
+                    <a:lumOff val="40000"/>
+                  </a:schemeClr>
+                </a:solidFill>
+                <a:effectLst/>
+              </a:rPr>
+              <a:t/>
+            </a:r>
+            <a:br>
+              <a:rPr lang="fr-FR" sz="2400" b="1" dirty="0" smtClean="0">
+                <a:solidFill>
+                  <a:schemeClr val="tx2">
+                    <a:lumMod val="60000"/>
+                    <a:lumOff val="40000"/>
+                  </a:schemeClr>
+                </a:solidFill>
+                <a:effectLst/>
+              </a:rPr>
+            </a:br>
+            <a:r>
+              <a:rPr lang="fr-FR" b="1" dirty="0" smtClean="0">
+                <a:solidFill>
+                  <a:schemeClr val="tx2">
+                    <a:lumMod val="60000"/>
+                    <a:lumOff val="40000"/>
+                  </a:schemeClr>
+                </a:solidFill>
+                <a:effectLst/>
+              </a:rPr>
+              <a:t>Niveaux</a:t>
+            </a:r>
+            <a:endParaRPr lang="fr-FR" b="1" dirty="0">
+              <a:solidFill>
+                <a:schemeClr val="tx2">
+                  <a:lumMod val="60000"/>
+                  <a:lumOff val="40000"/>
+                </a:schemeClr>
+              </a:solidFill>
+              <a:effectLst/>
+            </a:endParaRPr>
+          </a:p>
+        </p:txBody>
+      </p:sp>
+      <p:sp>
+        <p:nvSpPr>
+          <p:cNvPr id="3" name="Espace réservé du contenu 2"/>
+          <p:cNvSpPr>
+            <a:spLocks noGrp="1"/>
+          </p:cNvSpPr>
+          <p:nvPr>
+            <p:ph idx="1"/>
+          </p:nvPr>
+        </p:nvSpPr>
+        <p:spPr/>
+        <p:txBody>
+          <a:bodyPr/>
+          <a:lstStyle/>
+          <a:p>
+            <a:r>
+              <a:rPr lang="fr-FR" b="1" dirty="0" smtClean="0"/>
+              <a:t>2D</a:t>
+            </a:r>
+          </a:p>
+          <a:p>
+            <a:pPr marL="457200" lvl="1" indent="0">
+              <a:buNone/>
+            </a:pPr>
+            <a:r>
+              <a:rPr lang="fr-FR" sz="2000" dirty="0" smtClean="0"/>
+              <a:t>Neige</a:t>
+            </a:r>
+          </a:p>
+          <a:p>
+            <a:pPr marL="457200" lvl="1" indent="0">
+              <a:buNone/>
+            </a:pPr>
+            <a:r>
+              <a:rPr lang="fr-FR" sz="2000" dirty="0" smtClean="0"/>
+              <a:t>Murs</a:t>
+            </a:r>
+          </a:p>
+        </p:txBody>
+      </p:sp>
+      <p:pic>
+        <p:nvPicPr>
+          <p:cNvPr id="4" name="Image 3" descr="footer.png"/>
+          <p:cNvPicPr>
+            <a:picLocks noChangeAspect="1"/>
+          </p:cNvPicPr>
+          <p:nvPr/>
+        </p:nvPicPr>
+        <p:blipFill rotWithShape="1">
+          <a:blip r:embed="rId3">
+            <a:extLst>
+              <a:ext uri="{28A0092B-C50C-407E-A947-70E740481C1C}">
+                <a14:useLocalDpi xmlns:a14="http://schemas.microsoft.com/office/drawing/2010/main" val="0"/>
+              </a:ext>
+            </a:extLst>
+          </a:blip>
+          <a:srcRect l="15122" r="18156"/>
+          <a:stretch/>
+        </p:blipFill>
+        <p:spPr>
+          <a:xfrm>
+            <a:off x="-460839" y="6122730"/>
+            <a:ext cx="10188461" cy="763492"/>
+          </a:xfrm>
+          <a:prstGeom prst="rect">
+            <a:avLst/>
+          </a:prstGeom>
+        </p:spPr>
+      </p:pic>
+      <p:sp>
+        <p:nvSpPr>
+          <p:cNvPr id="5" name="Espace réservé du numéro de diapositive 4"/>
+          <p:cNvSpPr>
+            <a:spLocks noGrp="1"/>
+          </p:cNvSpPr>
+          <p:nvPr>
+            <p:ph type="sldNum" sz="quarter" idx="12"/>
+          </p:nvPr>
+        </p:nvSpPr>
+        <p:spPr/>
+        <p:txBody>
+          <a:bodyPr/>
+          <a:lstStyle/>
+          <a:p>
+            <a:fld id="{687D7A59-36E2-48B9-B146-C1E59501F63F}" type="slidenum">
+              <a:rPr lang="en-US" b="1" smtClean="0">
+                <a:solidFill>
+                  <a:srgbClr val="FFFFFF"/>
+                </a:solidFill>
+              </a:rPr>
+              <a:pPr/>
+              <a:t>19</a:t>
+            </a:fld>
+            <a:endParaRPr lang="en-US" b="1" dirty="0">
+              <a:solidFill>
+                <a:srgbClr val="FFFFFF"/>
+              </a:solidFill>
+            </a:endParaRPr>
+          </a:p>
+        </p:txBody>
+      </p:sp>
+    </p:spTree>
+    <p:extLst>
+      <p:ext uri="{BB962C8B-B14F-4D97-AF65-F5344CB8AC3E}">
+        <p14:creationId xmlns:p14="http://schemas.microsoft.com/office/powerpoint/2010/main" val="3048448693"/>
+      </p:ext>
+    </p:extLst>
+  </p:cSld>
+  <p:clrMapOvr>
+    <a:masterClrMapping/>
+  </p:clrMapOvr>
+  <p:transition spd="slow">
+    <p:push/>
+  </p:transition>
+  <p:timing>
+    <p:tnLst>
+      <p:par>
+        <p:cTn id="1" dur="indefinite" restart="never" nodeType="tmRoot"/>
+      </p:par>
+    </p:tnLst>
+  </p:timing>
+</p:sld>
+</file>
+
+<file path=ppt/slides/slide21.xml><?xml version="1.0" encoding="utf-8"?>
+<p:sld xmlns:a="http://schemas.openxmlformats.org/drawingml/2006/main" xmlns:r="http://schemas.openxmlformats.org/officeDocument/2006/relationships" xmlns:p="http://schemas.openxmlformats.org/presentationml/2006/main">
+  <p:cSld>
+    <p:spTree>
+      <p:nvGrpSpPr>
+        <p:cNvPr id="1" name=""/>
+        <p:cNvGrpSpPr/>
+        <p:nvPr/>
+      </p:nvGrpSpPr>
+      <p:grpSpPr>
+        <a:xfrm>
+          <a:off x="0" y="0"/>
+          <a:ext cx="0" cy="0"/>
+          <a:chOff x="0" y="0"/>
+          <a:chExt cx="0" cy="0"/>
+        </a:xfrm>
+      </p:grpSpPr>
+      <p:sp>
+        <p:nvSpPr>
+          <p:cNvPr id="2" name="Titre 1"/>
+          <p:cNvSpPr>
+            <a:spLocks noGrp="1"/>
+          </p:cNvSpPr>
+          <p:nvPr>
+            <p:ph type="title"/>
+          </p:nvPr>
+        </p:nvSpPr>
+        <p:spPr/>
+        <p:txBody>
+          <a:bodyPr/>
+          <a:lstStyle/>
+          <a:p>
+            <a:r>
+              <a:rPr lang="fr-FR" sz="2400" b="1" dirty="0" smtClean="0">
+                <a:solidFill>
+                  <a:schemeClr val="tx2">
+                    <a:lumMod val="60000"/>
+                    <a:lumOff val="40000"/>
+                  </a:schemeClr>
+                </a:solidFill>
+                <a:effectLst/>
+              </a:rPr>
+              <a:t>Améliorations</a:t>
+            </a:r>
+            <a:r>
+              <a:rPr lang="fr-FR" sz="2400" b="1" dirty="0" smtClean="0">
+                <a:solidFill>
+                  <a:schemeClr val="tx2">
+                    <a:lumMod val="60000"/>
+                    <a:lumOff val="40000"/>
+                  </a:schemeClr>
+                </a:solidFill>
+                <a:effectLst/>
+              </a:rPr>
+              <a:t/>
+            </a:r>
+            <a:br>
+              <a:rPr lang="fr-FR" sz="2400" b="1" dirty="0" smtClean="0">
+                <a:solidFill>
+                  <a:schemeClr val="tx2">
+                    <a:lumMod val="60000"/>
+                    <a:lumOff val="40000"/>
+                  </a:schemeClr>
+                </a:solidFill>
+                <a:effectLst/>
+              </a:rPr>
+            </a:br>
+            <a:r>
+              <a:rPr lang="fr-FR" b="1" dirty="0" smtClean="0">
+                <a:solidFill>
+                  <a:schemeClr val="tx2">
+                    <a:lumMod val="60000"/>
+                    <a:lumOff val="40000"/>
+                  </a:schemeClr>
+                </a:solidFill>
+                <a:effectLst/>
+              </a:rPr>
+              <a:t>Surfaces</a:t>
+            </a:r>
+            <a:endParaRPr lang="fr-FR" b="1" dirty="0">
+              <a:solidFill>
+                <a:schemeClr val="tx2">
+                  <a:lumMod val="60000"/>
+                  <a:lumOff val="40000"/>
+                </a:schemeClr>
+              </a:solidFill>
+              <a:effectLst/>
+            </a:endParaRPr>
+          </a:p>
+        </p:txBody>
+      </p:sp>
+      <p:sp>
+        <p:nvSpPr>
+          <p:cNvPr id="3" name="Espace réservé du contenu 2"/>
+          <p:cNvSpPr>
+            <a:spLocks noGrp="1"/>
+          </p:cNvSpPr>
+          <p:nvPr>
+            <p:ph idx="1"/>
+          </p:nvPr>
+        </p:nvSpPr>
+        <p:spPr/>
+        <p:txBody>
+          <a:bodyPr/>
+          <a:lstStyle/>
+          <a:p>
+            <a:r>
+              <a:rPr lang="fr-FR" b="1" dirty="0" smtClean="0"/>
+              <a:t>2D</a:t>
+            </a:r>
+          </a:p>
+          <a:p>
+            <a:pPr marL="457200" lvl="1" indent="0">
+              <a:buNone/>
+            </a:pPr>
+            <a:r>
+              <a:rPr lang="fr-FR" sz="2000" dirty="0" smtClean="0"/>
+              <a:t>Neige</a:t>
+            </a:r>
+          </a:p>
+          <a:p>
+            <a:pPr marL="457200" lvl="1" indent="0">
+              <a:buNone/>
+            </a:pPr>
+            <a:r>
+              <a:rPr lang="fr-FR" sz="2000" dirty="0" smtClean="0"/>
+              <a:t>Murs</a:t>
+            </a:r>
+          </a:p>
+        </p:txBody>
+      </p:sp>
+      <p:pic>
+        <p:nvPicPr>
+          <p:cNvPr id="4" name="Image 3" descr="footer.png"/>
+          <p:cNvPicPr>
+            <a:picLocks noChangeAspect="1"/>
+          </p:cNvPicPr>
+          <p:nvPr/>
+        </p:nvPicPr>
+        <p:blipFill rotWithShape="1">
+          <a:blip r:embed="rId3">
+            <a:extLst>
+              <a:ext uri="{28A0092B-C50C-407E-A947-70E740481C1C}">
+                <a14:useLocalDpi xmlns:a14="http://schemas.microsoft.com/office/drawing/2010/main" val="0"/>
+              </a:ext>
+            </a:extLst>
+          </a:blip>
+          <a:srcRect l="15122" r="18156"/>
+          <a:stretch/>
+        </p:blipFill>
+        <p:spPr>
+          <a:xfrm>
+            <a:off x="-460839" y="6122730"/>
+            <a:ext cx="10188461" cy="763492"/>
+          </a:xfrm>
+          <a:prstGeom prst="rect">
+            <a:avLst/>
+          </a:prstGeom>
+        </p:spPr>
+      </p:pic>
+      <p:sp>
+        <p:nvSpPr>
+          <p:cNvPr id="5" name="Espace réservé du numéro de diapositive 4"/>
+          <p:cNvSpPr>
+            <a:spLocks noGrp="1"/>
+          </p:cNvSpPr>
+          <p:nvPr>
+            <p:ph type="sldNum" sz="quarter" idx="12"/>
+          </p:nvPr>
+        </p:nvSpPr>
+        <p:spPr/>
+        <p:txBody>
+          <a:bodyPr/>
+          <a:lstStyle/>
+          <a:p>
+            <a:fld id="{687D7A59-36E2-48B9-B146-C1E59501F63F}" type="slidenum">
+              <a:rPr lang="en-US" b="1" smtClean="0">
+                <a:solidFill>
+                  <a:srgbClr val="FFFFFF"/>
+                </a:solidFill>
+              </a:rPr>
+              <a:pPr/>
+              <a:t>20</a:t>
+            </a:fld>
+            <a:endParaRPr lang="en-US" b="1" dirty="0">
+              <a:solidFill>
+                <a:srgbClr val="FFFFFF"/>
+              </a:solidFill>
+            </a:endParaRPr>
+          </a:p>
+        </p:txBody>
+      </p:sp>
+    </p:spTree>
+    <p:extLst>
+      <p:ext uri="{BB962C8B-B14F-4D97-AF65-F5344CB8AC3E}">
+        <p14:creationId xmlns:p14="http://schemas.microsoft.com/office/powerpoint/2010/main" val="2503401577"/>
+      </p:ext>
+    </p:extLst>
+  </p:cSld>
+  <p:clrMapOvr>
+    <a:masterClrMapping/>
+  </p:clrMapOvr>
+  <p:transition spd="slow">
+    <p:push/>
+  </p:transition>
+  <p:timing>
+    <p:tnLst>
+      <p:par>
+        <p:cTn id="1" dur="indefinite" restart="never" nodeType="tmRoot"/>
+      </p:par>
+    </p:tnLst>
+  </p:timing>
+</p:sld>
+</file>
+
+<file path=ppt/slides/slide22.xml><?xml version="1.0" encoding="utf-8"?>
+<p:sld xmlns:a="http://schemas.openxmlformats.org/drawingml/2006/main" xmlns:r="http://schemas.openxmlformats.org/officeDocument/2006/relationships" xmlns:p="http://schemas.openxmlformats.org/presentationml/2006/main">
+  <p:cSld>
+    <p:spTree>
+      <p:nvGrpSpPr>
+        <p:cNvPr id="1" name=""/>
+        <p:cNvGrpSpPr/>
+        <p:nvPr/>
+      </p:nvGrpSpPr>
+      <p:grpSpPr>
+        <a:xfrm>
+          <a:off x="0" y="0"/>
+          <a:ext cx="0" cy="0"/>
+          <a:chOff x="0" y="0"/>
+          <a:chExt cx="0" cy="0"/>
+        </a:xfrm>
+      </p:grpSpPr>
       <p:pic>
         <p:nvPicPr>
           <p:cNvPr id="11" name="Image 10" descr="footer.png"/>
@@ -7138,7 +9259,7 @@
                 </a:solidFill>
               </a:rPr>
               <a:pPr/>
-              <a:t>9</a:t>
+              <a:t>21</a:t>
             </a:fld>
             <a:endParaRPr lang="en-US" b="1" dirty="0">
               <a:solidFill>
@@ -7302,7 +9423,7 @@
                 </a:solidFill>
               </a:rPr>
               <a:pPr/>
-              <a:t>9</a:t>
+              <a:t>21</a:t>
             </a:fld>
             <a:endParaRPr lang="en-US" b="1" dirty="0">
               <a:solidFill>
@@ -7389,7 +9510,7 @@
 </p:sld>
 </file>
 
-<file path=ppt/slides/slide11.xml><?xml version="1.0" encoding="utf-8"?>
+<file path=ppt/slides/slide23.xml><?xml version="1.0" encoding="utf-8"?>
 <p:sld xmlns:a="http://schemas.openxmlformats.org/drawingml/2006/main" xmlns:r="http://schemas.openxmlformats.org/officeDocument/2006/relationships" xmlns:p="http://schemas.openxmlformats.org/presentationml/2006/main">
   <p:cSld>
     <p:spTree>
@@ -7602,7 +9723,7 @@
                 </a:solidFill>
               </a:rPr>
               <a:pPr/>
-              <a:t>10</a:t>
+              <a:t>22</a:t>
             </a:fld>
             <a:endParaRPr lang="en-US" b="1" dirty="0">
               <a:solidFill>
@@ -7635,7 +9756,7 @@
 </p:sld>
 </file>
 
-<file path=ppt/slides/slide12.xml><?xml version="1.0" encoding="utf-8"?>
+<file path=ppt/slides/slide24.xml><?xml version="1.0" encoding="utf-8"?>
 <p:sld xmlns:a="http://schemas.openxmlformats.org/drawingml/2006/main" xmlns:r="http://schemas.openxmlformats.org/officeDocument/2006/relationships" xmlns:p="http://schemas.openxmlformats.org/presentationml/2006/main">
   <p:cSld>
     <p:spTree>
@@ -7747,7 +9868,7 @@
                 </a:solidFill>
               </a:rPr>
               <a:pPr/>
-              <a:t>11</a:t>
+              <a:t>23</a:t>
             </a:fld>
             <a:endParaRPr lang="en-US" b="1" dirty="0">
               <a:solidFill>
@@ -8021,314 +10142,6 @@
     <p:extLst>
       <p:ext uri="{BB962C8B-B14F-4D97-AF65-F5344CB8AC3E}">
         <p14:creationId xmlns:p14="http://schemas.microsoft.com/office/powerpoint/2010/main" val="4215208932"/>
-      </p:ext>
-    </p:extLst>
-  </p:cSld>
-  <p:clrMapOvr>
-    <a:masterClrMapping/>
-  </p:clrMapOvr>
-  <p:transition spd="slow">
-    <p:push/>
-  </p:transition>
-  <p:timing>
-    <p:tnLst>
-      <p:par>
-        <p:cTn id="1" dur="indefinite" restart="never" nodeType="tmRoot"/>
-      </p:par>
-    </p:tnLst>
-  </p:timing>
-</p:sld>
-</file>
-
-<file path=ppt/slides/slide2.xml><?xml version="1.0" encoding="utf-8"?>
-<p:sld xmlns:a="http://schemas.openxmlformats.org/drawingml/2006/main" xmlns:r="http://schemas.openxmlformats.org/officeDocument/2006/relationships" xmlns:p="http://schemas.openxmlformats.org/presentationml/2006/main">
-  <p:cSld>
-    <p:spTree>
-      <p:nvGrpSpPr>
-        <p:cNvPr id="1" name=""/>
-        <p:cNvGrpSpPr/>
-        <p:nvPr/>
-      </p:nvGrpSpPr>
-      <p:grpSpPr>
-        <a:xfrm>
-          <a:off x="0" y="0"/>
-          <a:ext cx="0" cy="0"/>
-          <a:chOff x="0" y="0"/>
-          <a:chExt cx="0" cy="0"/>
-        </a:xfrm>
-      </p:grpSpPr>
-      <p:pic>
-        <p:nvPicPr>
-          <p:cNvPr id="7" name="Image 6" descr="Logo_BananaRocket.png"/>
-          <p:cNvPicPr>
-            <a:picLocks noChangeAspect="1"/>
-          </p:cNvPicPr>
-          <p:nvPr/>
-        </p:nvPicPr>
-        <p:blipFill>
-          <a:blip r:embed="rId3" cstate="email">
-            <a:extLst>
-              <a:ext uri="{28A0092B-C50C-407E-A947-70E740481C1C}">
-                <a14:useLocalDpi xmlns:a14="http://schemas.microsoft.com/office/drawing/2010/main" val="0"/>
-              </a:ext>
-            </a:extLst>
-          </a:blip>
-          <a:stretch>
-            <a:fillRect/>
-          </a:stretch>
-        </p:blipFill>
-        <p:spPr>
-          <a:xfrm>
-            <a:off x="1433687" y="1157298"/>
-            <a:ext cx="6172200" cy="2939143"/>
-          </a:xfrm>
-          <a:prstGeom prst="rect">
-            <a:avLst/>
-          </a:prstGeom>
-        </p:spPr>
-      </p:pic>
-      <p:sp>
-        <p:nvSpPr>
-          <p:cNvPr id="8" name="ZoneTexte 7"/>
-          <p:cNvSpPr txBox="1"/>
-          <p:nvPr/>
-        </p:nvSpPr>
-        <p:spPr>
-          <a:xfrm>
-            <a:off x="2980028" y="3910167"/>
-            <a:ext cx="3091599" cy="1508105"/>
-          </a:xfrm>
-          <a:prstGeom prst="rect">
-            <a:avLst/>
-          </a:prstGeom>
-          <a:noFill/>
-        </p:spPr>
-        <p:txBody>
-          <a:bodyPr wrap="none" rtlCol="0">
-            <a:spAutoFit/>
-          </a:bodyPr>
-          <a:lstStyle/>
-          <a:p>
-            <a:pPr algn="ctr"/>
-            <a:r>
-              <a:rPr lang="fr-FR" dirty="0" smtClean="0">
-                <a:solidFill>
-                  <a:srgbClr val="C50000"/>
-                </a:solidFill>
-              </a:rPr>
-              <a:t>Margaux </a:t>
-            </a:r>
-            <a:r>
-              <a:rPr lang="fr-FR" dirty="0" err="1" smtClean="0">
-                <a:solidFill>
-                  <a:srgbClr val="C50000"/>
-                </a:solidFill>
-              </a:rPr>
-              <a:t>Divernois</a:t>
-            </a:r>
-            <a:endParaRPr lang="fr-FR" dirty="0" smtClean="0">
-              <a:solidFill>
-                <a:srgbClr val="C50000"/>
-              </a:solidFill>
-            </a:endParaRPr>
-          </a:p>
-          <a:p>
-            <a:pPr algn="ctr"/>
-            <a:r>
-              <a:rPr lang="fr-FR" dirty="0" smtClean="0">
-                <a:solidFill>
-                  <a:srgbClr val="C50000"/>
-                </a:solidFill>
-              </a:rPr>
-              <a:t>Romain </a:t>
-            </a:r>
-            <a:r>
-              <a:rPr lang="fr-FR" dirty="0" err="1" smtClean="0">
-                <a:solidFill>
-                  <a:srgbClr val="C50000"/>
-                </a:solidFill>
-              </a:rPr>
-              <a:t>Claret-Yakovenko</a:t>
-            </a:r>
-            <a:endParaRPr lang="fr-FR" dirty="0" smtClean="0">
-              <a:solidFill>
-                <a:srgbClr val="C50000"/>
-              </a:solidFill>
-            </a:endParaRPr>
-          </a:p>
-          <a:p>
-            <a:pPr algn="ctr"/>
-            <a:r>
-              <a:rPr lang="fr-FR" dirty="0" smtClean="0">
-                <a:solidFill>
-                  <a:srgbClr val="C50000"/>
-                </a:solidFill>
-              </a:rPr>
-              <a:t>Steve Visinand</a:t>
-            </a:r>
-            <a:endParaRPr lang="fr-FR" sz="1200" dirty="0">
-              <a:solidFill>
-                <a:srgbClr val="C50000"/>
-              </a:solidFill>
-            </a:endParaRPr>
-          </a:p>
-          <a:p>
-            <a:pPr algn="ctr"/>
-            <a:endParaRPr lang="fr-FR" sz="1200" dirty="0" smtClean="0">
-              <a:solidFill>
-                <a:srgbClr val="C50000"/>
-              </a:solidFill>
-            </a:endParaRPr>
-          </a:p>
-          <a:p>
-            <a:pPr algn="ctr"/>
-            <a:endParaRPr lang="fr-FR" sz="500" dirty="0">
-              <a:solidFill>
-                <a:srgbClr val="C50000"/>
-              </a:solidFill>
-            </a:endParaRPr>
-          </a:p>
-          <a:p>
-            <a:pPr algn="ctr"/>
-            <a:r>
-              <a:rPr lang="fr-CH" dirty="0" smtClean="0">
-                <a:solidFill>
-                  <a:srgbClr val="C50000"/>
-                </a:solidFill>
-              </a:rPr>
-              <a:t>04.09.15</a:t>
-            </a:r>
-            <a:endParaRPr lang="fr-FR" dirty="0" smtClean="0">
-              <a:solidFill>
-                <a:srgbClr val="C50000"/>
-              </a:solidFill>
-            </a:endParaRPr>
-          </a:p>
-        </p:txBody>
-      </p:sp>
-      <p:pic>
-        <p:nvPicPr>
-          <p:cNvPr id="10" name="Image 9" descr="footer.png"/>
-          <p:cNvPicPr>
-            <a:picLocks noChangeAspect="1"/>
-          </p:cNvPicPr>
-          <p:nvPr/>
-        </p:nvPicPr>
-        <p:blipFill rotWithShape="1">
-          <a:blip r:embed="rId4">
-            <a:extLst>
-              <a:ext uri="{28A0092B-C50C-407E-A947-70E740481C1C}">
-                <a14:useLocalDpi xmlns:a14="http://schemas.microsoft.com/office/drawing/2010/main" val="0"/>
-              </a:ext>
-            </a:extLst>
-          </a:blip>
-          <a:srcRect l="15122" r="18156"/>
-          <a:stretch/>
-        </p:blipFill>
-        <p:spPr>
-          <a:xfrm>
-            <a:off x="-460839" y="6122730"/>
-            <a:ext cx="10188461" cy="763492"/>
-          </a:xfrm>
-          <a:prstGeom prst="rect">
-            <a:avLst/>
-          </a:prstGeom>
-        </p:spPr>
-      </p:pic>
-      <p:sp>
-        <p:nvSpPr>
-          <p:cNvPr id="11" name="Espace réservé du numéro de diapositive 10"/>
-          <p:cNvSpPr>
-            <a:spLocks noGrp="1"/>
-          </p:cNvSpPr>
-          <p:nvPr>
-            <p:ph type="sldNum" sz="quarter" idx="12"/>
-          </p:nvPr>
-        </p:nvSpPr>
-        <p:spPr/>
-        <p:txBody>
-          <a:bodyPr/>
-          <a:lstStyle/>
-          <a:p>
-            <a:fld id="{687D7A59-36E2-48B9-B146-C1E59501F63F}" type="slidenum">
-              <a:rPr lang="en-US" b="1" smtClean="0">
-                <a:solidFill>
-                  <a:srgbClr val="FFFFFF"/>
-                </a:solidFill>
-              </a:rPr>
-              <a:pPr/>
-              <a:t>1</a:t>
-            </a:fld>
-            <a:endParaRPr lang="en-US" b="1" dirty="0">
-              <a:solidFill>
-                <a:srgbClr val="FFFFFF"/>
-              </a:solidFill>
-            </a:endParaRPr>
-          </a:p>
-        </p:txBody>
-      </p:sp>
-      <p:sp>
-        <p:nvSpPr>
-          <p:cNvPr id="13" name="ZoneTexte 12"/>
-          <p:cNvSpPr txBox="1"/>
-          <p:nvPr/>
-        </p:nvSpPr>
-        <p:spPr>
-          <a:xfrm>
-            <a:off x="3719375" y="873255"/>
-            <a:ext cx="1583524" cy="369332"/>
-          </a:xfrm>
-          <a:prstGeom prst="rect">
-            <a:avLst/>
-          </a:prstGeom>
-          <a:noFill/>
-        </p:spPr>
-        <p:txBody>
-          <a:bodyPr wrap="none" rtlCol="0">
-            <a:spAutoFit/>
-          </a:bodyPr>
-          <a:lstStyle/>
-          <a:p>
-            <a:pPr algn="ctr"/>
-            <a:r>
-              <a:rPr lang="fr-FR" b="1" dirty="0" smtClean="0">
-                <a:solidFill>
-                  <a:srgbClr val="EECF1A"/>
-                </a:solidFill>
-              </a:rPr>
-              <a:t>Présenté par</a:t>
-            </a:r>
-          </a:p>
-        </p:txBody>
-      </p:sp>
-      <p:pic>
-        <p:nvPicPr>
-          <p:cNvPr id="2" name="Image 1"/>
-          <p:cNvPicPr>
-            <a:picLocks noChangeAspect="1"/>
-          </p:cNvPicPr>
-          <p:nvPr/>
-        </p:nvPicPr>
-        <p:blipFill>
-          <a:blip r:embed="rId5"/>
-          <a:stretch>
-            <a:fillRect/>
-          </a:stretch>
-        </p:blipFill>
-        <p:spPr>
-          <a:xfrm>
-            <a:off x="3124051" y="5535422"/>
-            <a:ext cx="3091599" cy="441840"/>
-          </a:xfrm>
-          <a:prstGeom prst="rect">
-            <a:avLst/>
-          </a:prstGeom>
-        </p:spPr>
-      </p:pic>
-    </p:spTree>
-    <p:extLst>
-      <p:ext uri="{BB962C8B-B14F-4D97-AF65-F5344CB8AC3E}">
-        <p14:creationId xmlns:p14="http://schemas.microsoft.com/office/powerpoint/2010/main" val="1579752493"/>
       </p:ext>
     </p:extLst>
   </p:cSld>
@@ -8530,18 +10343,7 @@
                   </a:schemeClr>
                 </a:solidFill>
               </a:rPr>
-              <a:t>But</a:t>
-            </a:r>
-            <a:r>
-              <a:rPr lang="fr-FR" b="1" dirty="0" smtClean="0">
-                <a:solidFill>
-                  <a:schemeClr val="tx2">
-                    <a:lumMod val="60000"/>
-                    <a:lumOff val="40000"/>
-                  </a:schemeClr>
-                </a:solidFill>
-              </a:rPr>
-              <a:t>s</a:t>
+              <a:t>Buts</a:t>
             </a:r>
           </a:p>
           <a:p>
@@ -8636,14 +10438,6 @@
               </a:rPr>
               <a:t>Conclusion</a:t>
             </a:r>
-            <a:endParaRPr lang="fr-FR" b="1" dirty="0" smtClean="0">
-              <a:solidFill>
-                <a:schemeClr val="tx2">
-                  <a:lumMod val="60000"/>
-                  <a:lumOff val="40000"/>
-                </a:schemeClr>
-              </a:solidFill>
-            </a:endParaRPr>
           </a:p>
         </p:txBody>
       </p:sp>
@@ -9897,25 +11691,20 @@
             </a:pPr>
             <a:r>
               <a:rPr lang="fr-FR" sz="2000" dirty="0" smtClean="0"/>
-              <a:t>De surfaces, de personnages (optimisation </a:t>
-            </a:r>
-            <a:r>
-              <a:rPr lang="fr-FR" sz="2000" smtClean="0"/>
-              <a:t>pour l’utilisation du memento </a:t>
-            </a:r>
-            <a:r>
-              <a:rPr lang="fr-FR" sz="2000"/>
+              <a:t>De surfaces, de personnages (optimisation pour l’utilisation du memento </a:t>
+            </a:r>
+            <a:r>
+              <a:rPr lang="fr-FR" sz="2000" dirty="0"/>
               <a:t>et </a:t>
             </a:r>
             <a:r>
-              <a:rPr lang="fr-FR" sz="2000" smtClean="0"/>
+              <a:rPr lang="fr-FR" sz="2000" dirty="0" smtClean="0"/>
               <a:t>de l’observer</a:t>
             </a:r>
             <a:r>
               <a:rPr lang="fr-FR" sz="2000" dirty="0"/>
               <a:t>)</a:t>
             </a:r>
-            <a:endParaRPr lang="fr-FR" sz="2000" dirty="0"/>
           </a:p>
         </p:txBody>
       </p:sp>
